--- a/cours_1/img/images.pptx
+++ b/cours_1/img/images.pptx
@@ -5,7 +5,7 @@
     <p:sldMasterId id="2147483648" r:id="rId1"/>
   </p:sldMasterIdLst>
   <p:notesMasterIdLst>
-    <p:notesMasterId r:id="rId17"/>
+    <p:notesMasterId r:id="rId19"/>
   </p:notesMasterIdLst>
   <p:sldIdLst>
     <p:sldId id="256" r:id="rId2"/>
@@ -23,6 +23,8 @@
     <p:sldId id="282" r:id="rId14"/>
     <p:sldId id="283" r:id="rId15"/>
     <p:sldId id="285" r:id="rId16"/>
+    <p:sldId id="287" r:id="rId17"/>
+    <p:sldId id="286" r:id="rId18"/>
   </p:sldIdLst>
   <p:sldSz cx="12192000" cy="6858000"/>
   <p:notesSz cx="6858000" cy="9144000"/>
@@ -1048,7 +1050,7 @@
           <a:p>
             <a:r>
               <a:rPr lang="fr-CA" dirty="0"/>
-              <a:t>SI_vs_AM_2</a:t>
+              <a:t>SI_vs_AM_3</a:t>
             </a:r>
           </a:p>
         </p:txBody>
@@ -1080,6 +1082,180 @@
     <p:extLst>
       <p:ext uri="{BB962C8B-B14F-4D97-AF65-F5344CB8AC3E}">
         <p14:creationId xmlns:p14="http://schemas.microsoft.com/office/powerpoint/2010/main" val="2233890776"/>
+      </p:ext>
+    </p:extLst>
+  </p:cSld>
+  <p:clrMapOvr>
+    <a:masterClrMapping/>
+  </p:clrMapOvr>
+</p:notes>
+</file>
+
+<file path=ppt/notesSlides/notesSlide16.xml><?xml version="1.0" encoding="utf-8"?>
+<p:notes xmlns:a="http://schemas.openxmlformats.org/drawingml/2006/main" xmlns:r="http://schemas.openxmlformats.org/officeDocument/2006/relationships" xmlns:p="http://schemas.openxmlformats.org/presentationml/2006/main">
+  <p:cSld>
+    <p:spTree>
+      <p:nvGrpSpPr>
+        <p:cNvPr id="1" name=""/>
+        <p:cNvGrpSpPr/>
+        <p:nvPr/>
+      </p:nvGrpSpPr>
+      <p:grpSpPr>
+        <a:xfrm>
+          <a:off x="0" y="0"/>
+          <a:ext cx="0" cy="0"/>
+          <a:chOff x="0" y="0"/>
+          <a:chExt cx="0" cy="0"/>
+        </a:xfrm>
+      </p:grpSpPr>
+      <p:sp>
+        <p:nvSpPr>
+          <p:cNvPr id="2" name="Slide Image Placeholder 1"/>
+          <p:cNvSpPr>
+            <a:spLocks noGrp="1" noRot="1" noChangeAspect="1"/>
+          </p:cNvSpPr>
+          <p:nvPr>
+            <p:ph type="sldImg"/>
+          </p:nvPr>
+        </p:nvSpPr>
+        <p:spPr/>
+      </p:sp>
+      <p:sp>
+        <p:nvSpPr>
+          <p:cNvPr id="3" name="Notes Placeholder 2"/>
+          <p:cNvSpPr>
+            <a:spLocks noGrp="1"/>
+          </p:cNvSpPr>
+          <p:nvPr>
+            <p:ph type="body" idx="1"/>
+          </p:nvPr>
+        </p:nvSpPr>
+        <p:spPr/>
+        <p:txBody>
+          <a:bodyPr/>
+          <a:lstStyle/>
+          <a:p>
+            <a:r>
+              <a:rPr lang="fr-CA" dirty="0"/>
+              <a:t>SI_vs_AM_3_txt</a:t>
+            </a:r>
+          </a:p>
+        </p:txBody>
+      </p:sp>
+      <p:sp>
+        <p:nvSpPr>
+          <p:cNvPr id="4" name="Slide Number Placeholder 3"/>
+          <p:cNvSpPr>
+            <a:spLocks noGrp="1"/>
+          </p:cNvSpPr>
+          <p:nvPr>
+            <p:ph type="sldNum" sz="quarter" idx="5"/>
+          </p:nvPr>
+        </p:nvSpPr>
+        <p:spPr/>
+        <p:txBody>
+          <a:bodyPr/>
+          <a:lstStyle/>
+          <a:p>
+            <a:fld id="{0713F8AC-CE29-474A-8EF3-B92DD467D45E}" type="slidenum">
+              <a:rPr lang="fr-CA" smtClean="0"/>
+              <a:t>16</a:t>
+            </a:fld>
+            <a:endParaRPr lang="fr-CA"/>
+          </a:p>
+        </p:txBody>
+      </p:sp>
+    </p:spTree>
+    <p:extLst>
+      <p:ext uri="{BB962C8B-B14F-4D97-AF65-F5344CB8AC3E}">
+        <p14:creationId xmlns:p14="http://schemas.microsoft.com/office/powerpoint/2010/main" val="1334025733"/>
+      </p:ext>
+    </p:extLst>
+  </p:cSld>
+  <p:clrMapOvr>
+    <a:masterClrMapping/>
+  </p:clrMapOvr>
+</p:notes>
+</file>
+
+<file path=ppt/notesSlides/notesSlide17.xml><?xml version="1.0" encoding="utf-8"?>
+<p:notes xmlns:a="http://schemas.openxmlformats.org/drawingml/2006/main" xmlns:r="http://schemas.openxmlformats.org/officeDocument/2006/relationships" xmlns:p="http://schemas.openxmlformats.org/presentationml/2006/main">
+  <p:cSld>
+    <p:spTree>
+      <p:nvGrpSpPr>
+        <p:cNvPr id="1" name=""/>
+        <p:cNvGrpSpPr/>
+        <p:nvPr/>
+      </p:nvGrpSpPr>
+      <p:grpSpPr>
+        <a:xfrm>
+          <a:off x="0" y="0"/>
+          <a:ext cx="0" cy="0"/>
+          <a:chOff x="0" y="0"/>
+          <a:chExt cx="0" cy="0"/>
+        </a:xfrm>
+      </p:grpSpPr>
+      <p:sp>
+        <p:nvSpPr>
+          <p:cNvPr id="2" name="Slide Image Placeholder 1"/>
+          <p:cNvSpPr>
+            <a:spLocks noGrp="1" noRot="1" noChangeAspect="1"/>
+          </p:cNvSpPr>
+          <p:nvPr>
+            <p:ph type="sldImg"/>
+          </p:nvPr>
+        </p:nvSpPr>
+        <p:spPr/>
+      </p:sp>
+      <p:sp>
+        <p:nvSpPr>
+          <p:cNvPr id="3" name="Notes Placeholder 2"/>
+          <p:cNvSpPr>
+            <a:spLocks noGrp="1"/>
+          </p:cNvSpPr>
+          <p:nvPr>
+            <p:ph type="body" idx="1"/>
+          </p:nvPr>
+        </p:nvSpPr>
+        <p:spPr/>
+        <p:txBody>
+          <a:bodyPr/>
+          <a:lstStyle/>
+          <a:p>
+            <a:r>
+              <a:rPr lang="fr-CA" dirty="0"/>
+              <a:t>SI_3_txt_1</a:t>
+            </a:r>
+          </a:p>
+        </p:txBody>
+      </p:sp>
+      <p:sp>
+        <p:nvSpPr>
+          <p:cNvPr id="4" name="Slide Number Placeholder 3"/>
+          <p:cNvSpPr>
+            <a:spLocks noGrp="1"/>
+          </p:cNvSpPr>
+          <p:nvPr>
+            <p:ph type="sldNum" sz="quarter" idx="5"/>
+          </p:nvPr>
+        </p:nvSpPr>
+        <p:spPr/>
+        <p:txBody>
+          <a:bodyPr/>
+          <a:lstStyle/>
+          <a:p>
+            <a:fld id="{0713F8AC-CE29-474A-8EF3-B92DD467D45E}" type="slidenum">
+              <a:rPr lang="fr-CA" smtClean="0"/>
+              <a:t>17</a:t>
+            </a:fld>
+            <a:endParaRPr lang="fr-CA"/>
+          </a:p>
+        </p:txBody>
+      </p:sp>
+    </p:spTree>
+    <p:extLst>
+      <p:ext uri="{BB962C8B-B14F-4D97-AF65-F5344CB8AC3E}">
+        <p14:creationId xmlns:p14="http://schemas.microsoft.com/office/powerpoint/2010/main" val="3763376431"/>
       </p:ext>
     </p:extLst>
   </p:cSld>
@@ -1394,10 +1570,7 @@
           <a:bodyPr/>
           <a:lstStyle/>
           <a:p>
-            <a:r>
-              <a:rPr lang="fr-CA" dirty="0"/>
-              <a:t>SI_1_txt_2</a:t>
-            </a:r>
+            <a:endParaRPr lang="fr-CA" dirty="0"/>
           </a:p>
         </p:txBody>
       </p:sp>
@@ -6258,8 +6431,8 @@
           <a:chExt cx="0" cy="0"/>
         </a:xfrm>
       </p:grpSpPr>
-      <mc:AlternateContent xmlns:mc="http://schemas.openxmlformats.org/markup-compatibility/2006">
-        <mc:Choice xmlns:a14="http://schemas.microsoft.com/office/drawing/2010/main" Requires="a14">
+      <mc:AlternateContent xmlns:mc="http://schemas.openxmlformats.org/markup-compatibility/2006" xmlns:a14="http://schemas.microsoft.com/office/drawing/2010/main">
+        <mc:Choice Requires="a14">
           <p:sp>
             <p:nvSpPr>
               <p:cNvPr id="2" name="TextBox 1">
@@ -6427,7 +6600,7 @@
             </p:txBody>
           </p:sp>
         </mc:Choice>
-        <mc:Fallback>
+        <mc:Fallback xmlns="">
           <p:sp>
             <p:nvSpPr>
               <p:cNvPr id="2" name="TextBox 1">
@@ -7552,8 +7725,8 @@
           <a:chExt cx="0" cy="0"/>
         </a:xfrm>
       </p:grpSpPr>
-      <mc:AlternateContent xmlns:mc="http://schemas.openxmlformats.org/markup-compatibility/2006">
-        <mc:Choice xmlns:a14="http://schemas.microsoft.com/office/drawing/2010/main" Requires="a14">
+      <mc:AlternateContent xmlns:mc="http://schemas.openxmlformats.org/markup-compatibility/2006" xmlns:a14="http://schemas.microsoft.com/office/drawing/2010/main">
+        <mc:Choice Requires="a14">
           <p:sp>
             <p:nvSpPr>
               <p:cNvPr id="2" name="TextBox 1">
@@ -7888,7 +8061,7 @@
             </p:txBody>
           </p:sp>
         </mc:Choice>
-        <mc:Fallback>
+        <mc:Fallback xmlns="">
           <p:sp>
             <p:nvSpPr>
               <p:cNvPr id="2" name="TextBox 1">
@@ -10047,7 +10220,7 @@
           <p:nvPr>
             <p:extLst>
               <p:ext uri="{D42A27DB-BD31-4B8C-83A1-F6EECF244321}">
-                <p14:modId xmlns:p14="http://schemas.microsoft.com/office/powerpoint/2010/main" val="3145697614"/>
+                <p14:modId xmlns:p14="http://schemas.microsoft.com/office/powerpoint/2010/main" val="2518492458"/>
               </p:ext>
             </p:extLst>
           </p:nvPr>
@@ -10632,7 +10805,7 @@
                         <a:defRPr/>
                       </a:pPr>
                       <a:r>
-                        <a:rPr lang="fr-CA" sz="2800" b="1" dirty="0">
+                        <a:rPr lang="fr-CA" sz="2800" b="0" dirty="0">
                           <a:solidFill>
                             <a:schemeClr val="tx1"/>
                           </a:solidFill>
@@ -10760,6 +10933,320 @@
                     </a:lnBlToTr>
                     <a:solidFill>
                       <a:srgbClr val="FC9272"/>
+                    </a:solidFill>
+                  </a:tcPr>
+                </a:tc>
+                <a:tc>
+                  <a:txBody>
+                    <a:bodyPr/>
+                    <a:lstStyle/>
+                    <a:p>
+                      <a:pPr marL="0" marR="0" lvl="0" indent="0" algn="ctr" defTabSz="914400" rtl="0" eaLnBrk="1" fontAlgn="auto" latinLnBrk="0" hangingPunct="1">
+                        <a:lnSpc>
+                          <a:spcPct val="100000"/>
+                        </a:lnSpc>
+                        <a:spcBef>
+                          <a:spcPts val="0"/>
+                        </a:spcBef>
+                        <a:spcAft>
+                          <a:spcPts val="0"/>
+                        </a:spcAft>
+                        <a:buClrTx/>
+                        <a:buSzTx/>
+                        <a:buFontTx/>
+                        <a:buNone/>
+                        <a:tabLst/>
+                        <a:defRPr/>
+                      </a:pPr>
+                      <a:r>
+                        <a:rPr lang="fr-CA" sz="2400" b="0" dirty="0">
+                          <a:solidFill>
+                            <a:schemeClr val="tx1"/>
+                          </a:solidFill>
+                        </a:rPr>
+                        <a:t>vs</a:t>
+                      </a:r>
+                      <a:endParaRPr lang="fr-CA" sz="2400" b="0" dirty="0">
+                        <a:solidFill>
+                          <a:schemeClr val="bg1"/>
+                        </a:solidFill>
+                      </a:endParaRPr>
+                    </a:p>
+                  </a:txBody>
+                  <a:tcPr marL="106706" marR="106706" marT="53353" marB="53353" anchor="ctr">
+                    <a:lnL w="38100" cap="flat" cmpd="sng" algn="ctr">
+                      <a:solidFill>
+                        <a:schemeClr val="bg1"/>
+                      </a:solidFill>
+                      <a:prstDash val="solid"/>
+                      <a:round/>
+                      <a:headEnd type="none" w="med" len="med"/>
+                      <a:tailEnd type="none" w="med" len="med"/>
+                    </a:lnL>
+                    <a:lnR w="38100" cap="flat" cmpd="sng" algn="ctr">
+                      <a:solidFill>
+                        <a:schemeClr val="bg1"/>
+                      </a:solidFill>
+                      <a:prstDash val="solid"/>
+                      <a:round/>
+                      <a:headEnd type="none" w="med" len="med"/>
+                      <a:tailEnd type="none" w="med" len="med"/>
+                    </a:lnR>
+                    <a:lnT w="38100" cap="flat" cmpd="sng" algn="ctr">
+                      <a:solidFill>
+                        <a:schemeClr val="bg1"/>
+                      </a:solidFill>
+                      <a:prstDash val="solid"/>
+                      <a:round/>
+                      <a:headEnd type="none" w="med" len="med"/>
+                      <a:tailEnd type="none" w="med" len="med"/>
+                    </a:lnT>
+                    <a:lnB w="38100" cap="flat" cmpd="sng" algn="ctr">
+                      <a:solidFill>
+                        <a:schemeClr val="bg1"/>
+                      </a:solidFill>
+                      <a:prstDash val="solid"/>
+                      <a:round/>
+                      <a:headEnd type="none" w="med" len="med"/>
+                      <a:tailEnd type="none" w="med" len="med"/>
+                    </a:lnB>
+                    <a:lnTlToBr w="12700" cmpd="sng">
+                      <a:noFill/>
+                      <a:prstDash val="solid"/>
+                    </a:lnTlToBr>
+                    <a:lnBlToTr w="12700" cmpd="sng">
+                      <a:noFill/>
+                      <a:prstDash val="solid"/>
+                    </a:lnBlToTr>
+                    <a:solidFill>
+                      <a:schemeClr val="bg1"/>
+                    </a:solidFill>
+                  </a:tcPr>
+                </a:tc>
+                <a:tc>
+                  <a:txBody>
+                    <a:bodyPr/>
+                    <a:lstStyle/>
+                    <a:p>
+                      <a:pPr algn="ctr"/>
+                      <a:r>
+                        <a:rPr lang="fr-CA" sz="2400" b="0" dirty="0">
+                          <a:solidFill>
+                            <a:schemeClr val="bg1"/>
+                          </a:solidFill>
+                        </a:rPr>
+                        <a:t>Méthode essentiellement inductive</a:t>
+                      </a:r>
+                    </a:p>
+                  </a:txBody>
+                  <a:tcPr marL="106706" marR="106706" marT="53353" marB="53353" anchor="ctr">
+                    <a:lnL w="38100" cap="flat" cmpd="sng" algn="ctr">
+                      <a:solidFill>
+                        <a:schemeClr val="bg1"/>
+                      </a:solidFill>
+                      <a:prstDash val="solid"/>
+                      <a:round/>
+                      <a:headEnd type="none" w="med" len="med"/>
+                      <a:tailEnd type="none" w="med" len="med"/>
+                    </a:lnL>
+                    <a:lnR w="38100" cap="flat" cmpd="sng" algn="ctr">
+                      <a:solidFill>
+                        <a:schemeClr val="bg1"/>
+                      </a:solidFill>
+                      <a:prstDash val="solid"/>
+                      <a:round/>
+                      <a:headEnd type="none" w="med" len="med"/>
+                      <a:tailEnd type="none" w="med" len="med"/>
+                    </a:lnR>
+                    <a:lnT w="38100" cap="flat" cmpd="sng" algn="ctr">
+                      <a:solidFill>
+                        <a:schemeClr val="bg1"/>
+                      </a:solidFill>
+                      <a:prstDash val="solid"/>
+                      <a:round/>
+                      <a:headEnd type="none" w="med" len="med"/>
+                      <a:tailEnd type="none" w="med" len="med"/>
+                    </a:lnT>
+                    <a:lnB w="38100" cap="flat" cmpd="sng" algn="ctr">
+                      <a:solidFill>
+                        <a:schemeClr val="bg1"/>
+                      </a:solidFill>
+                      <a:prstDash val="solid"/>
+                      <a:round/>
+                      <a:headEnd type="none" w="med" len="med"/>
+                      <a:tailEnd type="none" w="med" len="med"/>
+                    </a:lnB>
+                    <a:lnTlToBr w="12700" cmpd="sng">
+                      <a:noFill/>
+                      <a:prstDash val="solid"/>
+                    </a:lnTlToBr>
+                    <a:lnBlToTr w="12700" cmpd="sng">
+                      <a:noFill/>
+                      <a:prstDash val="solid"/>
+                    </a:lnBlToTr>
+                    <a:solidFill>
+                      <a:srgbClr val="9ECAE1"/>
+                    </a:solidFill>
+                  </a:tcPr>
+                </a:tc>
+                <a:extLst>
+                  <a:ext uri="{0D108BD9-81ED-4DB2-BD59-A6C34878D82A}">
+                    <a16:rowId xmlns:a16="http://schemas.microsoft.com/office/drawing/2014/main" val="590451549"/>
+                  </a:ext>
+                </a:extLst>
+              </a:tr>
+              <a:tr h="720000">
+                <a:tc>
+                  <a:txBody>
+                    <a:bodyPr/>
+                    <a:lstStyle/>
+                    <a:p>
+                      <a:pPr marL="0" marR="0" lvl="0" indent="0" algn="ctr" defTabSz="914400" rtl="0" eaLnBrk="1" fontAlgn="auto" latinLnBrk="0" hangingPunct="1">
+                        <a:lnSpc>
+                          <a:spcPct val="100000"/>
+                        </a:lnSpc>
+                        <a:spcBef>
+                          <a:spcPts val="0"/>
+                        </a:spcBef>
+                        <a:spcAft>
+                          <a:spcPts val="0"/>
+                        </a:spcAft>
+                        <a:buClrTx/>
+                        <a:buSzTx/>
+                        <a:buFontTx/>
+                        <a:buNone/>
+                        <a:tabLst/>
+                        <a:defRPr/>
+                      </a:pPr>
+                      <a:r>
+                        <a:rPr lang="fr-CA" sz="2800" b="1" dirty="0">
+                          <a:solidFill>
+                            <a:schemeClr val="tx1"/>
+                          </a:solidFill>
+                        </a:rPr>
+                        <a:t>1.3.</a:t>
+                      </a:r>
+                    </a:p>
+                  </a:txBody>
+                  <a:tcPr marL="106706" marR="106706" marT="53353" marB="53353" anchor="ctr">
+                    <a:lnL w="38100" cap="flat" cmpd="sng" algn="ctr">
+                      <a:noFill/>
+                      <a:prstDash val="solid"/>
+                      <a:round/>
+                      <a:headEnd type="none" w="med" len="med"/>
+                      <a:tailEnd type="none" w="med" len="med"/>
+                    </a:lnL>
+                    <a:lnR w="38100" cap="flat" cmpd="sng" algn="ctr">
+                      <a:noFill/>
+                      <a:prstDash val="solid"/>
+                      <a:round/>
+                      <a:headEnd type="none" w="med" len="med"/>
+                      <a:tailEnd type="none" w="med" len="med"/>
+                    </a:lnR>
+                    <a:lnT w="38100" cap="flat" cmpd="sng" algn="ctr">
+                      <a:noFill/>
+                      <a:prstDash val="solid"/>
+                      <a:round/>
+                      <a:headEnd type="none" w="med" len="med"/>
+                      <a:tailEnd type="none" w="med" len="med"/>
+                    </a:lnT>
+                    <a:lnB w="38100" cap="flat" cmpd="sng" algn="ctr">
+                      <a:noFill/>
+                      <a:prstDash val="solid"/>
+                      <a:round/>
+                      <a:headEnd type="none" w="med" len="med"/>
+                      <a:tailEnd type="none" w="med" len="med"/>
+                    </a:lnB>
+                    <a:lnTlToBr w="12700" cmpd="sng">
+                      <a:noFill/>
+                      <a:prstDash val="solid"/>
+                    </a:lnTlToBr>
+                    <a:lnBlToTr w="12700" cmpd="sng">
+                      <a:noFill/>
+                      <a:prstDash val="solid"/>
+                    </a:lnBlToTr>
+                    <a:solidFill>
+                      <a:schemeClr val="bg1"/>
+                    </a:solidFill>
+                  </a:tcPr>
+                </a:tc>
+                <a:tc>
+                  <a:txBody>
+                    <a:bodyPr/>
+                    <a:lstStyle/>
+                    <a:p>
+                      <a:pPr marL="0" marR="0" lvl="0" indent="0" algn="ctr" defTabSz="914400" rtl="0" eaLnBrk="1" fontAlgn="auto" latinLnBrk="0" hangingPunct="1">
+                        <a:lnSpc>
+                          <a:spcPct val="100000"/>
+                        </a:lnSpc>
+                        <a:spcBef>
+                          <a:spcPts val="0"/>
+                        </a:spcBef>
+                        <a:spcAft>
+                          <a:spcPts val="0"/>
+                        </a:spcAft>
+                        <a:buClrTx/>
+                        <a:buSzTx/>
+                        <a:buFontTx/>
+                        <a:buNone/>
+                        <a:tabLst/>
+                        <a:defRPr/>
+                      </a:pPr>
+                      <a:r>
+                        <a:rPr lang="fr-CA" sz="2400" b="1" dirty="0">
+                          <a:solidFill>
+                            <a:schemeClr val="bg1"/>
+                          </a:solidFill>
+                        </a:rPr>
+                        <a:t>Minimisation du biais</a:t>
+                      </a:r>
+                    </a:p>
+                  </a:txBody>
+                  <a:tcPr marL="106706" marR="106706" marT="53353" marB="53353" anchor="ctr">
+                    <a:lnL w="38100" cap="flat" cmpd="sng" algn="ctr">
+                      <a:noFill/>
+                      <a:prstDash val="solid"/>
+                      <a:round/>
+                      <a:headEnd type="none" w="med" len="med"/>
+                      <a:tailEnd type="none" w="med" len="med"/>
+                    </a:lnL>
+                    <a:lnR w="38100" cap="flat" cmpd="sng" algn="ctr">
+                      <a:solidFill>
+                        <a:schemeClr val="bg1"/>
+                      </a:solidFill>
+                      <a:prstDash val="solid"/>
+                      <a:round/>
+                      <a:headEnd type="none" w="med" len="med"/>
+                      <a:tailEnd type="none" w="med" len="med"/>
+                    </a:lnR>
+                    <a:lnT w="38100" cap="flat" cmpd="sng" algn="ctr">
+                      <a:solidFill>
+                        <a:schemeClr val="bg1"/>
+                      </a:solidFill>
+                      <a:prstDash val="solid"/>
+                      <a:round/>
+                      <a:headEnd type="none" w="med" len="med"/>
+                      <a:tailEnd type="none" w="med" len="med"/>
+                    </a:lnT>
+                    <a:lnB w="38100" cap="flat" cmpd="sng" algn="ctr">
+                      <a:solidFill>
+                        <a:schemeClr val="bg1"/>
+                      </a:solidFill>
+                      <a:prstDash val="solid"/>
+                      <a:round/>
+                      <a:headEnd type="none" w="med" len="med"/>
+                      <a:tailEnd type="none" w="med" len="med"/>
+                    </a:lnB>
+                    <a:lnTlToBr w="12700" cmpd="sng">
+                      <a:noFill/>
+                      <a:prstDash val="solid"/>
+                    </a:lnTlToBr>
+                    <a:lnBlToTr w="12700" cmpd="sng">
+                      <a:noFill/>
+                      <a:prstDash val="solid"/>
+                    </a:lnBlToTr>
+                    <a:solidFill>
+                      <a:srgbClr val="EF3B2C"/>
                     </a:solidFill>
                   </a:tcPr>
                 </a:tc>
@@ -10857,320 +11344,6 @@
                     <a:p>
                       <a:pPr algn="ctr"/>
                       <a:r>
-                        <a:rPr lang="fr-CA" sz="2400" b="0" dirty="0">
-                          <a:solidFill>
-                            <a:schemeClr val="bg1"/>
-                          </a:solidFill>
-                        </a:rPr>
-                        <a:t>Méthode essentiellement inductive</a:t>
-                      </a:r>
-                    </a:p>
-                  </a:txBody>
-                  <a:tcPr marL="106706" marR="106706" marT="53353" marB="53353" anchor="ctr">
-                    <a:lnL w="38100" cap="flat" cmpd="sng" algn="ctr">
-                      <a:solidFill>
-                        <a:schemeClr val="bg1"/>
-                      </a:solidFill>
-                      <a:prstDash val="solid"/>
-                      <a:round/>
-                      <a:headEnd type="none" w="med" len="med"/>
-                      <a:tailEnd type="none" w="med" len="med"/>
-                    </a:lnL>
-                    <a:lnR w="38100" cap="flat" cmpd="sng" algn="ctr">
-                      <a:solidFill>
-                        <a:schemeClr val="bg1"/>
-                      </a:solidFill>
-                      <a:prstDash val="solid"/>
-                      <a:round/>
-                      <a:headEnd type="none" w="med" len="med"/>
-                      <a:tailEnd type="none" w="med" len="med"/>
-                    </a:lnR>
-                    <a:lnT w="38100" cap="flat" cmpd="sng" algn="ctr">
-                      <a:solidFill>
-                        <a:schemeClr val="bg1"/>
-                      </a:solidFill>
-                      <a:prstDash val="solid"/>
-                      <a:round/>
-                      <a:headEnd type="none" w="med" len="med"/>
-                      <a:tailEnd type="none" w="med" len="med"/>
-                    </a:lnT>
-                    <a:lnB w="38100" cap="flat" cmpd="sng" algn="ctr">
-                      <a:solidFill>
-                        <a:schemeClr val="bg1"/>
-                      </a:solidFill>
-                      <a:prstDash val="solid"/>
-                      <a:round/>
-                      <a:headEnd type="none" w="med" len="med"/>
-                      <a:tailEnd type="none" w="med" len="med"/>
-                    </a:lnB>
-                    <a:lnTlToBr w="12700" cmpd="sng">
-                      <a:noFill/>
-                      <a:prstDash val="solid"/>
-                    </a:lnTlToBr>
-                    <a:lnBlToTr w="12700" cmpd="sng">
-                      <a:noFill/>
-                      <a:prstDash val="solid"/>
-                    </a:lnBlToTr>
-                    <a:solidFill>
-                      <a:srgbClr val="9ECAE1"/>
-                    </a:solidFill>
-                  </a:tcPr>
-                </a:tc>
-                <a:extLst>
-                  <a:ext uri="{0D108BD9-81ED-4DB2-BD59-A6C34878D82A}">
-                    <a16:rowId xmlns:a16="http://schemas.microsoft.com/office/drawing/2014/main" val="590451549"/>
-                  </a:ext>
-                </a:extLst>
-              </a:tr>
-              <a:tr h="720000">
-                <a:tc>
-                  <a:txBody>
-                    <a:bodyPr/>
-                    <a:lstStyle/>
-                    <a:p>
-                      <a:pPr marL="0" marR="0" lvl="0" indent="0" algn="ctr" defTabSz="914400" rtl="0" eaLnBrk="1" fontAlgn="auto" latinLnBrk="0" hangingPunct="1">
-                        <a:lnSpc>
-                          <a:spcPct val="100000"/>
-                        </a:lnSpc>
-                        <a:spcBef>
-                          <a:spcPts val="0"/>
-                        </a:spcBef>
-                        <a:spcAft>
-                          <a:spcPts val="0"/>
-                        </a:spcAft>
-                        <a:buClrTx/>
-                        <a:buSzTx/>
-                        <a:buFontTx/>
-                        <a:buNone/>
-                        <a:tabLst/>
-                        <a:defRPr/>
-                      </a:pPr>
-                      <a:r>
-                        <a:rPr lang="fr-CA" sz="2800" b="0" dirty="0">
-                          <a:solidFill>
-                            <a:schemeClr val="tx1"/>
-                          </a:solidFill>
-                        </a:rPr>
-                        <a:t>1.3.</a:t>
-                      </a:r>
-                    </a:p>
-                  </a:txBody>
-                  <a:tcPr marL="106706" marR="106706" marT="53353" marB="53353" anchor="ctr">
-                    <a:lnL w="38100" cap="flat" cmpd="sng" algn="ctr">
-                      <a:noFill/>
-                      <a:prstDash val="solid"/>
-                      <a:round/>
-                      <a:headEnd type="none" w="med" len="med"/>
-                      <a:tailEnd type="none" w="med" len="med"/>
-                    </a:lnL>
-                    <a:lnR w="38100" cap="flat" cmpd="sng" algn="ctr">
-                      <a:noFill/>
-                      <a:prstDash val="solid"/>
-                      <a:round/>
-                      <a:headEnd type="none" w="med" len="med"/>
-                      <a:tailEnd type="none" w="med" len="med"/>
-                    </a:lnR>
-                    <a:lnT w="38100" cap="flat" cmpd="sng" algn="ctr">
-                      <a:noFill/>
-                      <a:prstDash val="solid"/>
-                      <a:round/>
-                      <a:headEnd type="none" w="med" len="med"/>
-                      <a:tailEnd type="none" w="med" len="med"/>
-                    </a:lnT>
-                    <a:lnB w="38100" cap="flat" cmpd="sng" algn="ctr">
-                      <a:noFill/>
-                      <a:prstDash val="solid"/>
-                      <a:round/>
-                      <a:headEnd type="none" w="med" len="med"/>
-                      <a:tailEnd type="none" w="med" len="med"/>
-                    </a:lnB>
-                    <a:lnTlToBr w="12700" cmpd="sng">
-                      <a:noFill/>
-                      <a:prstDash val="solid"/>
-                    </a:lnTlToBr>
-                    <a:lnBlToTr w="12700" cmpd="sng">
-                      <a:noFill/>
-                      <a:prstDash val="solid"/>
-                    </a:lnBlToTr>
-                    <a:solidFill>
-                      <a:schemeClr val="bg1"/>
-                    </a:solidFill>
-                  </a:tcPr>
-                </a:tc>
-                <a:tc>
-                  <a:txBody>
-                    <a:bodyPr/>
-                    <a:lstStyle/>
-                    <a:p>
-                      <a:pPr marL="0" marR="0" lvl="0" indent="0" algn="ctr" defTabSz="914400" rtl="0" eaLnBrk="1" fontAlgn="auto" latinLnBrk="0" hangingPunct="1">
-                        <a:lnSpc>
-                          <a:spcPct val="100000"/>
-                        </a:lnSpc>
-                        <a:spcBef>
-                          <a:spcPts val="0"/>
-                        </a:spcBef>
-                        <a:spcAft>
-                          <a:spcPts val="0"/>
-                        </a:spcAft>
-                        <a:buClrTx/>
-                        <a:buSzTx/>
-                        <a:buFontTx/>
-                        <a:buNone/>
-                        <a:tabLst/>
-                        <a:defRPr/>
-                      </a:pPr>
-                      <a:r>
-                        <a:rPr lang="fr-CA" sz="2400" b="1" dirty="0">
-                          <a:solidFill>
-                            <a:schemeClr val="bg1"/>
-                          </a:solidFill>
-                        </a:rPr>
-                        <a:t>Minimisation du biais</a:t>
-                      </a:r>
-                    </a:p>
-                  </a:txBody>
-                  <a:tcPr marL="106706" marR="106706" marT="53353" marB="53353" anchor="ctr">
-                    <a:lnL w="38100" cap="flat" cmpd="sng" algn="ctr">
-                      <a:noFill/>
-                      <a:prstDash val="solid"/>
-                      <a:round/>
-                      <a:headEnd type="none" w="med" len="med"/>
-                      <a:tailEnd type="none" w="med" len="med"/>
-                    </a:lnL>
-                    <a:lnR w="38100" cap="flat" cmpd="sng" algn="ctr">
-                      <a:solidFill>
-                        <a:schemeClr val="bg1"/>
-                      </a:solidFill>
-                      <a:prstDash val="solid"/>
-                      <a:round/>
-                      <a:headEnd type="none" w="med" len="med"/>
-                      <a:tailEnd type="none" w="med" len="med"/>
-                    </a:lnR>
-                    <a:lnT w="38100" cap="flat" cmpd="sng" algn="ctr">
-                      <a:solidFill>
-                        <a:schemeClr val="bg1"/>
-                      </a:solidFill>
-                      <a:prstDash val="solid"/>
-                      <a:round/>
-                      <a:headEnd type="none" w="med" len="med"/>
-                      <a:tailEnd type="none" w="med" len="med"/>
-                    </a:lnT>
-                    <a:lnB w="38100" cap="flat" cmpd="sng" algn="ctr">
-                      <a:solidFill>
-                        <a:schemeClr val="bg1"/>
-                      </a:solidFill>
-                      <a:prstDash val="solid"/>
-                      <a:round/>
-                      <a:headEnd type="none" w="med" len="med"/>
-                      <a:tailEnd type="none" w="med" len="med"/>
-                    </a:lnB>
-                    <a:lnTlToBr w="12700" cmpd="sng">
-                      <a:noFill/>
-                      <a:prstDash val="solid"/>
-                    </a:lnTlToBr>
-                    <a:lnBlToTr w="12700" cmpd="sng">
-                      <a:noFill/>
-                      <a:prstDash val="solid"/>
-                    </a:lnBlToTr>
-                    <a:solidFill>
-                      <a:srgbClr val="EF3B2C"/>
-                    </a:solidFill>
-                  </a:tcPr>
-                </a:tc>
-                <a:tc>
-                  <a:txBody>
-                    <a:bodyPr/>
-                    <a:lstStyle/>
-                    <a:p>
-                      <a:pPr marL="0" marR="0" lvl="0" indent="0" algn="ctr" defTabSz="914400" rtl="0" eaLnBrk="1" fontAlgn="auto" latinLnBrk="0" hangingPunct="1">
-                        <a:lnSpc>
-                          <a:spcPct val="100000"/>
-                        </a:lnSpc>
-                        <a:spcBef>
-                          <a:spcPts val="0"/>
-                        </a:spcBef>
-                        <a:spcAft>
-                          <a:spcPts val="0"/>
-                        </a:spcAft>
-                        <a:buClrTx/>
-                        <a:buSzTx/>
-                        <a:buFontTx/>
-                        <a:buNone/>
-                        <a:tabLst/>
-                        <a:defRPr/>
-                      </a:pPr>
-                      <a:r>
-                        <a:rPr lang="fr-CA" sz="2400" b="0" dirty="0">
-                          <a:solidFill>
-                            <a:schemeClr val="tx1"/>
-                          </a:solidFill>
-                        </a:rPr>
-                        <a:t>vs</a:t>
-                      </a:r>
-                      <a:endParaRPr lang="fr-CA" sz="2400" b="0" dirty="0">
-                        <a:solidFill>
-                          <a:schemeClr val="bg1"/>
-                        </a:solidFill>
-                      </a:endParaRPr>
-                    </a:p>
-                  </a:txBody>
-                  <a:tcPr marL="106706" marR="106706" marT="53353" marB="53353" anchor="ctr">
-                    <a:lnL w="38100" cap="flat" cmpd="sng" algn="ctr">
-                      <a:solidFill>
-                        <a:schemeClr val="bg1"/>
-                      </a:solidFill>
-                      <a:prstDash val="solid"/>
-                      <a:round/>
-                      <a:headEnd type="none" w="med" len="med"/>
-                      <a:tailEnd type="none" w="med" len="med"/>
-                    </a:lnL>
-                    <a:lnR w="38100" cap="flat" cmpd="sng" algn="ctr">
-                      <a:solidFill>
-                        <a:schemeClr val="bg1"/>
-                      </a:solidFill>
-                      <a:prstDash val="solid"/>
-                      <a:round/>
-                      <a:headEnd type="none" w="med" len="med"/>
-                      <a:tailEnd type="none" w="med" len="med"/>
-                    </a:lnR>
-                    <a:lnT w="38100" cap="flat" cmpd="sng" algn="ctr">
-                      <a:solidFill>
-                        <a:schemeClr val="bg1"/>
-                      </a:solidFill>
-                      <a:prstDash val="solid"/>
-                      <a:round/>
-                      <a:headEnd type="none" w="med" len="med"/>
-                      <a:tailEnd type="none" w="med" len="med"/>
-                    </a:lnT>
-                    <a:lnB w="38100" cap="flat" cmpd="sng" algn="ctr">
-                      <a:solidFill>
-                        <a:schemeClr val="bg1"/>
-                      </a:solidFill>
-                      <a:prstDash val="solid"/>
-                      <a:round/>
-                      <a:headEnd type="none" w="med" len="med"/>
-                      <a:tailEnd type="none" w="med" len="med"/>
-                    </a:lnB>
-                    <a:lnTlToBr w="12700" cmpd="sng">
-                      <a:noFill/>
-                      <a:prstDash val="solid"/>
-                    </a:lnTlToBr>
-                    <a:lnBlToTr w="12700" cmpd="sng">
-                      <a:noFill/>
-                      <a:prstDash val="solid"/>
-                    </a:lnBlToTr>
-                    <a:solidFill>
-                      <a:schemeClr val="bg1"/>
-                    </a:solidFill>
-                  </a:tcPr>
-                </a:tc>
-                <a:tc>
-                  <a:txBody>
-                    <a:bodyPr/>
-                    <a:lstStyle/>
-                    <a:p>
-                      <a:pPr algn="ctr"/>
-                      <a:r>
                         <a:rPr lang="fr-CA" sz="2400" b="1" dirty="0">
                           <a:solidFill>
                             <a:schemeClr val="bg1"/>
@@ -11244,6 +11417,1654 @@
     <p:extLst>
       <p:ext uri="{BB962C8B-B14F-4D97-AF65-F5344CB8AC3E}">
         <p14:creationId xmlns:p14="http://schemas.microsoft.com/office/powerpoint/2010/main" val="3403702131"/>
+      </p:ext>
+    </p:extLst>
+  </p:cSld>
+  <p:clrMapOvr>
+    <a:masterClrMapping/>
+  </p:clrMapOvr>
+</p:sld>
+</file>
+
+<file path=ppt/slides/slide16.xml><?xml version="1.0" encoding="utf-8"?>
+<p:sld xmlns:a="http://schemas.openxmlformats.org/drawingml/2006/main" xmlns:r="http://schemas.openxmlformats.org/officeDocument/2006/relationships" xmlns:p="http://schemas.openxmlformats.org/presentationml/2006/main">
+  <p:cSld>
+    <p:spTree>
+      <p:nvGrpSpPr>
+        <p:cNvPr id="1" name=""/>
+        <p:cNvGrpSpPr/>
+        <p:nvPr/>
+      </p:nvGrpSpPr>
+      <p:grpSpPr>
+        <a:xfrm>
+          <a:off x="0" y="0"/>
+          <a:ext cx="0" cy="0"/>
+          <a:chOff x="0" y="0"/>
+          <a:chExt cx="0" cy="0"/>
+        </a:xfrm>
+      </p:grpSpPr>
+      <p:sp>
+        <p:nvSpPr>
+          <p:cNvPr id="2" name="TextBox 1">
+            <a:extLst>
+              <a:ext uri="{FF2B5EF4-FFF2-40B4-BE49-F238E27FC236}">
+                <a16:creationId xmlns:a16="http://schemas.microsoft.com/office/drawing/2014/main" id="{60FDD1FD-49C6-4CAF-A371-3D79CB109F68}"/>
+              </a:ext>
+            </a:extLst>
+          </p:cNvPr>
+          <p:cNvSpPr txBox="1"/>
+          <p:nvPr/>
+        </p:nvSpPr>
+        <p:spPr>
+          <a:xfrm>
+            <a:off x="0" y="957943"/>
+            <a:ext cx="12192000" cy="2246769"/>
+          </a:xfrm>
+          <a:prstGeom prst="rect">
+            <a:avLst/>
+          </a:prstGeom>
+          <a:noFill/>
+        </p:spPr>
+        <p:txBody>
+          <a:bodyPr wrap="square" rtlCol="0">
+            <a:spAutoFit/>
+          </a:bodyPr>
+          <a:lstStyle/>
+          <a:p>
+            <a:r>
+              <a:rPr lang="fr-CA" sz="2800" dirty="0"/>
+              <a:t>Où on va parler de l’estimation des paramètres à l’aide de </a:t>
+            </a:r>
+            <a:br>
+              <a:rPr lang="fr-CA" sz="2800" dirty="0"/>
+            </a:br>
+            <a:r>
+              <a:rPr lang="fr-CA" sz="2800" dirty="0"/>
+              <a:t>l’échantillon d’observations.</a:t>
+            </a:r>
+          </a:p>
+          <a:p>
+            <a:endParaRPr lang="fr-CA" sz="2800" dirty="0"/>
+          </a:p>
+          <a:p>
+            <a:pPr marL="1371600" lvl="2" indent="-457200">
+              <a:buFont typeface="Wingdings" panose="05000000000000000000" pitchFamily="2" charset="2"/>
+              <a:buChar char="Ø"/>
+            </a:pPr>
+            <a:r>
+              <a:rPr lang="fr-CA" sz="2800" dirty="0"/>
+              <a:t>Il s’agit du lieu de rencontre des </a:t>
+            </a:r>
+            <a:r>
+              <a:rPr lang="fr-CA" sz="2800" dirty="0">
+                <a:solidFill>
+                  <a:srgbClr val="C00000"/>
+                </a:solidFill>
+              </a:rPr>
+              <a:t>statistiques inférentielles </a:t>
+            </a:r>
+            <a:r>
+              <a:rPr lang="fr-CA" sz="2800" dirty="0"/>
+              <a:t>et </a:t>
+            </a:r>
+            <a:br>
+              <a:rPr lang="fr-CA" sz="2800" dirty="0"/>
+            </a:br>
+            <a:r>
+              <a:rPr lang="fr-CA" sz="2800" dirty="0"/>
+              <a:t>de l’</a:t>
+            </a:r>
+            <a:r>
+              <a:rPr lang="fr-CA" sz="2800" dirty="0">
+                <a:solidFill>
+                  <a:srgbClr val="08519C"/>
+                </a:solidFill>
+              </a:rPr>
+              <a:t>apprentissage machine</a:t>
+            </a:r>
+            <a:r>
+              <a:rPr lang="fr-CA" sz="2800" dirty="0"/>
+              <a:t>!</a:t>
+            </a:r>
+            <a:endParaRPr lang="fr-CA" sz="2400" dirty="0">
+              <a:solidFill>
+                <a:srgbClr val="08519C"/>
+              </a:solidFill>
+            </a:endParaRPr>
+          </a:p>
+        </p:txBody>
+      </p:sp>
+    </p:spTree>
+    <p:extLst>
+      <p:ext uri="{BB962C8B-B14F-4D97-AF65-F5344CB8AC3E}">
+        <p14:creationId xmlns:p14="http://schemas.microsoft.com/office/powerpoint/2010/main" val="1504110930"/>
+      </p:ext>
+    </p:extLst>
+  </p:cSld>
+  <p:clrMapOvr>
+    <a:masterClrMapping/>
+  </p:clrMapOvr>
+</p:sld>
+</file>
+
+<file path=ppt/slides/slide17.xml><?xml version="1.0" encoding="utf-8"?>
+<p:sld xmlns:a="http://schemas.openxmlformats.org/drawingml/2006/main" xmlns:r="http://schemas.openxmlformats.org/officeDocument/2006/relationships" xmlns:p="http://schemas.openxmlformats.org/presentationml/2006/main">
+  <p:cSld>
+    <p:spTree>
+      <p:nvGrpSpPr>
+        <p:cNvPr id="1" name=""/>
+        <p:cNvGrpSpPr/>
+        <p:nvPr/>
+      </p:nvGrpSpPr>
+      <p:grpSpPr>
+        <a:xfrm>
+          <a:off x="0" y="0"/>
+          <a:ext cx="0" cy="0"/>
+          <a:chOff x="0" y="0"/>
+          <a:chExt cx="0" cy="0"/>
+        </a:xfrm>
+      </p:grpSpPr>
+      <mc:AlternateContent xmlns:mc="http://schemas.openxmlformats.org/markup-compatibility/2006">
+        <mc:Choice xmlns:a14="http://schemas.microsoft.com/office/drawing/2010/main" Requires="a14">
+          <p:sp>
+            <p:nvSpPr>
+              <p:cNvPr id="2" name="TextBox 1">
+                <a:extLst>
+                  <a:ext uri="{FF2B5EF4-FFF2-40B4-BE49-F238E27FC236}">
+                    <a16:creationId xmlns:a16="http://schemas.microsoft.com/office/drawing/2014/main" id="{60FDD1FD-49C6-4CAF-A371-3D79CB109F68}"/>
+                  </a:ext>
+                </a:extLst>
+              </p:cNvPr>
+              <p:cNvSpPr txBox="1"/>
+              <p:nvPr/>
+            </p:nvSpPr>
+            <p:spPr>
+              <a:xfrm>
+                <a:off x="-7658100" y="707886"/>
+                <a:ext cx="25755600" cy="14865608"/>
+              </a:xfrm>
+              <a:prstGeom prst="rect">
+                <a:avLst/>
+              </a:prstGeom>
+              <a:noFill/>
+            </p:spPr>
+            <p:txBody>
+              <a:bodyPr wrap="square" rtlCol="0">
+                <a:spAutoFit/>
+              </a:bodyPr>
+              <a:lstStyle/>
+              <a:p>
+                <a:r>
+                  <a:rPr lang="fr-CA" sz="4000" b="1" dirty="0"/>
+                  <a:t>Prenons pour acquis que...:</a:t>
+                </a:r>
+              </a:p>
+              <a:p>
+                <a:endParaRPr lang="fr-CA" sz="4000" b="1" dirty="0"/>
+              </a:p>
+              <a:p>
+                <a:pPr marL="857250" indent="-857250">
+                  <a:buFont typeface="+mj-lt"/>
+                  <a:buAutoNum type="romanUcPeriod"/>
+                </a:pPr>
+                <a:r>
+                  <a:rPr lang="fr-CA" sz="4000" b="1" dirty="0"/>
+                  <a:t>Nous avons posé une question de recherche.</a:t>
+                </a:r>
+              </a:p>
+              <a:p>
+                <a:pPr marL="1771650" lvl="2" indent="-857250">
+                  <a:buFont typeface="Wingdings" panose="05000000000000000000" pitchFamily="2" charset="2"/>
+                  <a:buChar char="Ø"/>
+                </a:pPr>
+                <a:r>
+                  <a:rPr lang="fr-CA" sz="3600" dirty="0"/>
+                  <a:t>Ex.: Est-ce que le nombre d’heures de sommeil la nuit précédent un examen permet de prédire la performance à l’examen.</a:t>
+                </a:r>
+              </a:p>
+              <a:p>
+                <a:pPr marL="1771650" lvl="2" indent="-857250">
+                  <a:buFont typeface="Wingdings" panose="05000000000000000000" pitchFamily="2" charset="2"/>
+                  <a:buChar char="Ø"/>
+                </a:pPr>
+                <a:r>
+                  <a:rPr lang="fr-CA" sz="3600" dirty="0"/>
+                  <a:t>Hypothèse: il existe une relation linéaire entre le sommeil et la performance à un examen.</a:t>
+                </a:r>
+              </a:p>
+              <a:p>
+                <a:pPr marL="1771650" lvl="2" indent="-857250">
+                  <a:buFont typeface="Wingdings" panose="05000000000000000000" pitchFamily="2" charset="2"/>
+                  <a:buChar char="Ø"/>
+                </a:pPr>
+                <a:r>
+                  <a:rPr lang="fr-CA" sz="3600" dirty="0"/>
+                  <a:t>Formalisation de l’hypothèse à travers une régression linéaire simple: </a:t>
+                </a:r>
+                <a14:m>
+                  <m:oMath xmlns:m="http://schemas.openxmlformats.org/officeDocument/2006/math">
+                    <m:r>
+                      <a:rPr lang="fr-CA" sz="3600" b="0" i="1" smtClean="0">
+                        <a:latin typeface="Cambria Math" panose="02040503050406030204" pitchFamily="18" charset="0"/>
+                      </a:rPr>
+                      <m:t>𝑌</m:t>
+                    </m:r>
+                    <m:r>
+                      <a:rPr lang="fr-CA" sz="3600" i="1">
+                        <a:latin typeface="Cambria Math" panose="02040503050406030204" pitchFamily="18" charset="0"/>
+                      </a:rPr>
+                      <m:t>=</m:t>
+                    </m:r>
+                    <m:sSub>
+                      <m:sSubPr>
+                        <m:ctrlPr>
+                          <a:rPr lang="fr-CA" sz="3600" i="1" smtClean="0">
+                            <a:latin typeface="Cambria Math" panose="02040503050406030204" pitchFamily="18" charset="0"/>
+                          </a:rPr>
+                        </m:ctrlPr>
+                      </m:sSubPr>
+                      <m:e>
+                        <m:r>
+                          <a:rPr lang="fr-CA" sz="3600" b="0" i="1" smtClean="0">
+                            <a:latin typeface="Cambria Math" panose="02040503050406030204" pitchFamily="18" charset="0"/>
+                          </a:rPr>
+                          <m:t>𝑏</m:t>
+                        </m:r>
+                      </m:e>
+                      <m:sub>
+                        <m:r>
+                          <a:rPr lang="fr-CA" sz="3600" b="0" i="1" smtClean="0">
+                            <a:latin typeface="Cambria Math" panose="02040503050406030204" pitchFamily="18" charset="0"/>
+                          </a:rPr>
+                          <m:t>0</m:t>
+                        </m:r>
+                      </m:sub>
+                    </m:sSub>
+                    <m:r>
+                      <a:rPr lang="fr-CA" sz="3600" b="0" i="1" smtClean="0">
+                        <a:latin typeface="Cambria Math" panose="02040503050406030204" pitchFamily="18" charset="0"/>
+                      </a:rPr>
+                      <m:t>+</m:t>
+                    </m:r>
+                    <m:sSub>
+                      <m:sSubPr>
+                        <m:ctrlPr>
+                          <a:rPr lang="fr-CA" sz="3600" b="0" i="1" smtClean="0">
+                            <a:latin typeface="Cambria Math" panose="02040503050406030204" pitchFamily="18" charset="0"/>
+                          </a:rPr>
+                        </m:ctrlPr>
+                      </m:sSubPr>
+                      <m:e>
+                        <m:r>
+                          <a:rPr lang="fr-CA" sz="3600" b="0" i="1" smtClean="0">
+                            <a:latin typeface="Cambria Math" panose="02040503050406030204" pitchFamily="18" charset="0"/>
+                          </a:rPr>
+                          <m:t>𝑏</m:t>
+                        </m:r>
+                      </m:e>
+                      <m:sub>
+                        <m:r>
+                          <a:rPr lang="fr-CA" sz="3600" b="0" i="1" smtClean="0">
+                            <a:latin typeface="Cambria Math" panose="02040503050406030204" pitchFamily="18" charset="0"/>
+                          </a:rPr>
+                          <m:t>1</m:t>
+                        </m:r>
+                      </m:sub>
+                    </m:sSub>
+                    <m:sSub>
+                      <m:sSubPr>
+                        <m:ctrlPr>
+                          <a:rPr lang="fr-CA" sz="3600" b="0" i="1" smtClean="0">
+                            <a:latin typeface="Cambria Math" panose="02040503050406030204" pitchFamily="18" charset="0"/>
+                          </a:rPr>
+                        </m:ctrlPr>
+                      </m:sSubPr>
+                      <m:e>
+                        <m:r>
+                          <a:rPr lang="fr-CA" sz="3600" b="0" i="1" smtClean="0">
+                            <a:latin typeface="Cambria Math" panose="02040503050406030204" pitchFamily="18" charset="0"/>
+                          </a:rPr>
+                          <m:t>𝑋</m:t>
+                        </m:r>
+                      </m:e>
+                      <m:sub>
+                        <m:r>
+                          <a:rPr lang="fr-CA" sz="3600" b="0" i="1" smtClean="0">
+                            <a:latin typeface="Cambria Math" panose="02040503050406030204" pitchFamily="18" charset="0"/>
+                          </a:rPr>
+                          <m:t>1</m:t>
+                        </m:r>
+                      </m:sub>
+                    </m:sSub>
+                    <m:r>
+                      <a:rPr lang="fr-CA" sz="3600" b="0" i="1" smtClean="0">
+                        <a:latin typeface="Cambria Math" panose="02040503050406030204" pitchFamily="18" charset="0"/>
+                      </a:rPr>
+                      <m:t>+</m:t>
+                    </m:r>
+                    <m:r>
+                      <a:rPr lang="fr-CA" sz="3600" i="1">
+                        <a:latin typeface="Cambria Math" panose="02040503050406030204" pitchFamily="18" charset="0"/>
+                      </a:rPr>
+                      <m:t> </m:t>
+                    </m:r>
+                    <m:r>
+                      <a:rPr lang="fr-CA" sz="3600" i="1" smtClean="0">
+                        <a:latin typeface="Cambria Math" panose="02040503050406030204" pitchFamily="18" charset="0"/>
+                        <a:ea typeface="Cambria Math" panose="02040503050406030204" pitchFamily="18" charset="0"/>
+                      </a:rPr>
+                      <m:t>𝜖</m:t>
+                    </m:r>
+                  </m:oMath>
+                </a14:m>
+                <a:endParaRPr lang="fr-CA" sz="3600" dirty="0"/>
+              </a:p>
+              <a:p>
+                <a:pPr marL="2686050" lvl="4" indent="-857250">
+                  <a:buFont typeface="Wingdings" panose="05000000000000000000" pitchFamily="2" charset="2"/>
+                  <a:buChar char="Ø"/>
+                </a:pPr>
+                <a:r>
+                  <a:rPr lang="fr-CA" sz="3600" dirty="0"/>
+                  <a:t>Où:  	</a:t>
+                </a:r>
+                <a14:m>
+                  <m:oMath xmlns:m="http://schemas.openxmlformats.org/officeDocument/2006/math">
+                    <m:r>
+                      <a:rPr lang="fr-CA" sz="3600" b="0" i="1" smtClean="0">
+                        <a:latin typeface="Cambria Math" panose="02040503050406030204" pitchFamily="18" charset="0"/>
+                      </a:rPr>
+                      <m:t>𝑌</m:t>
+                    </m:r>
+                    <m:r>
+                      <a:rPr lang="fr-CA" sz="3600" b="0" i="1" smtClean="0">
+                        <a:latin typeface="Cambria Math" panose="02040503050406030204" pitchFamily="18" charset="0"/>
+                      </a:rPr>
+                      <m:t>  :</m:t>
+                    </m:r>
+                    <m:r>
+                      <a:rPr lang="fr-CA" sz="3600" b="0" i="1" smtClean="0">
+                        <a:latin typeface="Cambria Math" panose="02040503050406030204" pitchFamily="18" charset="0"/>
+                      </a:rPr>
+                      <m:t>𝑝𝑒𝑟𝑓𝑜𝑟𝑚𝑎𝑛𝑐𝑒</m:t>
+                    </m:r>
+                    <m:r>
+                      <a:rPr lang="fr-CA" sz="3600" b="0" i="1" smtClean="0">
+                        <a:latin typeface="Cambria Math" panose="02040503050406030204" pitchFamily="18" charset="0"/>
+                      </a:rPr>
+                      <m:t> à </m:t>
+                    </m:r>
+                    <m:sSup>
+                      <m:sSupPr>
+                        <m:ctrlPr>
+                          <a:rPr lang="fr-CA" sz="3600" b="0" i="1" smtClean="0">
+                            <a:latin typeface="Cambria Math" panose="02040503050406030204" pitchFamily="18" charset="0"/>
+                          </a:rPr>
+                        </m:ctrlPr>
+                      </m:sSupPr>
+                      <m:e>
+                        <m:r>
+                          <a:rPr lang="fr-CA" sz="3600" b="0" i="1" smtClean="0">
+                            <a:latin typeface="Cambria Math" panose="02040503050406030204" pitchFamily="18" charset="0"/>
+                          </a:rPr>
+                          <m:t>𝑙</m:t>
+                        </m:r>
+                      </m:e>
+                      <m:sup>
+                        <m:r>
+                          <a:rPr lang="fr-CA" sz="3600" b="0" i="1" smtClean="0">
+                            <a:latin typeface="Cambria Math" panose="02040503050406030204" pitchFamily="18" charset="0"/>
+                          </a:rPr>
+                          <m:t>′</m:t>
+                        </m:r>
+                      </m:sup>
+                    </m:sSup>
+                    <m:r>
+                      <a:rPr lang="fr-CA" sz="3600" b="0" i="1" smtClean="0">
+                        <a:latin typeface="Cambria Math" panose="02040503050406030204" pitchFamily="18" charset="0"/>
+                      </a:rPr>
+                      <m:t>𝑒𝑥𝑎𝑚𝑒𝑛</m:t>
+                    </m:r>
+                  </m:oMath>
+                </a14:m>
+                <a:r>
+                  <a:rPr lang="fr-CA" sz="3600" dirty="0"/>
+                  <a:t>, </a:t>
+                </a:r>
+                <a:br>
+                  <a:rPr lang="fr-CA" sz="3600" i="1" dirty="0">
+                    <a:latin typeface="Cambria Math" panose="02040503050406030204" pitchFamily="18" charset="0"/>
+                  </a:rPr>
+                </a:br>
+                <a:r>
+                  <a:rPr lang="fr-CA" sz="3600" i="1" dirty="0">
+                    <a:latin typeface="Cambria Math" panose="02040503050406030204" pitchFamily="18" charset="0"/>
+                  </a:rPr>
+                  <a:t>	   	</a:t>
+                </a:r>
+                <a14:m>
+                  <m:oMath xmlns:m="http://schemas.openxmlformats.org/officeDocument/2006/math">
+                    <m:sSub>
+                      <m:sSubPr>
+                        <m:ctrlPr>
+                          <a:rPr lang="fr-CA" sz="3600" i="1" smtClean="0">
+                            <a:latin typeface="Cambria Math" panose="02040503050406030204" pitchFamily="18" charset="0"/>
+                          </a:rPr>
+                        </m:ctrlPr>
+                      </m:sSubPr>
+                      <m:e>
+                        <m:r>
+                          <a:rPr lang="fr-CA" sz="3600" b="0" i="1" smtClean="0">
+                            <a:latin typeface="Cambria Math" panose="02040503050406030204" pitchFamily="18" charset="0"/>
+                          </a:rPr>
+                          <m:t>𝑋</m:t>
+                        </m:r>
+                      </m:e>
+                      <m:sub>
+                        <m:r>
+                          <a:rPr lang="fr-CA" sz="3600" b="0" i="1" smtClean="0">
+                            <a:latin typeface="Cambria Math" panose="02040503050406030204" pitchFamily="18" charset="0"/>
+                          </a:rPr>
+                          <m:t>1</m:t>
+                        </m:r>
+                      </m:sub>
+                    </m:sSub>
+                    <m:r>
+                      <a:rPr lang="fr-CA" sz="3600" i="1">
+                        <a:latin typeface="Cambria Math" panose="02040503050406030204" pitchFamily="18" charset="0"/>
+                      </a:rPr>
+                      <m:t> :</m:t>
+                    </m:r>
+                    <m:r>
+                      <a:rPr lang="fr-CA" sz="3600" b="0" i="1" smtClean="0">
+                        <a:latin typeface="Cambria Math" panose="02040503050406030204" pitchFamily="18" charset="0"/>
+                      </a:rPr>
+                      <m:t>h𝑒𝑢𝑟𝑒𝑠</m:t>
+                    </m:r>
+                    <m:r>
+                      <a:rPr lang="fr-CA" sz="3600" b="0" i="1" smtClean="0">
+                        <a:latin typeface="Cambria Math" panose="02040503050406030204" pitchFamily="18" charset="0"/>
+                      </a:rPr>
+                      <m:t> </m:t>
+                    </m:r>
+                    <m:r>
+                      <a:rPr lang="fr-CA" sz="3600" b="0" i="1" smtClean="0">
+                        <a:latin typeface="Cambria Math" panose="02040503050406030204" pitchFamily="18" charset="0"/>
+                      </a:rPr>
+                      <m:t>𝑑𝑒</m:t>
+                    </m:r>
+                    <m:r>
+                      <a:rPr lang="fr-CA" sz="3600" b="0" i="1" smtClean="0">
+                        <a:latin typeface="Cambria Math" panose="02040503050406030204" pitchFamily="18" charset="0"/>
+                      </a:rPr>
+                      <m:t> </m:t>
+                    </m:r>
+                    <m:r>
+                      <a:rPr lang="fr-CA" sz="3600" b="0" i="1" smtClean="0">
+                        <a:latin typeface="Cambria Math" panose="02040503050406030204" pitchFamily="18" charset="0"/>
+                      </a:rPr>
+                      <m:t>𝑠𝑜𝑚𝑚𝑒𝑖𝑙</m:t>
+                    </m:r>
+                  </m:oMath>
+                </a14:m>
+                <a:r>
+                  <a:rPr lang="fr-CA" sz="3600" dirty="0"/>
+                  <a:t>, </a:t>
+                </a:r>
+                <a:br>
+                  <a:rPr lang="fr-CA" sz="3600" i="1" dirty="0">
+                    <a:latin typeface="Cambria Math" panose="02040503050406030204" pitchFamily="18" charset="0"/>
+                  </a:rPr>
+                </a:br>
+                <a:r>
+                  <a:rPr lang="fr-CA" sz="3600" i="1" dirty="0">
+                    <a:latin typeface="Cambria Math" panose="02040503050406030204" pitchFamily="18" charset="0"/>
+                  </a:rPr>
+                  <a:t>		</a:t>
+                </a:r>
+                <a14:m>
+                  <m:oMath xmlns:m="http://schemas.openxmlformats.org/officeDocument/2006/math">
+                    <m:sSub>
+                      <m:sSubPr>
+                        <m:ctrlPr>
+                          <a:rPr lang="fr-CA" sz="3600" i="1" smtClean="0">
+                            <a:latin typeface="Cambria Math" panose="02040503050406030204" pitchFamily="18" charset="0"/>
+                          </a:rPr>
+                        </m:ctrlPr>
+                      </m:sSubPr>
+                      <m:e>
+                        <m:r>
+                          <a:rPr lang="fr-CA" sz="3600" b="0" i="1" smtClean="0">
+                            <a:latin typeface="Cambria Math" panose="02040503050406030204" pitchFamily="18" charset="0"/>
+                          </a:rPr>
+                          <m:t>𝑏</m:t>
+                        </m:r>
+                      </m:e>
+                      <m:sub>
+                        <m:r>
+                          <a:rPr lang="fr-CA" sz="3600" i="1">
+                            <a:latin typeface="Cambria Math" panose="02040503050406030204" pitchFamily="18" charset="0"/>
+                          </a:rPr>
+                          <m:t>1</m:t>
+                        </m:r>
+                      </m:sub>
+                    </m:sSub>
+                    <m:r>
+                      <a:rPr lang="fr-CA" sz="3600" i="1">
+                        <a:latin typeface="Cambria Math" panose="02040503050406030204" pitchFamily="18" charset="0"/>
+                      </a:rPr>
+                      <m:t> :</m:t>
+                    </m:r>
+                    <m:r>
+                      <a:rPr lang="fr-CA" sz="3600" b="0" i="1" smtClean="0">
+                        <a:latin typeface="Cambria Math" panose="02040503050406030204" pitchFamily="18" charset="0"/>
+                      </a:rPr>
+                      <m:t>𝑝𝑎𝑟𝑎𝑚</m:t>
+                    </m:r>
+                    <m:r>
+                      <a:rPr lang="fr-CA" sz="3600" b="0" i="1" smtClean="0">
+                        <a:latin typeface="Cambria Math" panose="02040503050406030204" pitchFamily="18" charset="0"/>
+                      </a:rPr>
+                      <m:t>è</m:t>
+                    </m:r>
+                    <m:r>
+                      <a:rPr lang="fr-CA" sz="3600" b="0" i="1" smtClean="0">
+                        <a:latin typeface="Cambria Math" panose="02040503050406030204" pitchFamily="18" charset="0"/>
+                      </a:rPr>
+                      <m:t>𝑡𝑟𝑒</m:t>
+                    </m:r>
+                    <m:r>
+                      <a:rPr lang="fr-CA" sz="3600" b="0" i="1" smtClean="0">
+                        <a:latin typeface="Cambria Math" panose="02040503050406030204" pitchFamily="18" charset="0"/>
+                      </a:rPr>
+                      <m:t> </m:t>
+                    </m:r>
+                    <m:r>
+                      <a:rPr lang="fr-CA" sz="3600" b="0" i="1" smtClean="0">
+                        <a:latin typeface="Cambria Math" panose="02040503050406030204" pitchFamily="18" charset="0"/>
+                      </a:rPr>
+                      <m:t>𝑟𝑒𝑓𝑙</m:t>
+                    </m:r>
+                    <m:r>
+                      <a:rPr lang="fr-CA" sz="3600" b="0" i="1" smtClean="0">
+                        <a:latin typeface="Cambria Math" panose="02040503050406030204" pitchFamily="18" charset="0"/>
+                      </a:rPr>
+                      <m:t>é</m:t>
+                    </m:r>
+                    <m:r>
+                      <a:rPr lang="fr-CA" sz="3600" b="0" i="1" smtClean="0">
+                        <a:latin typeface="Cambria Math" panose="02040503050406030204" pitchFamily="18" charset="0"/>
+                      </a:rPr>
+                      <m:t>𝑡𝑎𝑛𝑡</m:t>
+                    </m:r>
+                    <m:r>
+                      <a:rPr lang="fr-CA" sz="3600" b="0" i="1" smtClean="0">
+                        <a:latin typeface="Cambria Math" panose="02040503050406030204" pitchFamily="18" charset="0"/>
+                      </a:rPr>
+                      <m:t> </m:t>
+                    </m:r>
+                    <m:sSup>
+                      <m:sSupPr>
+                        <m:ctrlPr>
+                          <a:rPr lang="fr-CA" sz="3600" b="0" i="1" smtClean="0">
+                            <a:latin typeface="Cambria Math" panose="02040503050406030204" pitchFamily="18" charset="0"/>
+                          </a:rPr>
+                        </m:ctrlPr>
+                      </m:sSupPr>
+                      <m:e>
+                        <m:r>
+                          <a:rPr lang="fr-CA" sz="3600" b="0" i="1" smtClean="0">
+                            <a:latin typeface="Cambria Math" panose="02040503050406030204" pitchFamily="18" charset="0"/>
+                          </a:rPr>
+                          <m:t>𝑙</m:t>
+                        </m:r>
+                      </m:e>
+                      <m:sup>
+                        <m:r>
+                          <a:rPr lang="fr-CA" sz="3600" b="0" i="1" smtClean="0">
+                            <a:latin typeface="Cambria Math" panose="02040503050406030204" pitchFamily="18" charset="0"/>
+                          </a:rPr>
+                          <m:t>′</m:t>
+                        </m:r>
+                      </m:sup>
+                    </m:sSup>
+                    <m:r>
+                      <a:rPr lang="fr-CA" sz="3600" b="0" i="1" smtClean="0">
+                        <a:latin typeface="Cambria Math" panose="02040503050406030204" pitchFamily="18" charset="0"/>
+                      </a:rPr>
+                      <m:t>𝑖𝑚𝑝𝑜𝑟𝑡𝑎𝑛𝑐𝑒</m:t>
+                    </m:r>
+                    <m:r>
+                      <a:rPr lang="fr-CA" sz="3600" b="0" i="1" smtClean="0">
+                        <a:latin typeface="Cambria Math" panose="02040503050406030204" pitchFamily="18" charset="0"/>
+                      </a:rPr>
+                      <m:t> </m:t>
+                    </m:r>
+                    <m:r>
+                      <a:rPr lang="fr-CA" sz="3600" b="0" i="1" smtClean="0">
+                        <a:latin typeface="Cambria Math" panose="02040503050406030204" pitchFamily="18" charset="0"/>
+                      </a:rPr>
+                      <m:t>𝑑𝑒</m:t>
+                    </m:r>
+                    <m:sSub>
+                      <m:sSubPr>
+                        <m:ctrlPr>
+                          <a:rPr lang="fr-CA" sz="3600" i="1">
+                            <a:latin typeface="Cambria Math" panose="02040503050406030204" pitchFamily="18" charset="0"/>
+                          </a:rPr>
+                        </m:ctrlPr>
+                      </m:sSubPr>
+                      <m:e>
+                        <m:r>
+                          <a:rPr lang="fr-CA" sz="3600" i="1">
+                            <a:latin typeface="Cambria Math" panose="02040503050406030204" pitchFamily="18" charset="0"/>
+                          </a:rPr>
+                          <m:t>𝑋</m:t>
+                        </m:r>
+                      </m:e>
+                      <m:sub>
+                        <m:r>
+                          <a:rPr lang="fr-CA" sz="3600" i="1">
+                            <a:latin typeface="Cambria Math" panose="02040503050406030204" pitchFamily="18" charset="0"/>
+                          </a:rPr>
+                          <m:t>1</m:t>
+                        </m:r>
+                      </m:sub>
+                    </m:sSub>
+                    <m:r>
+                      <a:rPr lang="fr-CA" sz="3600" b="0" i="1" smtClean="0">
+                        <a:latin typeface="Cambria Math" panose="02040503050406030204" pitchFamily="18" charset="0"/>
+                      </a:rPr>
+                      <m:t> </m:t>
+                    </m:r>
+                    <m:r>
+                      <a:rPr lang="fr-CA" sz="3600" b="0" i="1" smtClean="0">
+                        <a:latin typeface="Cambria Math" panose="02040503050406030204" pitchFamily="18" charset="0"/>
+                      </a:rPr>
+                      <m:t>𝑑𝑎𝑛𝑠</m:t>
+                    </m:r>
+                    <m:r>
+                      <a:rPr lang="fr-CA" sz="3600" b="0" i="1" smtClean="0">
+                        <a:latin typeface="Cambria Math" panose="02040503050406030204" pitchFamily="18" charset="0"/>
+                      </a:rPr>
+                      <m:t> </m:t>
+                    </m:r>
+                    <m:r>
+                      <a:rPr lang="fr-CA" sz="3600" b="0" i="1" smtClean="0">
+                        <a:latin typeface="Cambria Math" panose="02040503050406030204" pitchFamily="18" charset="0"/>
+                      </a:rPr>
+                      <m:t>𝑙𝑎</m:t>
+                    </m:r>
+                    <m:r>
+                      <a:rPr lang="fr-CA" sz="3600" b="0" i="1" smtClean="0">
+                        <a:latin typeface="Cambria Math" panose="02040503050406030204" pitchFamily="18" charset="0"/>
+                      </a:rPr>
+                      <m:t> </m:t>
+                    </m:r>
+                    <m:r>
+                      <a:rPr lang="fr-CA" sz="3600" b="0" i="1" smtClean="0">
+                        <a:latin typeface="Cambria Math" panose="02040503050406030204" pitchFamily="18" charset="0"/>
+                      </a:rPr>
+                      <m:t>𝑝𝑟</m:t>
+                    </m:r>
+                    <m:r>
+                      <a:rPr lang="fr-CA" sz="3600" b="0" i="1" smtClean="0">
+                        <a:latin typeface="Cambria Math" panose="02040503050406030204" pitchFamily="18" charset="0"/>
+                      </a:rPr>
+                      <m:t>é</m:t>
+                    </m:r>
+                    <m:r>
+                      <a:rPr lang="fr-CA" sz="3600" b="0" i="1" smtClean="0">
+                        <a:latin typeface="Cambria Math" panose="02040503050406030204" pitchFamily="18" charset="0"/>
+                      </a:rPr>
+                      <m:t>𝑑𝑖𝑐𝑡𝑖𝑜𝑛</m:t>
+                    </m:r>
+                    <m:r>
+                      <a:rPr lang="fr-CA" sz="3600" b="0" i="1" smtClean="0">
+                        <a:latin typeface="Cambria Math" panose="02040503050406030204" pitchFamily="18" charset="0"/>
+                      </a:rPr>
+                      <m:t> </m:t>
+                    </m:r>
+                    <m:r>
+                      <a:rPr lang="fr-CA" sz="3600" b="0" i="1" smtClean="0">
+                        <a:latin typeface="Cambria Math" panose="02040503050406030204" pitchFamily="18" charset="0"/>
+                      </a:rPr>
+                      <m:t>𝑑𝑒</m:t>
+                    </m:r>
+                    <m:r>
+                      <a:rPr lang="fr-CA" sz="3600" b="0" i="1" smtClean="0">
+                        <a:latin typeface="Cambria Math" panose="02040503050406030204" pitchFamily="18" charset="0"/>
+                      </a:rPr>
+                      <m:t> </m:t>
+                    </m:r>
+                    <m:r>
+                      <a:rPr lang="fr-CA" sz="3600" b="0" i="1" smtClean="0">
+                        <a:latin typeface="Cambria Math" panose="02040503050406030204" pitchFamily="18" charset="0"/>
+                      </a:rPr>
+                      <m:t>𝑌</m:t>
+                    </m:r>
+                  </m:oMath>
+                </a14:m>
+                <a:r>
+                  <a:rPr lang="fr-CA" sz="3600" dirty="0"/>
+                  <a:t>,</a:t>
+                </a:r>
+                <a:br>
+                  <a:rPr lang="fr-CA" sz="3600" dirty="0"/>
+                </a:br>
+                <a:r>
+                  <a:rPr lang="fr-CA" sz="3600" dirty="0"/>
+                  <a:t>		</a:t>
+                </a:r>
+                <a14:m>
+                  <m:oMath xmlns:m="http://schemas.openxmlformats.org/officeDocument/2006/math">
+                    <m:sSub>
+                      <m:sSubPr>
+                        <m:ctrlPr>
+                          <a:rPr lang="fr-CA" sz="3600" i="1" smtClean="0">
+                            <a:latin typeface="Cambria Math" panose="02040503050406030204" pitchFamily="18" charset="0"/>
+                          </a:rPr>
+                        </m:ctrlPr>
+                      </m:sSubPr>
+                      <m:e>
+                        <m:r>
+                          <a:rPr lang="fr-CA" sz="3600" b="0" i="1" smtClean="0">
+                            <a:latin typeface="Cambria Math" panose="02040503050406030204" pitchFamily="18" charset="0"/>
+                          </a:rPr>
+                          <m:t>𝑏</m:t>
+                        </m:r>
+                      </m:e>
+                      <m:sub>
+                        <m:r>
+                          <a:rPr lang="fr-CA" sz="3600" b="0" i="1" smtClean="0">
+                            <a:latin typeface="Cambria Math" panose="02040503050406030204" pitchFamily="18" charset="0"/>
+                          </a:rPr>
+                          <m:t>0</m:t>
+                        </m:r>
+                      </m:sub>
+                    </m:sSub>
+                    <m:r>
+                      <a:rPr lang="fr-CA" sz="3600" b="0" i="1" smtClean="0">
+                        <a:latin typeface="Cambria Math" panose="02040503050406030204" pitchFamily="18" charset="0"/>
+                      </a:rPr>
+                      <m:t> :</m:t>
+                    </m:r>
+                    <m:r>
+                      <a:rPr lang="fr-CA" sz="3600" b="0" i="1" smtClean="0">
+                        <a:latin typeface="Cambria Math" panose="02040503050406030204" pitchFamily="18" charset="0"/>
+                      </a:rPr>
+                      <m:t>𝑝𝑎𝑟𝑎𝑚</m:t>
+                    </m:r>
+                    <m:r>
+                      <a:rPr lang="fr-CA" sz="3600" b="0" i="1" smtClean="0">
+                        <a:latin typeface="Cambria Math" panose="02040503050406030204" pitchFamily="18" charset="0"/>
+                      </a:rPr>
+                      <m:t>è</m:t>
+                    </m:r>
+                    <m:r>
+                      <a:rPr lang="fr-CA" sz="3600" b="0" i="1" smtClean="0">
+                        <a:latin typeface="Cambria Math" panose="02040503050406030204" pitchFamily="18" charset="0"/>
+                      </a:rPr>
+                      <m:t>𝑡𝑟𝑒</m:t>
+                    </m:r>
+                    <m:r>
+                      <a:rPr lang="fr-CA" sz="3600" b="0" i="1" smtClean="0">
+                        <a:latin typeface="Cambria Math" panose="02040503050406030204" pitchFamily="18" charset="0"/>
+                      </a:rPr>
+                      <m:t> </m:t>
+                    </m:r>
+                    <m:r>
+                      <a:rPr lang="fr-CA" sz="3600" b="0" i="1" smtClean="0">
+                        <a:latin typeface="Cambria Math" panose="02040503050406030204" pitchFamily="18" charset="0"/>
+                      </a:rPr>
+                      <m:t>𝑟𝑒𝑓𝑙</m:t>
+                    </m:r>
+                    <m:r>
+                      <a:rPr lang="fr-CA" sz="3600" b="0" i="1" smtClean="0">
+                        <a:latin typeface="Cambria Math" panose="02040503050406030204" pitchFamily="18" charset="0"/>
+                      </a:rPr>
+                      <m:t>é</m:t>
+                    </m:r>
+                    <m:r>
+                      <a:rPr lang="fr-CA" sz="3600" b="0" i="1" smtClean="0">
+                        <a:latin typeface="Cambria Math" panose="02040503050406030204" pitchFamily="18" charset="0"/>
+                      </a:rPr>
+                      <m:t>𝑡𝑎𝑛𝑡</m:t>
+                    </m:r>
+                    <m:r>
+                      <a:rPr lang="fr-CA" sz="3600" b="0" i="1" smtClean="0">
+                        <a:latin typeface="Cambria Math" panose="02040503050406030204" pitchFamily="18" charset="0"/>
+                      </a:rPr>
+                      <m:t> </m:t>
+                    </m:r>
+                    <m:r>
+                      <a:rPr lang="fr-CA" sz="3600" b="0" i="1" smtClean="0">
+                        <a:latin typeface="Cambria Math" panose="02040503050406030204" pitchFamily="18" charset="0"/>
+                      </a:rPr>
+                      <m:t>𝑙𝑎</m:t>
+                    </m:r>
+                    <m:r>
+                      <a:rPr lang="fr-CA" sz="3600" b="0" i="1" smtClean="0">
+                        <a:latin typeface="Cambria Math" panose="02040503050406030204" pitchFamily="18" charset="0"/>
+                      </a:rPr>
+                      <m:t> </m:t>
+                    </m:r>
+                    <m:r>
+                      <a:rPr lang="fr-CA" sz="3600" b="0" i="1" smtClean="0">
+                        <a:latin typeface="Cambria Math" panose="02040503050406030204" pitchFamily="18" charset="0"/>
+                      </a:rPr>
+                      <m:t>𝑣𝑎𝑙𝑒𝑢𝑟</m:t>
+                    </m:r>
+                    <m:r>
+                      <a:rPr lang="fr-CA" sz="3600" b="0" i="1" smtClean="0">
+                        <a:latin typeface="Cambria Math" panose="02040503050406030204" pitchFamily="18" charset="0"/>
+                      </a:rPr>
+                      <m:t> </m:t>
+                    </m:r>
+                    <m:r>
+                      <a:rPr lang="fr-CA" sz="3600" b="0" i="1" smtClean="0">
+                        <a:latin typeface="Cambria Math" panose="02040503050406030204" pitchFamily="18" charset="0"/>
+                      </a:rPr>
+                      <m:t>𝑑𝑒</m:t>
+                    </m:r>
+                    <m:r>
+                      <a:rPr lang="fr-CA" sz="3600" b="0" i="1" smtClean="0">
+                        <a:latin typeface="Cambria Math" panose="02040503050406030204" pitchFamily="18" charset="0"/>
+                      </a:rPr>
+                      <m:t> </m:t>
+                    </m:r>
+                    <m:r>
+                      <a:rPr lang="fr-CA" sz="3600" b="0" i="1" smtClean="0">
+                        <a:latin typeface="Cambria Math" panose="02040503050406030204" pitchFamily="18" charset="0"/>
+                      </a:rPr>
+                      <m:t>𝑌</m:t>
+                    </m:r>
+                    <m:r>
+                      <a:rPr lang="fr-CA" sz="3600" b="0" i="1" smtClean="0">
+                        <a:latin typeface="Cambria Math" panose="02040503050406030204" pitchFamily="18" charset="0"/>
+                      </a:rPr>
+                      <m:t> </m:t>
+                    </m:r>
+                    <m:r>
+                      <a:rPr lang="fr-CA" sz="3600" b="0" i="1" smtClean="0">
+                        <a:latin typeface="Cambria Math" panose="02040503050406030204" pitchFamily="18" charset="0"/>
+                      </a:rPr>
+                      <m:t>𝑞𝑢𝑎𝑛𝑑</m:t>
+                    </m:r>
+                    <m:sSub>
+                      <m:sSubPr>
+                        <m:ctrlPr>
+                          <a:rPr lang="fr-CA" sz="3600" i="1">
+                            <a:latin typeface="Cambria Math" panose="02040503050406030204" pitchFamily="18" charset="0"/>
+                          </a:rPr>
+                        </m:ctrlPr>
+                      </m:sSubPr>
+                      <m:e>
+                        <m:r>
+                          <a:rPr lang="fr-CA" sz="3600" i="1">
+                            <a:latin typeface="Cambria Math" panose="02040503050406030204" pitchFamily="18" charset="0"/>
+                          </a:rPr>
+                          <m:t>𝑋</m:t>
+                        </m:r>
+                      </m:e>
+                      <m:sub>
+                        <m:r>
+                          <a:rPr lang="fr-CA" sz="3600" i="1">
+                            <a:latin typeface="Cambria Math" panose="02040503050406030204" pitchFamily="18" charset="0"/>
+                          </a:rPr>
+                          <m:t>1</m:t>
+                        </m:r>
+                      </m:sub>
+                    </m:sSub>
+                    <m:r>
+                      <a:rPr lang="fr-CA" sz="3600" b="0" i="1" smtClean="0">
+                        <a:latin typeface="Cambria Math" panose="02040503050406030204" pitchFamily="18" charset="0"/>
+                      </a:rPr>
+                      <m:t> </m:t>
+                    </m:r>
+                    <m:r>
+                      <a:rPr lang="fr-CA" sz="3600" b="0" i="1" smtClean="0">
+                        <a:latin typeface="Cambria Math" panose="02040503050406030204" pitchFamily="18" charset="0"/>
+                      </a:rPr>
+                      <m:t>𝑣𝑎𝑢𝑡</m:t>
+                    </m:r>
+                    <m:r>
+                      <a:rPr lang="fr-CA" sz="3600" b="0" i="1" smtClean="0">
+                        <a:latin typeface="Cambria Math" panose="02040503050406030204" pitchFamily="18" charset="0"/>
+                      </a:rPr>
+                      <m:t> 0</m:t>
+                    </m:r>
+                  </m:oMath>
+                </a14:m>
+                <a:r>
+                  <a:rPr lang="fr-CA" sz="3600" dirty="0"/>
+                  <a:t>.</a:t>
+                </a:r>
+              </a:p>
+              <a:p>
+                <a:pPr marL="1771650" lvl="2" indent="-857250">
+                  <a:buFont typeface="Wingdings" panose="05000000000000000000" pitchFamily="2" charset="2"/>
+                  <a:buChar char="Ø"/>
+                </a:pPr>
+                <a:endParaRPr lang="fr-CA" sz="2000" dirty="0"/>
+              </a:p>
+              <a:p>
+                <a:pPr marL="742950" indent="-742950">
+                  <a:buFont typeface="+mj-lt"/>
+                  <a:buAutoNum type="romanUcPeriod"/>
+                </a:pPr>
+                <a:r>
+                  <a:rPr lang="fr-CA" sz="4000" b="1" dirty="0"/>
+                  <a:t>Nous avons posé une hypothèse nulle (</a:t>
+                </a:r>
+                <a14:m>
+                  <m:oMath xmlns:m="http://schemas.openxmlformats.org/officeDocument/2006/math">
+                    <m:sSub>
+                      <m:sSubPr>
+                        <m:ctrlPr>
+                          <a:rPr lang="fr-CA" sz="4000" b="1" i="1" smtClean="0">
+                            <a:latin typeface="Cambria Math" panose="02040503050406030204" pitchFamily="18" charset="0"/>
+                          </a:rPr>
+                        </m:ctrlPr>
+                      </m:sSubPr>
+                      <m:e>
+                        <m:r>
+                          <a:rPr lang="fr-CA" sz="4000" b="1" i="1" smtClean="0">
+                            <a:latin typeface="Cambria Math" panose="02040503050406030204" pitchFamily="18" charset="0"/>
+                          </a:rPr>
+                          <m:t>𝑯</m:t>
+                        </m:r>
+                      </m:e>
+                      <m:sub>
+                        <m:r>
+                          <a:rPr lang="fr-CA" sz="4000" b="1" i="1" smtClean="0">
+                            <a:latin typeface="Cambria Math" panose="02040503050406030204" pitchFamily="18" charset="0"/>
+                          </a:rPr>
+                          <m:t>𝟎</m:t>
+                        </m:r>
+                      </m:sub>
+                    </m:sSub>
+                  </m:oMath>
+                </a14:m>
+                <a:r>
+                  <a:rPr lang="fr-CA" sz="4000" b="1" dirty="0"/>
+                  <a:t>)</a:t>
+                </a:r>
+              </a:p>
+              <a:p>
+                <a:pPr marL="1485900" lvl="2" indent="-571500">
+                  <a:buFont typeface="Wingdings" panose="05000000000000000000" pitchFamily="2" charset="2"/>
+                  <a:buChar char="Ø"/>
+                </a:pPr>
+                <a:r>
+                  <a:rPr lang="fr-CA" sz="4000" dirty="0"/>
+                  <a:t>Il n’existe aucune relation entre les deux: </a:t>
+                </a:r>
+                <a14:m>
+                  <m:oMath xmlns:m="http://schemas.openxmlformats.org/officeDocument/2006/math">
+                    <m:sSub>
+                      <m:sSubPr>
+                        <m:ctrlPr>
+                          <a:rPr lang="fr-CA" sz="4000" i="1" smtClean="0">
+                            <a:latin typeface="Cambria Math" panose="02040503050406030204" pitchFamily="18" charset="0"/>
+                          </a:rPr>
+                        </m:ctrlPr>
+                      </m:sSubPr>
+                      <m:e>
+                        <m:r>
+                          <a:rPr lang="fr-CA" sz="4000" b="0" i="1" smtClean="0">
+                            <a:latin typeface="Cambria Math" panose="02040503050406030204" pitchFamily="18" charset="0"/>
+                          </a:rPr>
+                          <m:t>𝐻</m:t>
+                        </m:r>
+                      </m:e>
+                      <m:sub>
+                        <m:r>
+                          <a:rPr lang="fr-CA" sz="4000" b="0" i="1" smtClean="0">
+                            <a:latin typeface="Cambria Math" panose="02040503050406030204" pitchFamily="18" charset="0"/>
+                          </a:rPr>
+                          <m:t>0</m:t>
+                        </m:r>
+                      </m:sub>
+                    </m:sSub>
+                    <m:r>
+                      <a:rPr lang="fr-CA" sz="4000" b="0" i="1" smtClean="0">
+                        <a:latin typeface="Cambria Math" panose="02040503050406030204" pitchFamily="18" charset="0"/>
+                      </a:rPr>
+                      <m:t> :</m:t>
+                    </m:r>
+                    <m:sSub>
+                      <m:sSubPr>
+                        <m:ctrlPr>
+                          <a:rPr lang="fr-CA" sz="4000" b="0" i="1" smtClean="0">
+                            <a:latin typeface="Cambria Math" panose="02040503050406030204" pitchFamily="18" charset="0"/>
+                          </a:rPr>
+                        </m:ctrlPr>
+                      </m:sSubPr>
+                      <m:e>
+                        <m:r>
+                          <a:rPr lang="fr-CA" sz="4000" b="0" i="1" smtClean="0">
+                            <a:latin typeface="Cambria Math" panose="02040503050406030204" pitchFamily="18" charset="0"/>
+                          </a:rPr>
+                          <m:t>𝑏</m:t>
+                        </m:r>
+                      </m:e>
+                      <m:sub>
+                        <m:r>
+                          <a:rPr lang="fr-CA" sz="4000" b="0" i="1" smtClean="0">
+                            <a:latin typeface="Cambria Math" panose="02040503050406030204" pitchFamily="18" charset="0"/>
+                          </a:rPr>
+                          <m:t>1</m:t>
+                        </m:r>
+                      </m:sub>
+                    </m:sSub>
+                    <m:r>
+                      <a:rPr lang="fr-CA" sz="4000" b="0" i="1" smtClean="0">
+                        <a:latin typeface="Cambria Math" panose="02040503050406030204" pitchFamily="18" charset="0"/>
+                      </a:rPr>
+                      <m:t>=0 </m:t>
+                    </m:r>
+                  </m:oMath>
+                </a14:m>
+                <a:endParaRPr lang="fr-CA" sz="4000" dirty="0"/>
+              </a:p>
+              <a:p>
+                <a:pPr marL="1485900" lvl="2" indent="-571500">
+                  <a:buFont typeface="Wingdings" panose="05000000000000000000" pitchFamily="2" charset="2"/>
+                  <a:buChar char="Ø"/>
+                </a:pPr>
+                <a:endParaRPr lang="fr-CA" sz="4000" dirty="0"/>
+              </a:p>
+              <a:p>
+                <a:pPr marL="742950" indent="-742950">
+                  <a:buFont typeface="+mj-lt"/>
+                  <a:buAutoNum type="romanUcPeriod"/>
+                </a:pPr>
+                <a:r>
+                  <a:rPr lang="fr-CA" sz="4000" b="1" dirty="0"/>
+                  <a:t>Nous avons posé une hypothèse alternative (</a:t>
+                </a:r>
+                <a14:m>
+                  <m:oMath xmlns:m="http://schemas.openxmlformats.org/officeDocument/2006/math">
+                    <m:sSub>
+                      <m:sSubPr>
+                        <m:ctrlPr>
+                          <a:rPr lang="fr-CA" sz="4000" b="1" i="1" smtClean="0">
+                            <a:latin typeface="Cambria Math" panose="02040503050406030204" pitchFamily="18" charset="0"/>
+                          </a:rPr>
+                        </m:ctrlPr>
+                      </m:sSubPr>
+                      <m:e>
+                        <m:r>
+                          <a:rPr lang="fr-CA" sz="4000" b="1" i="1">
+                            <a:latin typeface="Cambria Math" panose="02040503050406030204" pitchFamily="18" charset="0"/>
+                          </a:rPr>
+                          <m:t>𝑯</m:t>
+                        </m:r>
+                      </m:e>
+                      <m:sub>
+                        <m:r>
+                          <a:rPr lang="fr-CA" sz="4000" b="1" i="1" smtClean="0">
+                            <a:latin typeface="Cambria Math" panose="02040503050406030204" pitchFamily="18" charset="0"/>
+                          </a:rPr>
+                          <m:t>𝑨</m:t>
+                        </m:r>
+                      </m:sub>
+                    </m:sSub>
+                  </m:oMath>
+                </a14:m>
+                <a:r>
+                  <a:rPr lang="fr-CA" sz="4000" b="1" dirty="0"/>
+                  <a:t>)</a:t>
+                </a:r>
+              </a:p>
+              <a:p>
+                <a:pPr marL="1485900" lvl="2" indent="-571500">
+                  <a:buFont typeface="Wingdings" panose="05000000000000000000" pitchFamily="2" charset="2"/>
+                  <a:buChar char="Ø"/>
+                </a:pPr>
+                <a:r>
+                  <a:rPr lang="fr-CA" sz="4000" dirty="0"/>
+                  <a:t>Il n’existe aucune relation entre les deux: </a:t>
+                </a:r>
+                <a14:m>
+                  <m:oMath xmlns:m="http://schemas.openxmlformats.org/officeDocument/2006/math">
+                    <m:sSub>
+                      <m:sSubPr>
+                        <m:ctrlPr>
+                          <a:rPr lang="fr-CA" sz="4000" i="1">
+                            <a:latin typeface="Cambria Math" panose="02040503050406030204" pitchFamily="18" charset="0"/>
+                          </a:rPr>
+                        </m:ctrlPr>
+                      </m:sSubPr>
+                      <m:e>
+                        <m:r>
+                          <a:rPr lang="fr-CA" sz="4000" i="1">
+                            <a:latin typeface="Cambria Math" panose="02040503050406030204" pitchFamily="18" charset="0"/>
+                          </a:rPr>
+                          <m:t>𝐻</m:t>
+                        </m:r>
+                      </m:e>
+                      <m:sub>
+                        <m:r>
+                          <a:rPr lang="fr-CA" sz="4000" b="0" i="1" smtClean="0">
+                            <a:latin typeface="Cambria Math" panose="02040503050406030204" pitchFamily="18" charset="0"/>
+                          </a:rPr>
+                          <m:t>𝐴</m:t>
+                        </m:r>
+                      </m:sub>
+                    </m:sSub>
+                    <m:r>
+                      <a:rPr lang="fr-CA" sz="4000" i="1" smtClean="0">
+                        <a:latin typeface="Cambria Math" panose="02040503050406030204" pitchFamily="18" charset="0"/>
+                      </a:rPr>
+                      <m:t> </m:t>
+                    </m:r>
+                    <m:r>
+                      <a:rPr lang="fr-CA" sz="4000" i="1">
+                        <a:latin typeface="Cambria Math" panose="02040503050406030204" pitchFamily="18" charset="0"/>
+                      </a:rPr>
+                      <m:t>:</m:t>
+                    </m:r>
+                    <m:sSub>
+                      <m:sSubPr>
+                        <m:ctrlPr>
+                          <a:rPr lang="fr-CA" sz="4000" i="1">
+                            <a:latin typeface="Cambria Math" panose="02040503050406030204" pitchFamily="18" charset="0"/>
+                          </a:rPr>
+                        </m:ctrlPr>
+                      </m:sSubPr>
+                      <m:e>
+                        <m:r>
+                          <a:rPr lang="fr-CA" sz="4000" i="1">
+                            <a:latin typeface="Cambria Math" panose="02040503050406030204" pitchFamily="18" charset="0"/>
+                          </a:rPr>
+                          <m:t>𝑏</m:t>
+                        </m:r>
+                      </m:e>
+                      <m:sub>
+                        <m:r>
+                          <a:rPr lang="fr-CA" sz="4000" i="1">
+                            <a:latin typeface="Cambria Math" panose="02040503050406030204" pitchFamily="18" charset="0"/>
+                          </a:rPr>
+                          <m:t>1</m:t>
+                        </m:r>
+                      </m:sub>
+                    </m:sSub>
+                    <m:r>
+                      <a:rPr lang="fr-CA" sz="4000" i="1" smtClean="0">
+                        <a:latin typeface="Cambria Math" panose="02040503050406030204" pitchFamily="18" charset="0"/>
+                        <a:ea typeface="Cambria Math" panose="02040503050406030204" pitchFamily="18" charset="0"/>
+                      </a:rPr>
+                      <m:t>≠</m:t>
+                    </m:r>
+                    <m:r>
+                      <a:rPr lang="fr-CA" sz="4000" i="1">
+                        <a:latin typeface="Cambria Math" panose="02040503050406030204" pitchFamily="18" charset="0"/>
+                      </a:rPr>
+                      <m:t>0 </m:t>
+                    </m:r>
+                  </m:oMath>
+                </a14:m>
+                <a:endParaRPr lang="fr-CA" sz="4000" dirty="0"/>
+              </a:p>
+              <a:p>
+                <a:pPr marL="1485900" lvl="2" indent="-571500">
+                  <a:buFont typeface="Wingdings" panose="05000000000000000000" pitchFamily="2" charset="2"/>
+                  <a:buChar char="Ø"/>
+                </a:pPr>
+                <a:endParaRPr lang="fr-CA" sz="4000" dirty="0"/>
+              </a:p>
+              <a:p>
+                <a:pPr marL="571500" indent="-571500">
+                  <a:buFont typeface="+mj-lt"/>
+                  <a:buAutoNum type="romanUcPeriod"/>
+                </a:pPr>
+                <a:r>
+                  <a:rPr lang="fr-CA" sz="4000" b="1" dirty="0"/>
+                  <a:t>On a récolté un échantillon : un groupe d’observations.</a:t>
+                </a:r>
+              </a:p>
+              <a:p>
+                <a:pPr marL="1657350" lvl="2" indent="-742950">
+                  <a:buFont typeface="Wingdings" panose="05000000000000000000" pitchFamily="2" charset="2"/>
+                  <a:buChar char="Ø"/>
+                </a:pPr>
+                <a:r>
+                  <a:rPr lang="fr-CA" sz="3600" b="1" dirty="0">
+                    <a:solidFill>
+                      <a:srgbClr val="FF0000"/>
+                    </a:solidFill>
+                  </a:rPr>
+                  <a:t>On doit maintenant utiliser ce groupe d’observations pour estimer les valeurs des paramètres du modèle du chercheur </a:t>
+                </a:r>
+                <a:br>
+                  <a:rPr lang="fr-CA" sz="3600" b="1" dirty="0">
+                    <a:solidFill>
+                      <a:srgbClr val="FF0000"/>
+                    </a:solidFill>
+                  </a:rPr>
+                </a:br>
+                <a:r>
+                  <a:rPr lang="fr-CA" sz="3600" b="1" dirty="0">
+                    <a:solidFill>
+                      <a:srgbClr val="FF0000"/>
+                    </a:solidFill>
+                  </a:rPr>
+                  <a:t>(ici, particulièrement, estimer les valeurs de </a:t>
+                </a:r>
+                <a14:m>
+                  <m:oMath xmlns:m="http://schemas.openxmlformats.org/officeDocument/2006/math">
+                    <m:sSub>
+                      <m:sSubPr>
+                        <m:ctrlPr>
+                          <a:rPr lang="fr-CA" sz="3600" b="1" i="1">
+                            <a:solidFill>
+                              <a:srgbClr val="FF0000"/>
+                            </a:solidFill>
+                            <a:latin typeface="Cambria Math" panose="02040503050406030204" pitchFamily="18" charset="0"/>
+                          </a:rPr>
+                        </m:ctrlPr>
+                      </m:sSubPr>
+                      <m:e>
+                        <m:r>
+                          <a:rPr lang="fr-CA" sz="3600" b="1" i="1">
+                            <a:solidFill>
+                              <a:srgbClr val="FF0000"/>
+                            </a:solidFill>
+                            <a:latin typeface="Cambria Math" panose="02040503050406030204" pitchFamily="18" charset="0"/>
+                          </a:rPr>
+                          <m:t>𝒃</m:t>
+                        </m:r>
+                      </m:e>
+                      <m:sub>
+                        <m:r>
+                          <a:rPr lang="fr-CA" sz="3600" b="1" i="1">
+                            <a:solidFill>
+                              <a:srgbClr val="FF0000"/>
+                            </a:solidFill>
+                            <a:latin typeface="Cambria Math" panose="02040503050406030204" pitchFamily="18" charset="0"/>
+                          </a:rPr>
+                          <m:t>𝟎</m:t>
+                        </m:r>
+                      </m:sub>
+                    </m:sSub>
+                  </m:oMath>
+                </a14:m>
+                <a:r>
+                  <a:rPr lang="fr-CA" sz="3600" b="1" dirty="0">
+                    <a:solidFill>
+                      <a:srgbClr val="FF0000"/>
+                    </a:solidFill>
+                  </a:rPr>
+                  <a:t> et </a:t>
+                </a:r>
+                <a14:m>
+                  <m:oMath xmlns:m="http://schemas.openxmlformats.org/officeDocument/2006/math">
+                    <m:sSub>
+                      <m:sSubPr>
+                        <m:ctrlPr>
+                          <a:rPr lang="fr-CA" sz="3600" b="1" i="1">
+                            <a:solidFill>
+                              <a:srgbClr val="FF0000"/>
+                            </a:solidFill>
+                            <a:latin typeface="Cambria Math" panose="02040503050406030204" pitchFamily="18" charset="0"/>
+                          </a:rPr>
+                        </m:ctrlPr>
+                      </m:sSubPr>
+                      <m:e>
+                        <m:r>
+                          <a:rPr lang="fr-CA" sz="3600" b="1" i="1">
+                            <a:solidFill>
+                              <a:srgbClr val="FF0000"/>
+                            </a:solidFill>
+                            <a:latin typeface="Cambria Math" panose="02040503050406030204" pitchFamily="18" charset="0"/>
+                          </a:rPr>
+                          <m:t>𝒃</m:t>
+                        </m:r>
+                      </m:e>
+                      <m:sub>
+                        <m:r>
+                          <a:rPr lang="fr-CA" sz="3600" b="1" i="1" smtClean="0">
+                            <a:solidFill>
+                              <a:srgbClr val="FF0000"/>
+                            </a:solidFill>
+                            <a:latin typeface="Cambria Math" panose="02040503050406030204" pitchFamily="18" charset="0"/>
+                          </a:rPr>
+                          <m:t>𝟏</m:t>
+                        </m:r>
+                      </m:sub>
+                    </m:sSub>
+                  </m:oMath>
+                </a14:m>
+                <a:r>
+                  <a:rPr lang="fr-CA" sz="3600" b="1" dirty="0">
+                    <a:solidFill>
+                      <a:srgbClr val="FF0000"/>
+                    </a:solidFill>
+                  </a:rPr>
+                  <a:t> ).</a:t>
+                </a:r>
+              </a:p>
+              <a:p>
+                <a:pPr marL="1657350" lvl="2" indent="-742950">
+                  <a:buFont typeface="Wingdings" panose="05000000000000000000" pitchFamily="2" charset="2"/>
+                  <a:buChar char="Ø"/>
+                </a:pPr>
+                <a:r>
+                  <a:rPr lang="fr-CA" sz="3600" dirty="0">
+                    <a:solidFill>
+                      <a:schemeClr val="tx1"/>
+                    </a:solidFill>
+                  </a:rPr>
+                  <a:t>On devra ensuite estimer quelle était la probabilité d’obtenir notre valeur de </a:t>
+                </a:r>
+                <a14:m>
+                  <m:oMath xmlns:m="http://schemas.openxmlformats.org/officeDocument/2006/math">
+                    <m:sSub>
+                      <m:sSubPr>
+                        <m:ctrlPr>
+                          <a:rPr lang="fr-CA" sz="3600" i="1">
+                            <a:solidFill>
+                              <a:schemeClr val="tx1"/>
+                            </a:solidFill>
+                            <a:latin typeface="Cambria Math" panose="02040503050406030204" pitchFamily="18" charset="0"/>
+                          </a:rPr>
+                        </m:ctrlPr>
+                      </m:sSubPr>
+                      <m:e>
+                        <m:r>
+                          <a:rPr lang="fr-CA" sz="3600" b="0" i="1">
+                            <a:solidFill>
+                              <a:schemeClr val="tx1"/>
+                            </a:solidFill>
+                            <a:latin typeface="Cambria Math" panose="02040503050406030204" pitchFamily="18" charset="0"/>
+                          </a:rPr>
+                          <m:t>𝑏</m:t>
+                        </m:r>
+                      </m:e>
+                      <m:sub>
+                        <m:r>
+                          <a:rPr lang="fr-CA" sz="3600" b="0" i="1" smtClean="0">
+                            <a:solidFill>
+                              <a:schemeClr val="tx1"/>
+                            </a:solidFill>
+                            <a:latin typeface="Cambria Math" panose="02040503050406030204" pitchFamily="18" charset="0"/>
+                          </a:rPr>
+                          <m:t>1</m:t>
+                        </m:r>
+                      </m:sub>
+                    </m:sSub>
+                  </m:oMath>
+                </a14:m>
+                <a:r>
+                  <a:rPr lang="fr-CA" sz="3600" dirty="0">
+                    <a:solidFill>
+                      <a:schemeClr val="tx1"/>
+                    </a:solidFill>
+                  </a:rPr>
+                  <a:t> </a:t>
+                </a:r>
+                <a:br>
+                  <a:rPr lang="fr-CA" sz="3600" dirty="0">
+                    <a:solidFill>
+                      <a:schemeClr val="tx1"/>
+                    </a:solidFill>
+                  </a:rPr>
+                </a:br>
+                <a:r>
+                  <a:rPr lang="fr-CA" sz="3600" dirty="0">
+                    <a:solidFill>
+                      <a:schemeClr val="tx1"/>
+                    </a:solidFill>
+                  </a:rPr>
+                  <a:t>si </a:t>
+                </a:r>
+                <a14:m>
+                  <m:oMath xmlns:m="http://schemas.openxmlformats.org/officeDocument/2006/math">
+                    <m:sSub>
+                      <m:sSubPr>
+                        <m:ctrlPr>
+                          <a:rPr lang="fr-CA" sz="3600" i="1" smtClean="0">
+                            <a:solidFill>
+                              <a:schemeClr val="tx1"/>
+                            </a:solidFill>
+                            <a:latin typeface="Cambria Math" panose="02040503050406030204" pitchFamily="18" charset="0"/>
+                          </a:rPr>
+                        </m:ctrlPr>
+                      </m:sSubPr>
+                      <m:e>
+                        <m:r>
+                          <a:rPr lang="fr-CA" sz="3600" b="0" i="1" smtClean="0">
+                            <a:solidFill>
+                              <a:schemeClr val="tx1"/>
+                            </a:solidFill>
+                            <a:latin typeface="Cambria Math" panose="02040503050406030204" pitchFamily="18" charset="0"/>
+                          </a:rPr>
+                          <m:t>𝐻</m:t>
+                        </m:r>
+                      </m:e>
+                      <m:sub>
+                        <m:r>
+                          <a:rPr lang="fr-CA" sz="3600" b="0" i="1">
+                            <a:solidFill>
+                              <a:schemeClr val="tx1"/>
+                            </a:solidFill>
+                            <a:latin typeface="Cambria Math" panose="02040503050406030204" pitchFamily="18" charset="0"/>
+                          </a:rPr>
+                          <m:t>0</m:t>
+                        </m:r>
+                      </m:sub>
+                    </m:sSub>
+                  </m:oMath>
+                </a14:m>
+                <a:r>
+                  <a:rPr lang="fr-CA" sz="3600" dirty="0">
+                    <a:solidFill>
+                      <a:schemeClr val="tx1"/>
+                    </a:solidFill>
+                  </a:rPr>
+                  <a:t> est vraie, puis conclure en un rejet ou un non rejet de </a:t>
+                </a:r>
+                <a14:m>
+                  <m:oMath xmlns:m="http://schemas.openxmlformats.org/officeDocument/2006/math">
+                    <m:sSub>
+                      <m:sSubPr>
+                        <m:ctrlPr>
+                          <a:rPr lang="fr-CA" sz="3600" i="1" smtClean="0">
+                            <a:solidFill>
+                              <a:schemeClr val="tx1"/>
+                            </a:solidFill>
+                            <a:latin typeface="Cambria Math" panose="02040503050406030204" pitchFamily="18" charset="0"/>
+                          </a:rPr>
+                        </m:ctrlPr>
+                      </m:sSubPr>
+                      <m:e>
+                        <m:r>
+                          <a:rPr lang="fr-CA" sz="3600" b="0" i="1" smtClean="0">
+                            <a:solidFill>
+                              <a:schemeClr val="tx1"/>
+                            </a:solidFill>
+                            <a:latin typeface="Cambria Math" panose="02040503050406030204" pitchFamily="18" charset="0"/>
+                          </a:rPr>
+                          <m:t>𝐻</m:t>
+                        </m:r>
+                      </m:e>
+                      <m:sub>
+                        <m:r>
+                          <a:rPr lang="fr-CA" sz="3600" b="0" i="1">
+                            <a:solidFill>
+                              <a:schemeClr val="tx1"/>
+                            </a:solidFill>
+                            <a:latin typeface="Cambria Math" panose="02040503050406030204" pitchFamily="18" charset="0"/>
+                          </a:rPr>
+                          <m:t>0</m:t>
+                        </m:r>
+                      </m:sub>
+                    </m:sSub>
+                  </m:oMath>
+                </a14:m>
+                <a:r>
+                  <a:rPr lang="fr-CA" sz="3600" dirty="0">
+                    <a:solidFill>
+                      <a:schemeClr val="tx1"/>
+                    </a:solidFill>
+                  </a:rPr>
+                  <a:t>.</a:t>
+                </a:r>
+              </a:p>
+              <a:p>
+                <a:pPr marL="1657350" lvl="2" indent="-742950">
+                  <a:buFont typeface="Wingdings" panose="05000000000000000000" pitchFamily="2" charset="2"/>
+                  <a:buChar char="Ø"/>
+                </a:pPr>
+                <a:endParaRPr lang="fr-CA" sz="3600" b="1" dirty="0"/>
+              </a:p>
+              <a:p>
+                <a:pPr marL="857250" indent="-857250">
+                  <a:buFont typeface="+mj-lt"/>
+                  <a:buAutoNum type="romanUcPeriod"/>
+                </a:pPr>
+                <a:r>
+                  <a:rPr lang="fr-CA" sz="3600" b="1" dirty="0"/>
+                  <a:t>Il ne restera en suite plus qu’à conclure.</a:t>
+                </a:r>
+              </a:p>
+              <a:p>
+                <a:pPr marL="2228850" lvl="3" indent="-857250">
+                  <a:buFont typeface="Wingdings" panose="05000000000000000000" pitchFamily="2" charset="2"/>
+                  <a:buChar char="Ø"/>
+                </a:pPr>
+                <a:r>
+                  <a:rPr lang="fr-CA" sz="3600" dirty="0"/>
+                  <a:t>Rejet ou non rejet de </a:t>
+                </a:r>
+                <a14:m>
+                  <m:oMath xmlns:m="http://schemas.openxmlformats.org/officeDocument/2006/math">
+                    <m:sSub>
+                      <m:sSubPr>
+                        <m:ctrlPr>
+                          <a:rPr lang="fr-CA" sz="3600" i="1">
+                            <a:latin typeface="Cambria Math" panose="02040503050406030204" pitchFamily="18" charset="0"/>
+                          </a:rPr>
+                        </m:ctrlPr>
+                      </m:sSubPr>
+                      <m:e>
+                        <m:r>
+                          <a:rPr lang="fr-CA" sz="3600" i="1">
+                            <a:latin typeface="Cambria Math" panose="02040503050406030204" pitchFamily="18" charset="0"/>
+                          </a:rPr>
+                          <m:t>𝐻</m:t>
+                        </m:r>
+                      </m:e>
+                      <m:sub>
+                        <m:r>
+                          <a:rPr lang="fr-CA" sz="3600" i="1">
+                            <a:latin typeface="Cambria Math" panose="02040503050406030204" pitchFamily="18" charset="0"/>
+                          </a:rPr>
+                          <m:t>0</m:t>
+                        </m:r>
+                      </m:sub>
+                    </m:sSub>
+                  </m:oMath>
+                </a14:m>
+                <a:r>
+                  <a:rPr lang="fr-CA" sz="3600" dirty="0"/>
+                  <a:t>.</a:t>
+                </a:r>
+              </a:p>
+            </p:txBody>
+          </p:sp>
+        </mc:Choice>
+        <mc:Fallback>
+          <p:sp>
+            <p:nvSpPr>
+              <p:cNvPr id="2" name="TextBox 1">
+                <a:extLst>
+                  <a:ext uri="{FF2B5EF4-FFF2-40B4-BE49-F238E27FC236}">
+                    <a16:creationId xmlns:a16="http://schemas.microsoft.com/office/drawing/2014/main" id="{60FDD1FD-49C6-4CAF-A371-3D79CB109F68}"/>
+                  </a:ext>
+                </a:extLst>
+              </p:cNvPr>
+              <p:cNvSpPr txBox="1">
+                <a:spLocks noRot="1" noChangeAspect="1" noMove="1" noResize="1" noEditPoints="1" noAdjustHandles="1" noChangeArrowheads="1" noChangeShapeType="1" noTextEdit="1"/>
+              </p:cNvSpPr>
+              <p:nvPr/>
+            </p:nvSpPr>
+            <p:spPr>
+              <a:xfrm>
+                <a:off x="-7658100" y="707886"/>
+                <a:ext cx="25755600" cy="14865608"/>
+              </a:xfrm>
+              <a:prstGeom prst="rect">
+                <a:avLst/>
+              </a:prstGeom>
+              <a:blipFill>
+                <a:blip r:embed="rId3"/>
+                <a:stretch>
+                  <a:fillRect l="-852" t="-738"/>
+                </a:stretch>
+              </a:blipFill>
+            </p:spPr>
+            <p:txBody>
+              <a:bodyPr/>
+              <a:lstStyle/>
+              <a:p>
+                <a:r>
+                  <a:rPr lang="fr-CA">
+                    <a:noFill/>
+                  </a:rPr>
+                  <a:t> </a:t>
+                </a:r>
+              </a:p>
+            </p:txBody>
+          </p:sp>
+        </mc:Fallback>
+      </mc:AlternateContent>
+      <p:sp>
+        <p:nvSpPr>
+          <p:cNvPr id="3" name="TextBox 2">
+            <a:extLst>
+              <a:ext uri="{FF2B5EF4-FFF2-40B4-BE49-F238E27FC236}">
+                <a16:creationId xmlns:a16="http://schemas.microsoft.com/office/drawing/2014/main" id="{93CDF373-3B77-46C7-9D82-1B7038311949}"/>
+              </a:ext>
+            </a:extLst>
+          </p:cNvPr>
+          <p:cNvSpPr txBox="1"/>
+          <p:nvPr/>
+        </p:nvSpPr>
+        <p:spPr>
+          <a:xfrm>
+            <a:off x="-7658100" y="-707886"/>
+            <a:ext cx="25755600" cy="707886"/>
+          </a:xfrm>
+          <a:prstGeom prst="rect">
+            <a:avLst/>
+          </a:prstGeom>
+          <a:noFill/>
+        </p:spPr>
+        <p:txBody>
+          <a:bodyPr wrap="square" rtlCol="0">
+            <a:spAutoFit/>
+          </a:bodyPr>
+          <a:lstStyle/>
+          <a:p>
+            <a:pPr algn="ctr"/>
+            <a:r>
+              <a:rPr lang="fr-CA" sz="4000" b="1" dirty="0">
+                <a:solidFill>
+                  <a:srgbClr val="A50F15"/>
+                </a:solidFill>
+              </a:rPr>
+              <a:t>1.3.1. STATISTIQUES INFÉRENTIELLES : MINMISATION DU BIAIS</a:t>
+            </a:r>
+          </a:p>
+        </p:txBody>
+      </p:sp>
+    </p:spTree>
+    <p:extLst>
+      <p:ext uri="{BB962C8B-B14F-4D97-AF65-F5344CB8AC3E}">
+        <p14:creationId xmlns:p14="http://schemas.microsoft.com/office/powerpoint/2010/main" val="83536499"/>
       </p:ext>
     </p:extLst>
   </p:cSld>
@@ -13180,8 +15001,8 @@
           <a:chExt cx="0" cy="0"/>
         </a:xfrm>
       </p:grpSpPr>
-      <mc:AlternateContent xmlns:mc="http://schemas.openxmlformats.org/markup-compatibility/2006">
-        <mc:Choice xmlns:a14="http://schemas.microsoft.com/office/drawing/2010/main" Requires="a14">
+      <mc:AlternateContent xmlns:mc="http://schemas.openxmlformats.org/markup-compatibility/2006" xmlns:a14="http://schemas.microsoft.com/office/drawing/2010/main">
+        <mc:Choice Requires="a14">
           <p:sp>
             <p:nvSpPr>
               <p:cNvPr id="2" name="TextBox 1">
@@ -13616,7 +15437,7 @@
             </p:txBody>
           </p:sp>
         </mc:Choice>
-        <mc:Fallback>
+        <mc:Fallback xmlns="">
           <p:sp>
             <p:nvSpPr>
               <p:cNvPr id="2" name="TextBox 1">
@@ -13691,8 +15512,8 @@
           <a:chExt cx="0" cy="0"/>
         </a:xfrm>
       </p:grpSpPr>
-      <mc:AlternateContent xmlns:mc="http://schemas.openxmlformats.org/markup-compatibility/2006">
-        <mc:Choice xmlns:a14="http://schemas.microsoft.com/office/drawing/2010/main" Requires="a14">
+      <mc:AlternateContent xmlns:mc="http://schemas.openxmlformats.org/markup-compatibility/2006" xmlns:a14="http://schemas.microsoft.com/office/drawing/2010/main">
+        <mc:Choice Requires="a14">
           <p:sp>
             <p:nvSpPr>
               <p:cNvPr id="2" name="TextBox 1">
@@ -13876,7 +15697,7 @@
             </p:txBody>
           </p:sp>
         </mc:Choice>
-        <mc:Fallback>
+        <mc:Fallback xmlns="">
           <p:sp>
             <p:nvSpPr>
               <p:cNvPr id="2" name="TextBox 1">

--- a/cours_1/img/images.pptx
+++ b/cours_1/img/images.pptx
@@ -13,31 +13,31 @@
     <p:sldId id="260" r:id="rId4"/>
     <p:sldId id="298" r:id="rId5"/>
     <p:sldId id="270" r:id="rId6"/>
-    <p:sldId id="273" r:id="rId7"/>
-    <p:sldId id="265" r:id="rId8"/>
-    <p:sldId id="300" r:id="rId9"/>
-    <p:sldId id="272" r:id="rId10"/>
-    <p:sldId id="271" r:id="rId11"/>
-    <p:sldId id="274" r:id="rId12"/>
-    <p:sldId id="278" r:id="rId13"/>
-    <p:sldId id="295" r:id="rId14"/>
-    <p:sldId id="279" r:id="rId15"/>
-    <p:sldId id="280" r:id="rId16"/>
-    <p:sldId id="282" r:id="rId17"/>
-    <p:sldId id="299" r:id="rId18"/>
-    <p:sldId id="283" r:id="rId19"/>
-    <p:sldId id="285" r:id="rId20"/>
-    <p:sldId id="287" r:id="rId21"/>
-    <p:sldId id="297" r:id="rId22"/>
-    <p:sldId id="286" r:id="rId23"/>
-    <p:sldId id="288" r:id="rId24"/>
-    <p:sldId id="289" r:id="rId25"/>
-    <p:sldId id="290" r:id="rId26"/>
-    <p:sldId id="292" r:id="rId27"/>
-    <p:sldId id="291" r:id="rId28"/>
-    <p:sldId id="293" r:id="rId29"/>
-    <p:sldId id="294" r:id="rId30"/>
-    <p:sldId id="296" r:id="rId31"/>
+    <p:sldId id="265" r:id="rId7"/>
+    <p:sldId id="300" r:id="rId8"/>
+    <p:sldId id="272" r:id="rId9"/>
+    <p:sldId id="271" r:id="rId10"/>
+    <p:sldId id="274" r:id="rId11"/>
+    <p:sldId id="278" r:id="rId12"/>
+    <p:sldId id="295" r:id="rId13"/>
+    <p:sldId id="279" r:id="rId14"/>
+    <p:sldId id="280" r:id="rId15"/>
+    <p:sldId id="282" r:id="rId16"/>
+    <p:sldId id="299" r:id="rId17"/>
+    <p:sldId id="283" r:id="rId18"/>
+    <p:sldId id="285" r:id="rId19"/>
+    <p:sldId id="287" r:id="rId20"/>
+    <p:sldId id="297" r:id="rId21"/>
+    <p:sldId id="286" r:id="rId22"/>
+    <p:sldId id="288" r:id="rId23"/>
+    <p:sldId id="289" r:id="rId24"/>
+    <p:sldId id="290" r:id="rId25"/>
+    <p:sldId id="292" r:id="rId26"/>
+    <p:sldId id="291" r:id="rId27"/>
+    <p:sldId id="293" r:id="rId28"/>
+    <p:sldId id="294" r:id="rId29"/>
+    <p:sldId id="296" r:id="rId30"/>
+    <p:sldId id="301" r:id="rId31"/>
   </p:sldIdLst>
   <p:sldSz cx="12192000" cy="6858000"/>
   <p:notesSz cx="6858000" cy="9144000"/>
@@ -628,7 +628,7 @@
           <a:p>
             <a:r>
               <a:rPr lang="fr-CA" dirty="0"/>
-              <a:t>AM_1_txt_2</a:t>
+              <a:t>SI_vs_AM_2</a:t>
             </a:r>
           </a:p>
         </p:txBody>
@@ -659,7 +659,7 @@
     </p:spTree>
     <p:extLst>
       <p:ext uri="{BB962C8B-B14F-4D97-AF65-F5344CB8AC3E}">
-        <p14:creationId xmlns:p14="http://schemas.microsoft.com/office/powerpoint/2010/main" val="1635451340"/>
+        <p14:creationId xmlns:p14="http://schemas.microsoft.com/office/powerpoint/2010/main" val="2213324799"/>
       </p:ext>
     </p:extLst>
   </p:cSld>
@@ -670,93 +670,6 @@
 </file>
 
 <file path=ppt/notesSlides/notesSlide11.xml><?xml version="1.0" encoding="utf-8"?>
-<p:notes xmlns:a="http://schemas.openxmlformats.org/drawingml/2006/main" xmlns:r="http://schemas.openxmlformats.org/officeDocument/2006/relationships" xmlns:p="http://schemas.openxmlformats.org/presentationml/2006/main">
-  <p:cSld>
-    <p:spTree>
-      <p:nvGrpSpPr>
-        <p:cNvPr id="1" name=""/>
-        <p:cNvGrpSpPr/>
-        <p:nvPr/>
-      </p:nvGrpSpPr>
-      <p:grpSpPr>
-        <a:xfrm>
-          <a:off x="0" y="0"/>
-          <a:ext cx="0" cy="0"/>
-          <a:chOff x="0" y="0"/>
-          <a:chExt cx="0" cy="0"/>
-        </a:xfrm>
-      </p:grpSpPr>
-      <p:sp>
-        <p:nvSpPr>
-          <p:cNvPr id="2" name="Slide Image Placeholder 1"/>
-          <p:cNvSpPr>
-            <a:spLocks noGrp="1" noRot="1" noChangeAspect="1"/>
-          </p:cNvSpPr>
-          <p:nvPr>
-            <p:ph type="sldImg"/>
-          </p:nvPr>
-        </p:nvSpPr>
-        <p:spPr/>
-      </p:sp>
-      <p:sp>
-        <p:nvSpPr>
-          <p:cNvPr id="3" name="Notes Placeholder 2"/>
-          <p:cNvSpPr>
-            <a:spLocks noGrp="1"/>
-          </p:cNvSpPr>
-          <p:nvPr>
-            <p:ph type="body" idx="1"/>
-          </p:nvPr>
-        </p:nvSpPr>
-        <p:spPr/>
-        <p:txBody>
-          <a:bodyPr/>
-          <a:lstStyle/>
-          <a:p>
-            <a:r>
-              <a:rPr lang="fr-CA" dirty="0"/>
-              <a:t>SI_vs_AM_2</a:t>
-            </a:r>
-          </a:p>
-        </p:txBody>
-      </p:sp>
-      <p:sp>
-        <p:nvSpPr>
-          <p:cNvPr id="4" name="Slide Number Placeholder 3"/>
-          <p:cNvSpPr>
-            <a:spLocks noGrp="1"/>
-          </p:cNvSpPr>
-          <p:nvPr>
-            <p:ph type="sldNum" sz="quarter" idx="5"/>
-          </p:nvPr>
-        </p:nvSpPr>
-        <p:spPr/>
-        <p:txBody>
-          <a:bodyPr/>
-          <a:lstStyle/>
-          <a:p>
-            <a:fld id="{0713F8AC-CE29-474A-8EF3-B92DD467D45E}" type="slidenum">
-              <a:rPr lang="fr-CA" smtClean="0"/>
-              <a:t>11</a:t>
-            </a:fld>
-            <a:endParaRPr lang="fr-CA"/>
-          </a:p>
-        </p:txBody>
-      </p:sp>
-    </p:spTree>
-    <p:extLst>
-      <p:ext uri="{BB962C8B-B14F-4D97-AF65-F5344CB8AC3E}">
-        <p14:creationId xmlns:p14="http://schemas.microsoft.com/office/powerpoint/2010/main" val="2213324799"/>
-      </p:ext>
-    </p:extLst>
-  </p:cSld>
-  <p:clrMapOvr>
-    <a:masterClrMapping/>
-  </p:clrMapOvr>
-</p:notes>
-</file>
-
-<file path=ppt/notesSlides/notesSlide12.xml><?xml version="1.0" encoding="utf-8"?>
 <p:notes xmlns:a="http://schemas.openxmlformats.org/drawingml/2006/main" xmlns:r="http://schemas.openxmlformats.org/officeDocument/2006/relationships" xmlns:p="http://schemas.openxmlformats.org/presentationml/2006/main">
   <p:cSld>
     <p:spTree>
@@ -824,7 +737,7 @@
           <a:p>
             <a:fld id="{0713F8AC-CE29-474A-8EF3-B92DD467D45E}" type="slidenum">
               <a:rPr lang="fr-CA" smtClean="0"/>
-              <a:t>12</a:t>
+              <a:t>11</a:t>
             </a:fld>
             <a:endParaRPr lang="fr-CA"/>
           </a:p>
@@ -843,7 +756,7 @@
 </p:notes>
 </file>
 
-<file path=ppt/notesSlides/notesSlide13.xml><?xml version="1.0" encoding="utf-8"?>
+<file path=ppt/notesSlides/notesSlide12.xml><?xml version="1.0" encoding="utf-8"?>
 <p:notes xmlns:a="http://schemas.openxmlformats.org/drawingml/2006/main" xmlns:r="http://schemas.openxmlformats.org/officeDocument/2006/relationships" xmlns:p="http://schemas.openxmlformats.org/presentationml/2006/main">
   <p:cSld>
     <p:spTree>
@@ -911,7 +824,7 @@
           <a:p>
             <a:fld id="{0713F8AC-CE29-474A-8EF3-B92DD467D45E}" type="slidenum">
               <a:rPr lang="fr-CA" smtClean="0"/>
-              <a:t>13</a:t>
+              <a:t>12</a:t>
             </a:fld>
             <a:endParaRPr lang="fr-CA"/>
           </a:p>
@@ -930,7 +843,7 @@
 </p:notes>
 </file>
 
-<file path=ppt/notesSlides/notesSlide14.xml><?xml version="1.0" encoding="utf-8"?>
+<file path=ppt/notesSlides/notesSlide13.xml><?xml version="1.0" encoding="utf-8"?>
 <p:notes xmlns:a="http://schemas.openxmlformats.org/drawingml/2006/main" xmlns:r="http://schemas.openxmlformats.org/officeDocument/2006/relationships" xmlns:p="http://schemas.openxmlformats.org/presentationml/2006/main">
   <p:cSld>
     <p:spTree>
@@ -998,7 +911,7 @@
           <a:p>
             <a:fld id="{0713F8AC-CE29-474A-8EF3-B92DD467D45E}" type="slidenum">
               <a:rPr lang="fr-CA" smtClean="0"/>
-              <a:t>14</a:t>
+              <a:t>13</a:t>
             </a:fld>
             <a:endParaRPr lang="fr-CA"/>
           </a:p>
@@ -1017,7 +930,7 @@
 </p:notes>
 </file>
 
-<file path=ppt/notesSlides/notesSlide15.xml><?xml version="1.0" encoding="utf-8"?>
+<file path=ppt/notesSlides/notesSlide14.xml><?xml version="1.0" encoding="utf-8"?>
 <p:notes xmlns:a="http://schemas.openxmlformats.org/drawingml/2006/main" xmlns:r="http://schemas.openxmlformats.org/officeDocument/2006/relationships" xmlns:p="http://schemas.openxmlformats.org/presentationml/2006/main">
   <p:cSld>
     <p:spTree>
@@ -1085,7 +998,7 @@
           <a:p>
             <a:fld id="{0713F8AC-CE29-474A-8EF3-B92DD467D45E}" type="slidenum">
               <a:rPr lang="fr-CA" smtClean="0"/>
-              <a:t>15</a:t>
+              <a:t>14</a:t>
             </a:fld>
             <a:endParaRPr lang="fr-CA"/>
           </a:p>
@@ -1104,7 +1017,7 @@
 </p:notes>
 </file>
 
-<file path=ppt/notesSlides/notesSlide16.xml><?xml version="1.0" encoding="utf-8"?>
+<file path=ppt/notesSlides/notesSlide15.xml><?xml version="1.0" encoding="utf-8"?>
 <p:notes xmlns:a="http://schemas.openxmlformats.org/drawingml/2006/main" xmlns:r="http://schemas.openxmlformats.org/officeDocument/2006/relationships" xmlns:p="http://schemas.openxmlformats.org/presentationml/2006/main">
   <p:cSld>
     <p:spTree>
@@ -1172,7 +1085,7 @@
           <a:p>
             <a:fld id="{0713F8AC-CE29-474A-8EF3-B92DD467D45E}" type="slidenum">
               <a:rPr lang="fr-CA" smtClean="0"/>
-              <a:t>16</a:t>
+              <a:t>15</a:t>
             </a:fld>
             <a:endParaRPr lang="fr-CA"/>
           </a:p>
@@ -1191,7 +1104,7 @@
 </p:notes>
 </file>
 
-<file path=ppt/notesSlides/notesSlide17.xml><?xml version="1.0" encoding="utf-8"?>
+<file path=ppt/notesSlides/notesSlide16.xml><?xml version="1.0" encoding="utf-8"?>
 <p:notes xmlns:a="http://schemas.openxmlformats.org/drawingml/2006/main" xmlns:r="http://schemas.openxmlformats.org/officeDocument/2006/relationships" xmlns:p="http://schemas.openxmlformats.org/presentationml/2006/main">
   <p:cSld>
     <p:spTree>
@@ -1259,7 +1172,7 @@
           <a:p>
             <a:fld id="{0713F8AC-CE29-474A-8EF3-B92DD467D45E}" type="slidenum">
               <a:rPr lang="fr-CA" smtClean="0"/>
-              <a:t>17</a:t>
+              <a:t>16</a:t>
             </a:fld>
             <a:endParaRPr lang="fr-CA"/>
           </a:p>
@@ -1278,7 +1191,7 @@
 </p:notes>
 </file>
 
-<file path=ppt/notesSlides/notesSlide18.xml><?xml version="1.0" encoding="utf-8"?>
+<file path=ppt/notesSlides/notesSlide17.xml><?xml version="1.0" encoding="utf-8"?>
 <p:notes xmlns:a="http://schemas.openxmlformats.org/drawingml/2006/main" xmlns:r="http://schemas.openxmlformats.org/officeDocument/2006/relationships" xmlns:p="http://schemas.openxmlformats.org/presentationml/2006/main">
   <p:cSld>
     <p:spTree>
@@ -1346,7 +1259,7 @@
           <a:p>
             <a:fld id="{0713F8AC-CE29-474A-8EF3-B92DD467D45E}" type="slidenum">
               <a:rPr lang="fr-CA" smtClean="0"/>
-              <a:t>18</a:t>
+              <a:t>17</a:t>
             </a:fld>
             <a:endParaRPr lang="fr-CA"/>
           </a:p>
@@ -1365,7 +1278,7 @@
 </p:notes>
 </file>
 
-<file path=ppt/notesSlides/notesSlide19.xml><?xml version="1.0" encoding="utf-8"?>
+<file path=ppt/notesSlides/notesSlide18.xml><?xml version="1.0" encoding="utf-8"?>
 <p:notes xmlns:a="http://schemas.openxmlformats.org/drawingml/2006/main" xmlns:r="http://schemas.openxmlformats.org/officeDocument/2006/relationships" xmlns:p="http://schemas.openxmlformats.org/presentationml/2006/main">
   <p:cSld>
     <p:spTree>
@@ -1433,6 +1346,93 @@
           <a:p>
             <a:fld id="{0713F8AC-CE29-474A-8EF3-B92DD467D45E}" type="slidenum">
               <a:rPr lang="fr-CA" smtClean="0"/>
+              <a:t>18</a:t>
+            </a:fld>
+            <a:endParaRPr lang="fr-CA"/>
+          </a:p>
+        </p:txBody>
+      </p:sp>
+    </p:spTree>
+    <p:extLst>
+      <p:ext uri="{BB962C8B-B14F-4D97-AF65-F5344CB8AC3E}">
+        <p14:creationId xmlns:p14="http://schemas.microsoft.com/office/powerpoint/2010/main" val="2233890776"/>
+      </p:ext>
+    </p:extLst>
+  </p:cSld>
+  <p:clrMapOvr>
+    <a:masterClrMapping/>
+  </p:clrMapOvr>
+</p:notes>
+</file>
+
+<file path=ppt/notesSlides/notesSlide19.xml><?xml version="1.0" encoding="utf-8"?>
+<p:notes xmlns:a="http://schemas.openxmlformats.org/drawingml/2006/main" xmlns:r="http://schemas.openxmlformats.org/officeDocument/2006/relationships" xmlns:p="http://schemas.openxmlformats.org/presentationml/2006/main">
+  <p:cSld>
+    <p:spTree>
+      <p:nvGrpSpPr>
+        <p:cNvPr id="1" name=""/>
+        <p:cNvGrpSpPr/>
+        <p:nvPr/>
+      </p:nvGrpSpPr>
+      <p:grpSpPr>
+        <a:xfrm>
+          <a:off x="0" y="0"/>
+          <a:ext cx="0" cy="0"/>
+          <a:chOff x="0" y="0"/>
+          <a:chExt cx="0" cy="0"/>
+        </a:xfrm>
+      </p:grpSpPr>
+      <p:sp>
+        <p:nvSpPr>
+          <p:cNvPr id="2" name="Slide Image Placeholder 1"/>
+          <p:cNvSpPr>
+            <a:spLocks noGrp="1" noRot="1" noChangeAspect="1"/>
+          </p:cNvSpPr>
+          <p:nvPr>
+            <p:ph type="sldImg"/>
+          </p:nvPr>
+        </p:nvSpPr>
+        <p:spPr/>
+      </p:sp>
+      <p:sp>
+        <p:nvSpPr>
+          <p:cNvPr id="3" name="Notes Placeholder 2"/>
+          <p:cNvSpPr>
+            <a:spLocks noGrp="1"/>
+          </p:cNvSpPr>
+          <p:nvPr>
+            <p:ph type="body" idx="1"/>
+          </p:nvPr>
+        </p:nvSpPr>
+        <p:spPr/>
+        <p:txBody>
+          <a:bodyPr/>
+          <a:lstStyle/>
+          <a:p>
+            <a:r>
+              <a:rPr lang="fr-CA" dirty="0"/>
+              <a:t>SI_vs_AM_3_txt</a:t>
+            </a:r>
+          </a:p>
+        </p:txBody>
+      </p:sp>
+      <p:sp>
+        <p:nvSpPr>
+          <p:cNvPr id="4" name="Slide Number Placeholder 3"/>
+          <p:cNvSpPr>
+            <a:spLocks noGrp="1"/>
+          </p:cNvSpPr>
+          <p:nvPr>
+            <p:ph type="sldNum" sz="quarter" idx="5"/>
+          </p:nvPr>
+        </p:nvSpPr>
+        <p:spPr/>
+        <p:txBody>
+          <a:bodyPr/>
+          <a:lstStyle/>
+          <a:p>
+            <a:fld id="{0713F8AC-CE29-474A-8EF3-B92DD467D45E}" type="slidenum">
+              <a:rPr lang="fr-CA" smtClean="0"/>
               <a:t>19</a:t>
             </a:fld>
             <a:endParaRPr lang="fr-CA"/>
@@ -1442,7 +1442,7 @@
     </p:spTree>
     <p:extLst>
       <p:ext uri="{BB962C8B-B14F-4D97-AF65-F5344CB8AC3E}">
-        <p14:creationId xmlns:p14="http://schemas.microsoft.com/office/powerpoint/2010/main" val="2233890776"/>
+        <p14:creationId xmlns:p14="http://schemas.microsoft.com/office/powerpoint/2010/main" val="1334025733"/>
       </p:ext>
     </p:extLst>
   </p:cSld>
@@ -1585,7 +1585,7 @@
           <a:p>
             <a:r>
               <a:rPr lang="fr-CA" dirty="0"/>
-              <a:t>SI_vs_AM_3_txt</a:t>
+              <a:t>SI_3_titre</a:t>
             </a:r>
           </a:p>
         </p:txBody>
@@ -1616,7 +1616,7 @@
     </p:spTree>
     <p:extLst>
       <p:ext uri="{BB962C8B-B14F-4D97-AF65-F5344CB8AC3E}">
-        <p14:creationId xmlns:p14="http://schemas.microsoft.com/office/powerpoint/2010/main" val="1334025733"/>
+        <p14:creationId xmlns:p14="http://schemas.microsoft.com/office/powerpoint/2010/main" val="828245968"/>
       </p:ext>
     </p:extLst>
   </p:cSld>
@@ -1627,93 +1627,6 @@
 </file>
 
 <file path=ppt/notesSlides/notesSlide21.xml><?xml version="1.0" encoding="utf-8"?>
-<p:notes xmlns:a="http://schemas.openxmlformats.org/drawingml/2006/main" xmlns:r="http://schemas.openxmlformats.org/officeDocument/2006/relationships" xmlns:p="http://schemas.openxmlformats.org/presentationml/2006/main">
-  <p:cSld>
-    <p:spTree>
-      <p:nvGrpSpPr>
-        <p:cNvPr id="1" name=""/>
-        <p:cNvGrpSpPr/>
-        <p:nvPr/>
-      </p:nvGrpSpPr>
-      <p:grpSpPr>
-        <a:xfrm>
-          <a:off x="0" y="0"/>
-          <a:ext cx="0" cy="0"/>
-          <a:chOff x="0" y="0"/>
-          <a:chExt cx="0" cy="0"/>
-        </a:xfrm>
-      </p:grpSpPr>
-      <p:sp>
-        <p:nvSpPr>
-          <p:cNvPr id="2" name="Slide Image Placeholder 1"/>
-          <p:cNvSpPr>
-            <a:spLocks noGrp="1" noRot="1" noChangeAspect="1"/>
-          </p:cNvSpPr>
-          <p:nvPr>
-            <p:ph type="sldImg"/>
-          </p:nvPr>
-        </p:nvSpPr>
-        <p:spPr/>
-      </p:sp>
-      <p:sp>
-        <p:nvSpPr>
-          <p:cNvPr id="3" name="Notes Placeholder 2"/>
-          <p:cNvSpPr>
-            <a:spLocks noGrp="1"/>
-          </p:cNvSpPr>
-          <p:nvPr>
-            <p:ph type="body" idx="1"/>
-          </p:nvPr>
-        </p:nvSpPr>
-        <p:spPr/>
-        <p:txBody>
-          <a:bodyPr/>
-          <a:lstStyle/>
-          <a:p>
-            <a:r>
-              <a:rPr lang="fr-CA" dirty="0"/>
-              <a:t>SI_3_titre</a:t>
-            </a:r>
-          </a:p>
-        </p:txBody>
-      </p:sp>
-      <p:sp>
-        <p:nvSpPr>
-          <p:cNvPr id="4" name="Slide Number Placeholder 3"/>
-          <p:cNvSpPr>
-            <a:spLocks noGrp="1"/>
-          </p:cNvSpPr>
-          <p:nvPr>
-            <p:ph type="sldNum" sz="quarter" idx="5"/>
-          </p:nvPr>
-        </p:nvSpPr>
-        <p:spPr/>
-        <p:txBody>
-          <a:bodyPr/>
-          <a:lstStyle/>
-          <a:p>
-            <a:fld id="{0713F8AC-CE29-474A-8EF3-B92DD467D45E}" type="slidenum">
-              <a:rPr lang="fr-CA" smtClean="0"/>
-              <a:t>21</a:t>
-            </a:fld>
-            <a:endParaRPr lang="fr-CA"/>
-          </a:p>
-        </p:txBody>
-      </p:sp>
-    </p:spTree>
-    <p:extLst>
-      <p:ext uri="{BB962C8B-B14F-4D97-AF65-F5344CB8AC3E}">
-        <p14:creationId xmlns:p14="http://schemas.microsoft.com/office/powerpoint/2010/main" val="828245968"/>
-      </p:ext>
-    </p:extLst>
-  </p:cSld>
-  <p:clrMapOvr>
-    <a:masterClrMapping/>
-  </p:clrMapOvr>
-</p:notes>
-</file>
-
-<file path=ppt/notesSlides/notesSlide22.xml><?xml version="1.0" encoding="utf-8"?>
 <p:notes xmlns:a="http://schemas.openxmlformats.org/drawingml/2006/main" xmlns:r="http://schemas.openxmlformats.org/officeDocument/2006/relationships" xmlns:p="http://schemas.openxmlformats.org/presentationml/2006/main">
   <p:cSld>
     <p:spTree>
@@ -1781,7 +1694,7 @@
           <a:p>
             <a:fld id="{0713F8AC-CE29-474A-8EF3-B92DD467D45E}" type="slidenum">
               <a:rPr lang="fr-CA" smtClean="0"/>
-              <a:t>22</a:t>
+              <a:t>21</a:t>
             </a:fld>
             <a:endParaRPr lang="fr-CA"/>
           </a:p>
@@ -1800,7 +1713,7 @@
 </p:notes>
 </file>
 
-<file path=ppt/notesSlides/notesSlide23.xml><?xml version="1.0" encoding="utf-8"?>
+<file path=ppt/notesSlides/notesSlide22.xml><?xml version="1.0" encoding="utf-8"?>
 <p:notes xmlns:a="http://schemas.openxmlformats.org/drawingml/2006/main" xmlns:r="http://schemas.openxmlformats.org/officeDocument/2006/relationships" xmlns:p="http://schemas.openxmlformats.org/presentationml/2006/main">
   <p:cSld>
     <p:spTree>
@@ -1868,7 +1781,7 @@
           <a:p>
             <a:fld id="{0713F8AC-CE29-474A-8EF3-B92DD467D45E}" type="slidenum">
               <a:rPr lang="fr-CA" smtClean="0"/>
-              <a:t>23</a:t>
+              <a:t>22</a:t>
             </a:fld>
             <a:endParaRPr lang="fr-CA"/>
           </a:p>
@@ -1887,7 +1800,7 @@
 </p:notes>
 </file>
 
-<file path=ppt/notesSlides/notesSlide24.xml><?xml version="1.0" encoding="utf-8"?>
+<file path=ppt/notesSlides/notesSlide23.xml><?xml version="1.0" encoding="utf-8"?>
 <p:notes xmlns:a="http://schemas.openxmlformats.org/drawingml/2006/main" xmlns:r="http://schemas.openxmlformats.org/officeDocument/2006/relationships" xmlns:p="http://schemas.openxmlformats.org/presentationml/2006/main">
   <p:cSld>
     <p:spTree>
@@ -1955,7 +1868,7 @@
           <a:p>
             <a:fld id="{0713F8AC-CE29-474A-8EF3-B92DD467D45E}" type="slidenum">
               <a:rPr lang="fr-CA" smtClean="0"/>
-              <a:t>24</a:t>
+              <a:t>23</a:t>
             </a:fld>
             <a:endParaRPr lang="fr-CA"/>
           </a:p>
@@ -1974,7 +1887,7 @@
 </p:notes>
 </file>
 
-<file path=ppt/notesSlides/notesSlide25.xml><?xml version="1.0" encoding="utf-8"?>
+<file path=ppt/notesSlides/notesSlide24.xml><?xml version="1.0" encoding="utf-8"?>
 <p:notes xmlns:a="http://schemas.openxmlformats.org/drawingml/2006/main" xmlns:r="http://schemas.openxmlformats.org/officeDocument/2006/relationships" xmlns:p="http://schemas.openxmlformats.org/presentationml/2006/main">
   <p:cSld>
     <p:spTree>
@@ -2042,7 +1955,7 @@
           <a:p>
             <a:fld id="{0713F8AC-CE29-474A-8EF3-B92DD467D45E}" type="slidenum">
               <a:rPr lang="fr-CA" smtClean="0"/>
-              <a:t>25</a:t>
+              <a:t>24</a:t>
             </a:fld>
             <a:endParaRPr lang="fr-CA"/>
           </a:p>
@@ -2061,7 +1974,7 @@
 </p:notes>
 </file>
 
-<file path=ppt/notesSlides/notesSlide26.xml><?xml version="1.0" encoding="utf-8"?>
+<file path=ppt/notesSlides/notesSlide25.xml><?xml version="1.0" encoding="utf-8"?>
 <p:notes xmlns:a="http://schemas.openxmlformats.org/drawingml/2006/main" xmlns:r="http://schemas.openxmlformats.org/officeDocument/2006/relationships" xmlns:p="http://schemas.openxmlformats.org/presentationml/2006/main">
   <p:cSld>
     <p:spTree>
@@ -2129,7 +2042,7 @@
           <a:p>
             <a:fld id="{0713F8AC-CE29-474A-8EF3-B92DD467D45E}" type="slidenum">
               <a:rPr lang="fr-CA" smtClean="0"/>
-              <a:t>26</a:t>
+              <a:t>25</a:t>
             </a:fld>
             <a:endParaRPr lang="fr-CA"/>
           </a:p>
@@ -2148,7 +2061,7 @@
 </p:notes>
 </file>
 
-<file path=ppt/notesSlides/notesSlide27.xml><?xml version="1.0" encoding="utf-8"?>
+<file path=ppt/notesSlides/notesSlide26.xml><?xml version="1.0" encoding="utf-8"?>
 <p:notes xmlns:a="http://schemas.openxmlformats.org/drawingml/2006/main" xmlns:r="http://schemas.openxmlformats.org/officeDocument/2006/relationships" xmlns:p="http://schemas.openxmlformats.org/presentationml/2006/main">
   <p:cSld>
     <p:spTree>
@@ -2216,7 +2129,7 @@
           <a:p>
             <a:fld id="{0713F8AC-CE29-474A-8EF3-B92DD467D45E}" type="slidenum">
               <a:rPr lang="fr-CA" smtClean="0"/>
-              <a:t>27</a:t>
+              <a:t>26</a:t>
             </a:fld>
             <a:endParaRPr lang="fr-CA"/>
           </a:p>
@@ -2235,7 +2148,7 @@
 </p:notes>
 </file>
 
-<file path=ppt/notesSlides/notesSlide28.xml><?xml version="1.0" encoding="utf-8"?>
+<file path=ppt/notesSlides/notesSlide27.xml><?xml version="1.0" encoding="utf-8"?>
 <p:notes xmlns:a="http://schemas.openxmlformats.org/drawingml/2006/main" xmlns:r="http://schemas.openxmlformats.org/officeDocument/2006/relationships" xmlns:p="http://schemas.openxmlformats.org/presentationml/2006/main">
   <p:cSld>
     <p:spTree>
@@ -2303,7 +2216,7 @@
           <a:p>
             <a:fld id="{0713F8AC-CE29-474A-8EF3-B92DD467D45E}" type="slidenum">
               <a:rPr lang="fr-CA" smtClean="0"/>
-              <a:t>28</a:t>
+              <a:t>27</a:t>
             </a:fld>
             <a:endParaRPr lang="fr-CA"/>
           </a:p>
@@ -2322,7 +2235,7 @@
 </p:notes>
 </file>
 
-<file path=ppt/notesSlides/notesSlide29.xml><?xml version="1.0" encoding="utf-8"?>
+<file path=ppt/notesSlides/notesSlide28.xml><?xml version="1.0" encoding="utf-8"?>
 <p:notes xmlns:a="http://schemas.openxmlformats.org/drawingml/2006/main" xmlns:r="http://schemas.openxmlformats.org/officeDocument/2006/relationships" xmlns:p="http://schemas.openxmlformats.org/presentationml/2006/main">
   <p:cSld>
     <p:spTree>
@@ -2390,6 +2303,93 @@
           <a:p>
             <a:fld id="{0713F8AC-CE29-474A-8EF3-B92DD467D45E}" type="slidenum">
               <a:rPr lang="fr-CA" smtClean="0"/>
+              <a:t>28</a:t>
+            </a:fld>
+            <a:endParaRPr lang="fr-CA"/>
+          </a:p>
+        </p:txBody>
+      </p:sp>
+    </p:spTree>
+    <p:extLst>
+      <p:ext uri="{BB962C8B-B14F-4D97-AF65-F5344CB8AC3E}">
+        <p14:creationId xmlns:p14="http://schemas.microsoft.com/office/powerpoint/2010/main" val="1311569304"/>
+      </p:ext>
+    </p:extLst>
+  </p:cSld>
+  <p:clrMapOvr>
+    <a:masterClrMapping/>
+  </p:clrMapOvr>
+</p:notes>
+</file>
+
+<file path=ppt/notesSlides/notesSlide29.xml><?xml version="1.0" encoding="utf-8"?>
+<p:notes xmlns:a="http://schemas.openxmlformats.org/drawingml/2006/main" xmlns:r="http://schemas.openxmlformats.org/officeDocument/2006/relationships" xmlns:p="http://schemas.openxmlformats.org/presentationml/2006/main">
+  <p:cSld>
+    <p:spTree>
+      <p:nvGrpSpPr>
+        <p:cNvPr id="1" name=""/>
+        <p:cNvGrpSpPr/>
+        <p:nvPr/>
+      </p:nvGrpSpPr>
+      <p:grpSpPr>
+        <a:xfrm>
+          <a:off x="0" y="0"/>
+          <a:ext cx="0" cy="0"/>
+          <a:chOff x="0" y="0"/>
+          <a:chExt cx="0" cy="0"/>
+        </a:xfrm>
+      </p:grpSpPr>
+      <p:sp>
+        <p:nvSpPr>
+          <p:cNvPr id="2" name="Slide Image Placeholder 1"/>
+          <p:cNvSpPr>
+            <a:spLocks noGrp="1" noRot="1" noChangeAspect="1"/>
+          </p:cNvSpPr>
+          <p:nvPr>
+            <p:ph type="sldImg"/>
+          </p:nvPr>
+        </p:nvSpPr>
+        <p:spPr/>
+      </p:sp>
+      <p:sp>
+        <p:nvSpPr>
+          <p:cNvPr id="3" name="Notes Placeholder 2"/>
+          <p:cNvSpPr>
+            <a:spLocks noGrp="1"/>
+          </p:cNvSpPr>
+          <p:nvPr>
+            <p:ph type="body" idx="1"/>
+          </p:nvPr>
+        </p:nvSpPr>
+        <p:spPr/>
+        <p:txBody>
+          <a:bodyPr/>
+          <a:lstStyle/>
+          <a:p>
+            <a:r>
+              <a:rPr lang="fr-CA" dirty="0"/>
+              <a:t>AM_3_titre</a:t>
+            </a:r>
+          </a:p>
+        </p:txBody>
+      </p:sp>
+      <p:sp>
+        <p:nvSpPr>
+          <p:cNvPr id="4" name="Slide Number Placeholder 3"/>
+          <p:cNvSpPr>
+            <a:spLocks noGrp="1"/>
+          </p:cNvSpPr>
+          <p:nvPr>
+            <p:ph type="sldNum" sz="quarter" idx="5"/>
+          </p:nvPr>
+        </p:nvSpPr>
+        <p:spPr/>
+        <p:txBody>
+          <a:bodyPr/>
+          <a:lstStyle/>
+          <a:p>
+            <a:fld id="{0713F8AC-CE29-474A-8EF3-B92DD467D45E}" type="slidenum">
+              <a:rPr lang="fr-CA" smtClean="0"/>
               <a:t>29</a:t>
             </a:fld>
             <a:endParaRPr lang="fr-CA"/>
@@ -2399,7 +2399,7 @@
     </p:spTree>
     <p:extLst>
       <p:ext uri="{BB962C8B-B14F-4D97-AF65-F5344CB8AC3E}">
-        <p14:creationId xmlns:p14="http://schemas.microsoft.com/office/powerpoint/2010/main" val="1311569304"/>
+        <p14:creationId xmlns:p14="http://schemas.microsoft.com/office/powerpoint/2010/main" val="3234073527"/>
       </p:ext>
     </p:extLst>
   </p:cSld>
@@ -2542,7 +2542,7 @@
           <a:p>
             <a:r>
               <a:rPr lang="fr-CA" dirty="0"/>
-              <a:t>AM_3_titre</a:t>
+              <a:t>AM_3_txt_1</a:t>
             </a:r>
           </a:p>
         </p:txBody>
@@ -2573,7 +2573,7 @@
     </p:spTree>
     <p:extLst>
       <p:ext uri="{BB962C8B-B14F-4D97-AF65-F5344CB8AC3E}">
-        <p14:creationId xmlns:p14="http://schemas.microsoft.com/office/powerpoint/2010/main" val="3234073527"/>
+        <p14:creationId xmlns:p14="http://schemas.microsoft.com/office/powerpoint/2010/main" val="2734140394"/>
       </p:ext>
     </p:extLst>
   </p:cSld>
@@ -2801,7 +2801,10 @@
           <a:bodyPr/>
           <a:lstStyle/>
           <a:p>
-            <a:endParaRPr lang="fr-CA" dirty="0"/>
+            <a:r>
+              <a:rPr lang="fr-CA" dirty="0"/>
+              <a:t>SI_1_txt_2</a:t>
+            </a:r>
           </a:p>
         </p:txBody>
       </p:sp>
@@ -2831,7 +2834,7 @@
     </p:spTree>
     <p:extLst>
       <p:ext uri="{BB962C8B-B14F-4D97-AF65-F5344CB8AC3E}">
-        <p14:creationId xmlns:p14="http://schemas.microsoft.com/office/powerpoint/2010/main" val="978077865"/>
+        <p14:creationId xmlns:p14="http://schemas.microsoft.com/office/powerpoint/2010/main" val="2937980828"/>
       </p:ext>
     </p:extLst>
   </p:cSld>
@@ -2842,93 +2845,6 @@
 </file>
 
 <file path=ppt/notesSlides/notesSlide7.xml><?xml version="1.0" encoding="utf-8"?>
-<p:notes xmlns:a="http://schemas.openxmlformats.org/drawingml/2006/main" xmlns:r="http://schemas.openxmlformats.org/officeDocument/2006/relationships" xmlns:p="http://schemas.openxmlformats.org/presentationml/2006/main">
-  <p:cSld>
-    <p:spTree>
-      <p:nvGrpSpPr>
-        <p:cNvPr id="1" name=""/>
-        <p:cNvGrpSpPr/>
-        <p:nvPr/>
-      </p:nvGrpSpPr>
-      <p:grpSpPr>
-        <a:xfrm>
-          <a:off x="0" y="0"/>
-          <a:ext cx="0" cy="0"/>
-          <a:chOff x="0" y="0"/>
-          <a:chExt cx="0" cy="0"/>
-        </a:xfrm>
-      </p:grpSpPr>
-      <p:sp>
-        <p:nvSpPr>
-          <p:cNvPr id="2" name="Slide Image Placeholder 1"/>
-          <p:cNvSpPr>
-            <a:spLocks noGrp="1" noRot="1" noChangeAspect="1"/>
-          </p:cNvSpPr>
-          <p:nvPr>
-            <p:ph type="sldImg"/>
-          </p:nvPr>
-        </p:nvSpPr>
-        <p:spPr/>
-      </p:sp>
-      <p:sp>
-        <p:nvSpPr>
-          <p:cNvPr id="3" name="Notes Placeholder 2"/>
-          <p:cNvSpPr>
-            <a:spLocks noGrp="1"/>
-          </p:cNvSpPr>
-          <p:nvPr>
-            <p:ph type="body" idx="1"/>
-          </p:nvPr>
-        </p:nvSpPr>
-        <p:spPr/>
-        <p:txBody>
-          <a:bodyPr/>
-          <a:lstStyle/>
-          <a:p>
-            <a:r>
-              <a:rPr lang="fr-CA" dirty="0"/>
-              <a:t>SI_1_txt_2</a:t>
-            </a:r>
-          </a:p>
-        </p:txBody>
-      </p:sp>
-      <p:sp>
-        <p:nvSpPr>
-          <p:cNvPr id="4" name="Slide Number Placeholder 3"/>
-          <p:cNvSpPr>
-            <a:spLocks noGrp="1"/>
-          </p:cNvSpPr>
-          <p:nvPr>
-            <p:ph type="sldNum" sz="quarter" idx="5"/>
-          </p:nvPr>
-        </p:nvSpPr>
-        <p:spPr/>
-        <p:txBody>
-          <a:bodyPr/>
-          <a:lstStyle/>
-          <a:p>
-            <a:fld id="{0713F8AC-CE29-474A-8EF3-B92DD467D45E}" type="slidenum">
-              <a:rPr lang="fr-CA" smtClean="0"/>
-              <a:t>7</a:t>
-            </a:fld>
-            <a:endParaRPr lang="fr-CA"/>
-          </a:p>
-        </p:txBody>
-      </p:sp>
-    </p:spTree>
-    <p:extLst>
-      <p:ext uri="{BB962C8B-B14F-4D97-AF65-F5344CB8AC3E}">
-        <p14:creationId xmlns:p14="http://schemas.microsoft.com/office/powerpoint/2010/main" val="2937980828"/>
-      </p:ext>
-    </p:extLst>
-  </p:cSld>
-  <p:clrMapOvr>
-    <a:masterClrMapping/>
-  </p:clrMapOvr>
-</p:notes>
-</file>
-
-<file path=ppt/notesSlides/notesSlide8.xml><?xml version="1.0" encoding="utf-8"?>
 <p:notes xmlns:a="http://schemas.openxmlformats.org/drawingml/2006/main" xmlns:r="http://schemas.openxmlformats.org/officeDocument/2006/relationships" xmlns:p="http://schemas.openxmlformats.org/presentationml/2006/main">
   <p:cSld>
     <p:spTree>
@@ -2996,7 +2912,7 @@
           <a:p>
             <a:fld id="{0713F8AC-CE29-474A-8EF3-B92DD467D45E}" type="slidenum">
               <a:rPr lang="fr-CA" smtClean="0"/>
-              <a:t>8</a:t>
+              <a:t>7</a:t>
             </a:fld>
             <a:endParaRPr lang="fr-CA"/>
           </a:p>
@@ -3015,7 +2931,7 @@
 </p:notes>
 </file>
 
-<file path=ppt/notesSlides/notesSlide9.xml><?xml version="1.0" encoding="utf-8"?>
+<file path=ppt/notesSlides/notesSlide8.xml><?xml version="1.0" encoding="utf-8"?>
 <p:notes xmlns:a="http://schemas.openxmlformats.org/drawingml/2006/main" xmlns:r="http://schemas.openxmlformats.org/officeDocument/2006/relationships" xmlns:p="http://schemas.openxmlformats.org/presentationml/2006/main">
   <p:cSld>
     <p:spTree>
@@ -3083,6 +2999,93 @@
           <a:p>
             <a:fld id="{0713F8AC-CE29-474A-8EF3-B92DD467D45E}" type="slidenum">
               <a:rPr lang="fr-CA" smtClean="0"/>
+              <a:t>8</a:t>
+            </a:fld>
+            <a:endParaRPr lang="fr-CA"/>
+          </a:p>
+        </p:txBody>
+      </p:sp>
+    </p:spTree>
+    <p:extLst>
+      <p:ext uri="{BB962C8B-B14F-4D97-AF65-F5344CB8AC3E}">
+        <p14:creationId xmlns:p14="http://schemas.microsoft.com/office/powerpoint/2010/main" val="2101875009"/>
+      </p:ext>
+    </p:extLst>
+  </p:cSld>
+  <p:clrMapOvr>
+    <a:masterClrMapping/>
+  </p:clrMapOvr>
+</p:notes>
+</file>
+
+<file path=ppt/notesSlides/notesSlide9.xml><?xml version="1.0" encoding="utf-8"?>
+<p:notes xmlns:a="http://schemas.openxmlformats.org/drawingml/2006/main" xmlns:r="http://schemas.openxmlformats.org/officeDocument/2006/relationships" xmlns:p="http://schemas.openxmlformats.org/presentationml/2006/main">
+  <p:cSld>
+    <p:spTree>
+      <p:nvGrpSpPr>
+        <p:cNvPr id="1" name=""/>
+        <p:cNvGrpSpPr/>
+        <p:nvPr/>
+      </p:nvGrpSpPr>
+      <p:grpSpPr>
+        <a:xfrm>
+          <a:off x="0" y="0"/>
+          <a:ext cx="0" cy="0"/>
+          <a:chOff x="0" y="0"/>
+          <a:chExt cx="0" cy="0"/>
+        </a:xfrm>
+      </p:grpSpPr>
+      <p:sp>
+        <p:nvSpPr>
+          <p:cNvPr id="2" name="Slide Image Placeholder 1"/>
+          <p:cNvSpPr>
+            <a:spLocks noGrp="1" noRot="1" noChangeAspect="1"/>
+          </p:cNvSpPr>
+          <p:nvPr>
+            <p:ph type="sldImg"/>
+          </p:nvPr>
+        </p:nvSpPr>
+        <p:spPr/>
+      </p:sp>
+      <p:sp>
+        <p:nvSpPr>
+          <p:cNvPr id="3" name="Notes Placeholder 2"/>
+          <p:cNvSpPr>
+            <a:spLocks noGrp="1"/>
+          </p:cNvSpPr>
+          <p:nvPr>
+            <p:ph type="body" idx="1"/>
+          </p:nvPr>
+        </p:nvSpPr>
+        <p:spPr/>
+        <p:txBody>
+          <a:bodyPr/>
+          <a:lstStyle/>
+          <a:p>
+            <a:r>
+              <a:rPr lang="fr-CA" dirty="0"/>
+              <a:t>AM_1_txt_2</a:t>
+            </a:r>
+          </a:p>
+        </p:txBody>
+      </p:sp>
+      <p:sp>
+        <p:nvSpPr>
+          <p:cNvPr id="4" name="Slide Number Placeholder 3"/>
+          <p:cNvSpPr>
+            <a:spLocks noGrp="1"/>
+          </p:cNvSpPr>
+          <p:nvPr>
+            <p:ph type="sldNum" sz="quarter" idx="5"/>
+          </p:nvPr>
+        </p:nvSpPr>
+        <p:spPr/>
+        <p:txBody>
+          <a:bodyPr/>
+          <a:lstStyle/>
+          <a:p>
+            <a:fld id="{0713F8AC-CE29-474A-8EF3-B92DD467D45E}" type="slidenum">
+              <a:rPr lang="fr-CA" smtClean="0"/>
               <a:t>9</a:t>
             </a:fld>
             <a:endParaRPr lang="fr-CA"/>
@@ -3092,7 +3095,7 @@
     </p:spTree>
     <p:extLst>
       <p:ext uri="{BB962C8B-B14F-4D97-AF65-F5344CB8AC3E}">
-        <p14:creationId xmlns:p14="http://schemas.microsoft.com/office/powerpoint/2010/main" val="2101875009"/>
+        <p14:creationId xmlns:p14="http://schemas.microsoft.com/office/powerpoint/2010/main" val="1635451340"/>
       </p:ext>
     </p:extLst>
   </p:cSld>
@@ -7575,268 +7578,6 @@
           <a:chExt cx="0" cy="0"/>
         </a:xfrm>
       </p:grpSpPr>
-      <p:sp>
-        <p:nvSpPr>
-          <p:cNvPr id="2" name="TextBox 1">
-            <a:extLst>
-              <a:ext uri="{FF2B5EF4-FFF2-40B4-BE49-F238E27FC236}">
-                <a16:creationId xmlns:a16="http://schemas.microsoft.com/office/drawing/2014/main" id="{60FDD1FD-49C6-4CAF-A371-3D79CB109F68}"/>
-              </a:ext>
-            </a:extLst>
-          </p:cNvPr>
-          <p:cNvSpPr txBox="1"/>
-          <p:nvPr/>
-        </p:nvSpPr>
-        <p:spPr>
-          <a:xfrm>
-            <a:off x="-8010526" y="596860"/>
-            <a:ext cx="22193249" cy="9140964"/>
-          </a:xfrm>
-          <a:prstGeom prst="rect">
-            <a:avLst/>
-          </a:prstGeom>
-          <a:noFill/>
-        </p:spPr>
-        <p:txBody>
-          <a:bodyPr wrap="square" rtlCol="0">
-            <a:spAutoFit/>
-          </a:bodyPr>
-          <a:lstStyle/>
-          <a:p>
-            <a:r>
-              <a:rPr lang="fr-CA" sz="4000" b="1" dirty="0"/>
-              <a:t>En apprentissage machine… </a:t>
-            </a:r>
-          </a:p>
-          <a:p>
-            <a:endParaRPr lang="fr-CA" sz="4000" dirty="0"/>
-          </a:p>
-          <a:p>
-            <a:pPr marL="342900" indent="-342900">
-              <a:buFont typeface="Wingdings" panose="05000000000000000000" pitchFamily="2" charset="2"/>
-              <a:buChar char="§"/>
-            </a:pPr>
-            <a:r>
-              <a:rPr lang="fr-CA" sz="4000" dirty="0"/>
-              <a:t>On cherche généralement à </a:t>
-            </a:r>
-            <a:r>
-              <a:rPr lang="fr-CA" sz="4000" b="1" dirty="0"/>
-              <a:t>PRÉDIRE</a:t>
-            </a:r>
-            <a:r>
-              <a:rPr lang="fr-CA" sz="4000" dirty="0"/>
-              <a:t> de nouvelles observations individuelles.</a:t>
-            </a:r>
-          </a:p>
-          <a:p>
-            <a:pPr marL="342900" indent="-342900">
-              <a:buFont typeface="Wingdings" panose="05000000000000000000" pitchFamily="2" charset="2"/>
-              <a:buChar char="§"/>
-            </a:pPr>
-            <a:endParaRPr lang="fr-CA" sz="4000" dirty="0"/>
-          </a:p>
-          <a:p>
-            <a:pPr marL="342900" indent="-342900">
-              <a:buFont typeface="Wingdings" panose="05000000000000000000" pitchFamily="2" charset="2"/>
-              <a:buChar char="§"/>
-            </a:pPr>
-            <a:r>
-              <a:rPr lang="fr-CA" sz="4000" dirty="0"/>
-              <a:t>Le nombre de </a:t>
-            </a:r>
-            <a:r>
-              <a:rPr lang="fr-CA" sz="4000" b="1" dirty="0"/>
-              <a:t>prédicteurs</a:t>
-            </a:r>
-            <a:r>
-              <a:rPr lang="fr-CA" sz="4000" dirty="0"/>
-              <a:t> impliquées dans le modèle du chercheur est souvent élevé.</a:t>
-            </a:r>
-          </a:p>
-          <a:p>
-            <a:pPr marL="342900" indent="-342900">
-              <a:buFont typeface="Wingdings" panose="05000000000000000000" pitchFamily="2" charset="2"/>
-              <a:buChar char="§"/>
-            </a:pPr>
-            <a:endParaRPr lang="fr-CA" sz="4000" dirty="0"/>
-          </a:p>
-          <a:p>
-            <a:pPr marL="342900" indent="-342900">
-              <a:buFont typeface="Wingdings" panose="05000000000000000000" pitchFamily="2" charset="2"/>
-              <a:buChar char="§"/>
-            </a:pPr>
-            <a:r>
-              <a:rPr lang="fr-CA" sz="4000" dirty="0"/>
-              <a:t>On essaie d’avoir le plus grand nombre d’</a:t>
-            </a:r>
-            <a:r>
-              <a:rPr lang="fr-CA" sz="4000" b="1" dirty="0"/>
-              <a:t>exemples</a:t>
-            </a:r>
-            <a:r>
-              <a:rPr lang="fr-CA" sz="4000" dirty="0"/>
-              <a:t> possible.</a:t>
-            </a:r>
-          </a:p>
-          <a:p>
-            <a:pPr marL="1200150" lvl="1" indent="-742950">
-              <a:buFont typeface="Wingdings" panose="05000000000000000000" pitchFamily="2" charset="2"/>
-              <a:buChar char="Ø"/>
-            </a:pPr>
-            <a:r>
-              <a:rPr lang="fr-CA" sz="3600" dirty="0"/>
-              <a:t>Le nombre de variables incluses dans le modèle est parfois plus grand que le nombre d’exemples.</a:t>
-            </a:r>
-          </a:p>
-          <a:p>
-            <a:pPr marL="1200150" lvl="1" indent="-742950">
-              <a:buFont typeface="Wingdings" panose="05000000000000000000" pitchFamily="2" charset="2"/>
-              <a:buChar char="Ø"/>
-            </a:pPr>
-            <a:r>
-              <a:rPr lang="fr-CA" sz="3600" dirty="0"/>
-              <a:t>Cette structure de données est généralement nommée « données larges » (</a:t>
-            </a:r>
-            <a:r>
-              <a:rPr lang="fr-CA" sz="3600" i="1" dirty="0" err="1"/>
-              <a:t>wide</a:t>
-            </a:r>
-            <a:r>
-              <a:rPr lang="fr-CA" sz="3600" i="1" dirty="0"/>
-              <a:t> data</a:t>
-            </a:r>
-            <a:r>
-              <a:rPr lang="fr-CA" sz="3600" dirty="0"/>
-              <a:t>).</a:t>
-            </a:r>
-          </a:p>
-          <a:p>
-            <a:pPr marL="800100" lvl="1" indent="-342900">
-              <a:buFont typeface="Wingdings" panose="05000000000000000000" pitchFamily="2" charset="2"/>
-              <a:buChar char="Ø"/>
-            </a:pPr>
-            <a:endParaRPr lang="fr-CA" sz="4000" dirty="0"/>
-          </a:p>
-          <a:p>
-            <a:pPr marL="342900" indent="-342900">
-              <a:buFont typeface="Wingdings" panose="05000000000000000000" pitchFamily="2" charset="2"/>
-              <a:buChar char="§"/>
-            </a:pPr>
-            <a:r>
-              <a:rPr lang="fr-CA" sz="4000" dirty="0"/>
-              <a:t>La conclusion obtenue est essentiellement continue: </a:t>
-            </a:r>
-          </a:p>
-          <a:p>
-            <a:pPr marL="1200150" lvl="1" indent="-742950">
-              <a:buFont typeface="Wingdings" panose="05000000000000000000" pitchFamily="2" charset="2"/>
-              <a:buChar char="Ø"/>
-            </a:pPr>
-            <a:r>
-              <a:rPr lang="fr-CA" sz="3600" dirty="0"/>
-              <a:t>À quel point peut-on bien prédire de nouvelles observations.</a:t>
-            </a:r>
-          </a:p>
-          <a:p>
-            <a:pPr marL="342900" indent="-342900">
-              <a:buFont typeface="Wingdings" panose="05000000000000000000" pitchFamily="2" charset="2"/>
-              <a:buChar char="§"/>
-            </a:pPr>
-            <a:endParaRPr lang="fr-CA" sz="4000" dirty="0"/>
-          </a:p>
-          <a:p>
-            <a:pPr marL="342900" indent="-342900">
-              <a:buFont typeface="Wingdings" panose="05000000000000000000" pitchFamily="2" charset="2"/>
-              <a:buChar char="§"/>
-            </a:pPr>
-            <a:r>
-              <a:rPr lang="fr-CA" sz="4000" dirty="0"/>
-              <a:t>La conclusion n’est pas limitée à des groupes d’individus.</a:t>
-            </a:r>
-          </a:p>
-          <a:p>
-            <a:pPr marL="800100" lvl="1" indent="-342900">
-              <a:buFont typeface="Wingdings" panose="05000000000000000000" pitchFamily="2" charset="2"/>
-              <a:buChar char="Ø"/>
-            </a:pPr>
-            <a:r>
-              <a:rPr lang="fr-CA" sz="3600" dirty="0"/>
-              <a:t>On peut utiliser le modèle estimé pour prédire de nouvelles données individuelles (c’est l’objectif principal!).</a:t>
-            </a:r>
-          </a:p>
-        </p:txBody>
-      </p:sp>
-      <p:sp>
-        <p:nvSpPr>
-          <p:cNvPr id="6" name="TextBox 5">
-            <a:extLst>
-              <a:ext uri="{FF2B5EF4-FFF2-40B4-BE49-F238E27FC236}">
-                <a16:creationId xmlns:a16="http://schemas.microsoft.com/office/drawing/2014/main" id="{F8AA180F-EF15-48F7-8E1B-F9215A957FF5}"/>
-              </a:ext>
-            </a:extLst>
-          </p:cNvPr>
-          <p:cNvSpPr txBox="1"/>
-          <p:nvPr/>
-        </p:nvSpPr>
-        <p:spPr>
-          <a:xfrm>
-            <a:off x="-8010526" y="-678389"/>
-            <a:ext cx="22193249" cy="707886"/>
-          </a:xfrm>
-          <a:prstGeom prst="rect">
-            <a:avLst/>
-          </a:prstGeom>
-          <a:noFill/>
-        </p:spPr>
-        <p:txBody>
-          <a:bodyPr wrap="square" rtlCol="0">
-            <a:spAutoFit/>
-          </a:bodyPr>
-          <a:lstStyle/>
-          <a:p>
-            <a:pPr algn="ctr"/>
-            <a:r>
-              <a:rPr lang="fr-CA" sz="4000" b="1" dirty="0">
-                <a:solidFill>
-                  <a:srgbClr val="08519C"/>
-                </a:solidFill>
-              </a:rPr>
-              <a:t>1.1.2. APPRENTISSAGE MACHINE : MODÈLES ESSENTIELLEMENT PRÉDICTIFS</a:t>
-            </a:r>
-          </a:p>
-        </p:txBody>
-      </p:sp>
-    </p:spTree>
-    <p:extLst>
-      <p:ext uri="{BB962C8B-B14F-4D97-AF65-F5344CB8AC3E}">
-        <p14:creationId xmlns:p14="http://schemas.microsoft.com/office/powerpoint/2010/main" val="1863467084"/>
-      </p:ext>
-    </p:extLst>
-  </p:cSld>
-  <p:clrMapOvr>
-    <a:masterClrMapping/>
-  </p:clrMapOvr>
-</p:sld>
-</file>
-
-<file path=ppt/slides/slide11.xml><?xml version="1.0" encoding="utf-8"?>
-<p:sld xmlns:a="http://schemas.openxmlformats.org/drawingml/2006/main" xmlns:r="http://schemas.openxmlformats.org/officeDocument/2006/relationships" xmlns:p="http://schemas.openxmlformats.org/presentationml/2006/main">
-  <p:cSld>
-    <p:spTree>
-      <p:nvGrpSpPr>
-        <p:cNvPr id="1" name=""/>
-        <p:cNvGrpSpPr/>
-        <p:nvPr/>
-      </p:nvGrpSpPr>
-      <p:grpSpPr>
-        <a:xfrm>
-          <a:off x="0" y="0"/>
-          <a:ext cx="0" cy="0"/>
-          <a:chOff x="0" y="0"/>
-          <a:chExt cx="0" cy="0"/>
-        </a:xfrm>
-      </p:grpSpPr>
       <p:graphicFrame>
         <p:nvGraphicFramePr>
           <p:cNvPr id="4" name="Table 3" descr="is-">
@@ -9058,7 +8799,7 @@
 </p:sld>
 </file>
 
-<file path=ppt/slides/slide12.xml><?xml version="1.0" encoding="utf-8"?>
+<file path=ppt/slides/slide11.xml><?xml version="1.0" encoding="utf-8"?>
 <p:sld xmlns:a="http://schemas.openxmlformats.org/drawingml/2006/main" xmlns:r="http://schemas.openxmlformats.org/officeDocument/2006/relationships" xmlns:p="http://schemas.openxmlformats.org/presentationml/2006/main">
   <p:cSld>
     <p:spTree>
@@ -9128,7 +8869,7 @@
 </p:sld>
 </file>
 
-<file path=ppt/slides/slide13.xml><?xml version="1.0" encoding="utf-8"?>
+<file path=ppt/slides/slide12.xml><?xml version="1.0" encoding="utf-8"?>
 <p:sld xmlns:a="http://schemas.openxmlformats.org/drawingml/2006/main" xmlns:r="http://schemas.openxmlformats.org/officeDocument/2006/relationships" xmlns:p="http://schemas.openxmlformats.org/presentationml/2006/main">
   <p:cSld>
     <p:spTree>
@@ -10101,7 +9842,7 @@
 </p:sld>
 </file>
 
-<file path=ppt/slides/slide14.xml><?xml version="1.0" encoding="utf-8"?>
+<file path=ppt/slides/slide13.xml><?xml version="1.0" encoding="utf-8"?>
 <p:sld xmlns:a="http://schemas.openxmlformats.org/drawingml/2006/main" xmlns:r="http://schemas.openxmlformats.org/officeDocument/2006/relationships" xmlns:p="http://schemas.openxmlformats.org/presentationml/2006/main">
   <p:cSld>
     <p:spTree>
@@ -10422,7 +10163,7 @@
 </p:sld>
 </file>
 
-<file path=ppt/slides/slide15.xml><?xml version="1.0" encoding="utf-8"?>
+<file path=ppt/slides/slide14.xml><?xml version="1.0" encoding="utf-8"?>
 <p:sld xmlns:a="http://schemas.openxmlformats.org/drawingml/2006/main" xmlns:r="http://schemas.openxmlformats.org/officeDocument/2006/relationships" xmlns:p="http://schemas.openxmlformats.org/presentationml/2006/main">
   <p:cSld>
     <p:spTree>
@@ -11562,7 +11303,7 @@
 </p:sld>
 </file>
 
-<file path=ppt/slides/slide16.xml><?xml version="1.0" encoding="utf-8"?>
+<file path=ppt/slides/slide15.xml><?xml version="1.0" encoding="utf-8"?>
 <p:sld xmlns:a="http://schemas.openxmlformats.org/drawingml/2006/main" xmlns:r="http://schemas.openxmlformats.org/officeDocument/2006/relationships" xmlns:p="http://schemas.openxmlformats.org/presentationml/2006/main">
   <p:cSld>
     <p:spTree>
@@ -12503,7 +12244,7 @@
 </p:sld>
 </file>
 
-<file path=ppt/slides/slide17.xml><?xml version="1.0" encoding="utf-8"?>
+<file path=ppt/slides/slide16.xml><?xml version="1.0" encoding="utf-8"?>
 <p:sld xmlns:a="http://schemas.openxmlformats.org/drawingml/2006/main" xmlns:r="http://schemas.openxmlformats.org/officeDocument/2006/relationships" xmlns:p="http://schemas.openxmlformats.org/presentationml/2006/main">
   <p:cSld>
     <p:spTree>
@@ -12573,7 +12314,7 @@
 </p:sld>
 </file>
 
-<file path=ppt/slides/slide18.xml><?xml version="1.0" encoding="utf-8"?>
+<file path=ppt/slides/slide17.xml><?xml version="1.0" encoding="utf-8"?>
 <p:sld xmlns:a="http://schemas.openxmlformats.org/drawingml/2006/main" xmlns:r="http://schemas.openxmlformats.org/officeDocument/2006/relationships" xmlns:p="http://schemas.openxmlformats.org/presentationml/2006/main">
   <p:cSld>
     <p:spTree>
@@ -12972,7 +12713,7 @@
 </p:sld>
 </file>
 
-<file path=ppt/slides/slide19.xml><?xml version="1.0" encoding="utf-8"?>
+<file path=ppt/slides/slide18.xml><?xml version="1.0" encoding="utf-8"?>
 <p:sld xmlns:a="http://schemas.openxmlformats.org/drawingml/2006/main" xmlns:r="http://schemas.openxmlformats.org/officeDocument/2006/relationships" xmlns:p="http://schemas.openxmlformats.org/presentationml/2006/main">
   <p:cSld>
     <p:spTree>
@@ -14201,6 +13942,127 @@
     <p:extLst>
       <p:ext uri="{BB962C8B-B14F-4D97-AF65-F5344CB8AC3E}">
         <p14:creationId xmlns:p14="http://schemas.microsoft.com/office/powerpoint/2010/main" val="3403702131"/>
+      </p:ext>
+    </p:extLst>
+  </p:cSld>
+  <p:clrMapOvr>
+    <a:masterClrMapping/>
+  </p:clrMapOvr>
+</p:sld>
+</file>
+
+<file path=ppt/slides/slide19.xml><?xml version="1.0" encoding="utf-8"?>
+<p:sld xmlns:a="http://schemas.openxmlformats.org/drawingml/2006/main" xmlns:r="http://schemas.openxmlformats.org/officeDocument/2006/relationships" xmlns:p="http://schemas.openxmlformats.org/presentationml/2006/main">
+  <p:cSld>
+    <p:spTree>
+      <p:nvGrpSpPr>
+        <p:cNvPr id="1" name=""/>
+        <p:cNvGrpSpPr/>
+        <p:nvPr/>
+      </p:nvGrpSpPr>
+      <p:grpSpPr>
+        <a:xfrm>
+          <a:off x="0" y="0"/>
+          <a:ext cx="0" cy="0"/>
+          <a:chOff x="0" y="0"/>
+          <a:chExt cx="0" cy="0"/>
+        </a:xfrm>
+      </p:grpSpPr>
+      <p:sp>
+        <p:nvSpPr>
+          <p:cNvPr id="2" name="TextBox 1">
+            <a:extLst>
+              <a:ext uri="{FF2B5EF4-FFF2-40B4-BE49-F238E27FC236}">
+                <a16:creationId xmlns:a16="http://schemas.microsoft.com/office/drawing/2014/main" id="{60FDD1FD-49C6-4CAF-A371-3D79CB109F68}"/>
+              </a:ext>
+            </a:extLst>
+          </p:cNvPr>
+          <p:cNvSpPr txBox="1"/>
+          <p:nvPr/>
+        </p:nvSpPr>
+        <p:spPr>
+          <a:xfrm>
+            <a:off x="0" y="957943"/>
+            <a:ext cx="12192000" cy="2246769"/>
+          </a:xfrm>
+          <a:prstGeom prst="rect">
+            <a:avLst/>
+          </a:prstGeom>
+          <a:noFill/>
+        </p:spPr>
+        <p:txBody>
+          <a:bodyPr wrap="square" rtlCol="0">
+            <a:spAutoFit/>
+          </a:bodyPr>
+          <a:lstStyle/>
+          <a:p>
+            <a:r>
+              <a:rPr lang="fr-CA" sz="2800" dirty="0"/>
+              <a:t>Où on va parler de l’estimation des paramètres à l’aide de </a:t>
+            </a:r>
+            <a:br>
+              <a:rPr lang="fr-CA" sz="2800" dirty="0"/>
+            </a:br>
+            <a:r>
+              <a:rPr lang="fr-CA" sz="2800" dirty="0"/>
+              <a:t>l’échantillon d’observations.</a:t>
+            </a:r>
+          </a:p>
+          <a:p>
+            <a:endParaRPr lang="fr-CA" sz="2800" dirty="0"/>
+          </a:p>
+          <a:p>
+            <a:pPr marL="1371600" lvl="2" indent="-457200">
+              <a:buFont typeface="Wingdings" panose="05000000000000000000" pitchFamily="2" charset="2"/>
+              <a:buChar char="Ø"/>
+            </a:pPr>
+            <a:r>
+              <a:rPr lang="fr-CA" sz="2800" dirty="0"/>
+              <a:t>Il s’agit du lieu de rencontre des </a:t>
+            </a:r>
+            <a:r>
+              <a:rPr lang="fr-CA" sz="2800" dirty="0">
+                <a:solidFill>
+                  <a:srgbClr val="C00000"/>
+                </a:solidFill>
+              </a:rPr>
+              <a:t>statistiques inférentielles </a:t>
+            </a:r>
+            <a:r>
+              <a:rPr lang="fr-CA" sz="2800" dirty="0"/>
+              <a:t>et </a:t>
+            </a:r>
+            <a:br>
+              <a:rPr lang="fr-CA" sz="2800" dirty="0"/>
+            </a:br>
+            <a:r>
+              <a:rPr lang="fr-CA" sz="2800" dirty="0"/>
+              <a:t>de l’</a:t>
+            </a:r>
+            <a:r>
+              <a:rPr lang="fr-CA" sz="2800" dirty="0">
+                <a:solidFill>
+                  <a:srgbClr val="08519C"/>
+                </a:solidFill>
+              </a:rPr>
+              <a:t>apprentissage machine</a:t>
+            </a:r>
+            <a:r>
+              <a:rPr lang="fr-CA" sz="2800" dirty="0"/>
+              <a:t>!</a:t>
+            </a:r>
+            <a:endParaRPr lang="fr-CA" sz="2400" dirty="0">
+              <a:solidFill>
+                <a:srgbClr val="08519C"/>
+              </a:solidFill>
+            </a:endParaRPr>
+          </a:p>
+        </p:txBody>
+      </p:sp>
+    </p:spTree>
+    <p:extLst>
+      <p:ext uri="{BB962C8B-B14F-4D97-AF65-F5344CB8AC3E}">
+        <p14:creationId xmlns:p14="http://schemas.microsoft.com/office/powerpoint/2010/main" val="1504110930"/>
       </p:ext>
     </p:extLst>
   </p:cSld>
@@ -15467,127 +15329,6 @@
       </p:grpSpPr>
       <p:sp>
         <p:nvSpPr>
-          <p:cNvPr id="2" name="TextBox 1">
-            <a:extLst>
-              <a:ext uri="{FF2B5EF4-FFF2-40B4-BE49-F238E27FC236}">
-                <a16:creationId xmlns:a16="http://schemas.microsoft.com/office/drawing/2014/main" id="{60FDD1FD-49C6-4CAF-A371-3D79CB109F68}"/>
-              </a:ext>
-            </a:extLst>
-          </p:cNvPr>
-          <p:cNvSpPr txBox="1"/>
-          <p:nvPr/>
-        </p:nvSpPr>
-        <p:spPr>
-          <a:xfrm>
-            <a:off x="0" y="957943"/>
-            <a:ext cx="12192000" cy="2246769"/>
-          </a:xfrm>
-          <a:prstGeom prst="rect">
-            <a:avLst/>
-          </a:prstGeom>
-          <a:noFill/>
-        </p:spPr>
-        <p:txBody>
-          <a:bodyPr wrap="square" rtlCol="0">
-            <a:spAutoFit/>
-          </a:bodyPr>
-          <a:lstStyle/>
-          <a:p>
-            <a:r>
-              <a:rPr lang="fr-CA" sz="2800" dirty="0"/>
-              <a:t>Où on va parler de l’estimation des paramètres à l’aide de </a:t>
-            </a:r>
-            <a:br>
-              <a:rPr lang="fr-CA" sz="2800" dirty="0"/>
-            </a:br>
-            <a:r>
-              <a:rPr lang="fr-CA" sz="2800" dirty="0"/>
-              <a:t>l’échantillon d’observations.</a:t>
-            </a:r>
-          </a:p>
-          <a:p>
-            <a:endParaRPr lang="fr-CA" sz="2800" dirty="0"/>
-          </a:p>
-          <a:p>
-            <a:pPr marL="1371600" lvl="2" indent="-457200">
-              <a:buFont typeface="Wingdings" panose="05000000000000000000" pitchFamily="2" charset="2"/>
-              <a:buChar char="Ø"/>
-            </a:pPr>
-            <a:r>
-              <a:rPr lang="fr-CA" sz="2800" dirty="0"/>
-              <a:t>Il s’agit du lieu de rencontre des </a:t>
-            </a:r>
-            <a:r>
-              <a:rPr lang="fr-CA" sz="2800" dirty="0">
-                <a:solidFill>
-                  <a:srgbClr val="C00000"/>
-                </a:solidFill>
-              </a:rPr>
-              <a:t>statistiques inférentielles </a:t>
-            </a:r>
-            <a:r>
-              <a:rPr lang="fr-CA" sz="2800" dirty="0"/>
-              <a:t>et </a:t>
-            </a:r>
-            <a:br>
-              <a:rPr lang="fr-CA" sz="2800" dirty="0"/>
-            </a:br>
-            <a:r>
-              <a:rPr lang="fr-CA" sz="2800" dirty="0"/>
-              <a:t>de l’</a:t>
-            </a:r>
-            <a:r>
-              <a:rPr lang="fr-CA" sz="2800" dirty="0">
-                <a:solidFill>
-                  <a:srgbClr val="08519C"/>
-                </a:solidFill>
-              </a:rPr>
-              <a:t>apprentissage machine</a:t>
-            </a:r>
-            <a:r>
-              <a:rPr lang="fr-CA" sz="2800" dirty="0"/>
-              <a:t>!</a:t>
-            </a:r>
-            <a:endParaRPr lang="fr-CA" sz="2400" dirty="0">
-              <a:solidFill>
-                <a:srgbClr val="08519C"/>
-              </a:solidFill>
-            </a:endParaRPr>
-          </a:p>
-        </p:txBody>
-      </p:sp>
-    </p:spTree>
-    <p:extLst>
-      <p:ext uri="{BB962C8B-B14F-4D97-AF65-F5344CB8AC3E}">
-        <p14:creationId xmlns:p14="http://schemas.microsoft.com/office/powerpoint/2010/main" val="1504110930"/>
-      </p:ext>
-    </p:extLst>
-  </p:cSld>
-  <p:clrMapOvr>
-    <a:masterClrMapping/>
-  </p:clrMapOvr>
-</p:sld>
-</file>
-
-<file path=ppt/slides/slide21.xml><?xml version="1.0" encoding="utf-8"?>
-<p:sld xmlns:a="http://schemas.openxmlformats.org/drawingml/2006/main" xmlns:r="http://schemas.openxmlformats.org/officeDocument/2006/relationships" xmlns:p="http://schemas.openxmlformats.org/presentationml/2006/main">
-  <p:cSld>
-    <p:spTree>
-      <p:nvGrpSpPr>
-        <p:cNvPr id="1" name=""/>
-        <p:cNvGrpSpPr/>
-        <p:nvPr/>
-      </p:nvGrpSpPr>
-      <p:grpSpPr>
-        <a:xfrm>
-          <a:off x="0" y="0"/>
-          <a:ext cx="0" cy="0"/>
-          <a:chOff x="0" y="0"/>
-          <a:chExt cx="0" cy="0"/>
-        </a:xfrm>
-      </p:grpSpPr>
-      <p:sp>
-        <p:nvSpPr>
           <p:cNvPr id="3" name="TextBox 2">
             <a:extLst>
               <a:ext uri="{FF2B5EF4-FFF2-40B4-BE49-F238E27FC236}">
@@ -15639,7 +15380,7 @@
 </p:sld>
 </file>
 
-<file path=ppt/slides/slide22.xml><?xml version="1.0" encoding="utf-8"?>
+<file path=ppt/slides/slide21.xml><?xml version="1.0" encoding="utf-8"?>
 <p:sld xmlns:a="http://schemas.openxmlformats.org/drawingml/2006/main" xmlns:r="http://schemas.openxmlformats.org/officeDocument/2006/relationships" xmlns:p="http://schemas.openxmlformats.org/presentationml/2006/main">
   <p:cSld>
     <p:spTree>
@@ -15711,7 +15452,7 @@
                 </a:pPr>
                 <a:r>
                   <a:rPr lang="fr-CA" sz="3600" dirty="0"/>
-                  <a:t>Ex.: Est-ce que le nombre d’heures de sommeil la nuit précédent un examen permet de prédire la performance à l’examen.</a:t>
+                  <a:t>Ex.: Est-ce que le nombre d’heures de sommeil la nuit précédant un examen permet de prédire la performance à l’examen.</a:t>
                 </a:r>
               </a:p>
               <a:p>
@@ -17166,7 +16907,7 @@
 </p:sld>
 </file>
 
-<file path=ppt/slides/slide23.xml><?xml version="1.0" encoding="utf-8"?>
+<file path=ppt/slides/slide22.xml><?xml version="1.0" encoding="utf-8"?>
 <p:sld xmlns:a="http://schemas.openxmlformats.org/drawingml/2006/main" xmlns:r="http://schemas.openxmlformats.org/officeDocument/2006/relationships" xmlns:p="http://schemas.openxmlformats.org/presentationml/2006/main">
   <p:cSld>
     <p:spTree>
@@ -17183,8 +16924,8 @@
           <a:chExt cx="0" cy="0"/>
         </a:xfrm>
       </p:grpSpPr>
-      <mc:AlternateContent xmlns:mc="http://schemas.openxmlformats.org/markup-compatibility/2006">
-        <mc:Choice xmlns:a14="http://schemas.microsoft.com/office/drawing/2010/main" Requires="a14">
+      <mc:AlternateContent xmlns:mc="http://schemas.openxmlformats.org/markup-compatibility/2006" xmlns:a14="http://schemas.microsoft.com/office/drawing/2010/main">
+        <mc:Choice Requires="a14">
           <p:sp>
             <p:nvSpPr>
               <p:cNvPr id="2" name="TextBox 1">
@@ -18854,7 +18595,7 @@
             </p:txBody>
           </p:sp>
         </mc:Choice>
-        <mc:Fallback>
+        <mc:Fallback xmlns="">
           <p:sp>
             <p:nvSpPr>
               <p:cNvPr id="2" name="TextBox 1">
@@ -18952,7 +18693,7 @@
 </p:sld>
 </file>
 
-<file path=ppt/slides/slide24.xml><?xml version="1.0" encoding="utf-8"?>
+<file path=ppt/slides/slide23.xml><?xml version="1.0" encoding="utf-8"?>
 <p:sld xmlns:a="http://schemas.openxmlformats.org/drawingml/2006/main" xmlns:r="http://schemas.openxmlformats.org/officeDocument/2006/relationships" xmlns:p="http://schemas.openxmlformats.org/presentationml/2006/main">
   <p:cSld>
     <p:spTree>
@@ -18969,8 +18710,8 @@
           <a:chExt cx="0" cy="0"/>
         </a:xfrm>
       </p:grpSpPr>
-      <mc:AlternateContent xmlns:mc="http://schemas.openxmlformats.org/markup-compatibility/2006">
-        <mc:Choice xmlns:a14="http://schemas.microsoft.com/office/drawing/2010/main" Requires="a14">
+      <mc:AlternateContent xmlns:mc="http://schemas.openxmlformats.org/markup-compatibility/2006" xmlns:a14="http://schemas.microsoft.com/office/drawing/2010/main">
+        <mc:Choice Requires="a14">
           <p:sp>
             <p:nvSpPr>
               <p:cNvPr id="2" name="TextBox 1">
@@ -19904,7 +19645,7 @@
             </p:txBody>
           </p:sp>
         </mc:Choice>
-        <mc:Fallback>
+        <mc:Fallback xmlns="">
           <p:sp>
             <p:nvSpPr>
               <p:cNvPr id="2" name="TextBox 1">
@@ -24174,7 +23915,7 @@
 </p:sld>
 </file>
 
-<file path=ppt/slides/slide25.xml><?xml version="1.0" encoding="utf-8"?>
+<file path=ppt/slides/slide24.xml><?xml version="1.0" encoding="utf-8"?>
 <p:sld xmlns:a="http://schemas.openxmlformats.org/drawingml/2006/main" xmlns:r="http://schemas.openxmlformats.org/officeDocument/2006/relationships" xmlns:p="http://schemas.openxmlformats.org/presentationml/2006/main">
   <p:cSld>
     <p:spTree>
@@ -32640,7 +32381,7 @@
 </p:sld>
 </file>
 
-<file path=ppt/slides/slide26.xml><?xml version="1.0" encoding="utf-8"?>
+<file path=ppt/slides/slide25.xml><?xml version="1.0" encoding="utf-8"?>
 <p:sld xmlns:a="http://schemas.openxmlformats.org/drawingml/2006/main" xmlns:r="http://schemas.openxmlformats.org/officeDocument/2006/relationships" xmlns:p="http://schemas.openxmlformats.org/presentationml/2006/main">
   <p:cSld>
     <p:spTree>
@@ -33556,7 +33297,7 @@
 </p:sld>
 </file>
 
-<file path=ppt/slides/slide27.xml><?xml version="1.0" encoding="utf-8"?>
+<file path=ppt/slides/slide26.xml><?xml version="1.0" encoding="utf-8"?>
 <p:sld xmlns:a="http://schemas.openxmlformats.org/drawingml/2006/main" xmlns:r="http://schemas.openxmlformats.org/officeDocument/2006/relationships" xmlns:p="http://schemas.openxmlformats.org/presentationml/2006/main">
   <p:cSld>
     <p:spTree>
@@ -33573,8 +33314,8 @@
           <a:chExt cx="0" cy="0"/>
         </a:xfrm>
       </p:grpSpPr>
-      <mc:AlternateContent xmlns:mc="http://schemas.openxmlformats.org/markup-compatibility/2006">
-        <mc:Choice xmlns:a14="http://schemas.microsoft.com/office/drawing/2010/main" Requires="a14">
+      <mc:AlternateContent xmlns:mc="http://schemas.openxmlformats.org/markup-compatibility/2006" xmlns:a14="http://schemas.microsoft.com/office/drawing/2010/main">
+        <mc:Choice Requires="a14">
           <p:sp>
             <p:nvSpPr>
               <p:cNvPr id="2" name="TextBox 1">
@@ -33718,6 +33459,7 @@
                 </a:r>
               </a:p>
               <a:p>
+                <a:pPr/>
                 <a14:m>
                   <m:oMathPara xmlns:m="http://schemas.openxmlformats.org/officeDocument/2006/math">
                     <m:oMathParaPr>
@@ -33855,6 +33597,7 @@
                 </a:r>
               </a:p>
               <a:p>
+                <a:pPr/>
                 <a14:m>
                   <m:oMathPara xmlns:m="http://schemas.openxmlformats.org/officeDocument/2006/math">
                     <m:oMathParaPr>
@@ -33977,6 +33720,7 @@
                 </a:r>
               </a:p>
               <a:p>
+                <a:pPr/>
                 <a14:m>
                   <m:oMathPara xmlns:m="http://schemas.openxmlformats.org/officeDocument/2006/math">
                     <m:oMathParaPr>
@@ -34129,7 +33873,7 @@
             </p:txBody>
           </p:sp>
         </mc:Choice>
-        <mc:Fallback>
+        <mc:Fallback xmlns="">
           <p:sp>
             <p:nvSpPr>
               <p:cNvPr id="2" name="TextBox 1">
@@ -35515,7 +35259,7 @@
 </p:sld>
 </file>
 
-<file path=ppt/slides/slide28.xml><?xml version="1.0" encoding="utf-8"?>
+<file path=ppt/slides/slide27.xml><?xml version="1.0" encoding="utf-8"?>
 <p:sld xmlns:a="http://schemas.openxmlformats.org/drawingml/2006/main" xmlns:r="http://schemas.openxmlformats.org/officeDocument/2006/relationships" xmlns:p="http://schemas.openxmlformats.org/presentationml/2006/main">
   <p:cSld>
     <p:spTree>
@@ -35532,8 +35276,8 @@
           <a:chExt cx="0" cy="0"/>
         </a:xfrm>
       </p:grpSpPr>
-      <mc:AlternateContent xmlns:mc="http://schemas.openxmlformats.org/markup-compatibility/2006">
-        <mc:Choice xmlns:a14="http://schemas.microsoft.com/office/drawing/2010/main" Requires="a14">
+      <mc:AlternateContent xmlns:mc="http://schemas.openxmlformats.org/markup-compatibility/2006" xmlns:a14="http://schemas.microsoft.com/office/drawing/2010/main">
+        <mc:Choice Requires="a14">
           <p:sp>
             <p:nvSpPr>
               <p:cNvPr id="2" name="TextBox 1">
@@ -35786,6 +35530,7 @@
                 </a:r>
               </a:p>
               <a:p>
+                <a:pPr/>
                 <a14:m>
                   <m:oMathPara xmlns:m="http://schemas.openxmlformats.org/officeDocument/2006/math">
                     <m:oMathParaPr>
@@ -35957,6 +35702,7 @@
                 <a:endParaRPr lang="fr-CA" sz="4000" dirty="0"/>
               </a:p>
               <a:p>
+                <a:pPr/>
                 <a14:m>
                   <m:oMathPara xmlns:m="http://schemas.openxmlformats.org/officeDocument/2006/math">
                     <m:oMathParaPr>
@@ -36167,7 +35913,7 @@
             </p:txBody>
           </p:sp>
         </mc:Choice>
-        <mc:Fallback>
+        <mc:Fallback xmlns="">
           <p:sp>
             <p:nvSpPr>
               <p:cNvPr id="2" name="TextBox 1">
@@ -37124,8 +36870,8 @@
           </a:p>
         </p:txBody>
       </p:sp>
-      <mc:AlternateContent xmlns:mc="http://schemas.openxmlformats.org/markup-compatibility/2006">
-        <mc:Choice xmlns:a14="http://schemas.microsoft.com/office/drawing/2010/main" Requires="a14">
+      <mc:AlternateContent xmlns:mc="http://schemas.openxmlformats.org/markup-compatibility/2006" xmlns:a14="http://schemas.microsoft.com/office/drawing/2010/main">
+        <mc:Choice Requires="a14">
           <p:sp>
             <p:nvSpPr>
               <p:cNvPr id="23" name="TextBox 22">
@@ -37299,7 +37045,7 @@
             </p:txBody>
           </p:sp>
         </mc:Choice>
-        <mc:Fallback>
+        <mc:Fallback xmlns="">
           <p:sp>
             <p:nvSpPr>
               <p:cNvPr id="23" name="TextBox 22">
@@ -37357,7 +37103,7 @@
 </p:sld>
 </file>
 
-<file path=ppt/slides/slide29.xml><?xml version="1.0" encoding="utf-8"?>
+<file path=ppt/slides/slide28.xml><?xml version="1.0" encoding="utf-8"?>
 <p:sld xmlns:a="http://schemas.openxmlformats.org/drawingml/2006/main" xmlns:r="http://schemas.openxmlformats.org/officeDocument/2006/relationships" xmlns:p="http://schemas.openxmlformats.org/presentationml/2006/main">
   <p:cSld>
     <p:spTree>
@@ -37374,8 +37120,8 @@
           <a:chExt cx="0" cy="0"/>
         </a:xfrm>
       </p:grpSpPr>
-      <mc:AlternateContent xmlns:mc="http://schemas.openxmlformats.org/markup-compatibility/2006">
-        <mc:Choice xmlns:a14="http://schemas.microsoft.com/office/drawing/2010/main" Requires="a14">
+      <mc:AlternateContent xmlns:mc="http://schemas.openxmlformats.org/markup-compatibility/2006" xmlns:a14="http://schemas.microsoft.com/office/drawing/2010/main">
+        <mc:Choice Requires="a14">
           <p:sp>
             <p:nvSpPr>
               <p:cNvPr id="2" name="TextBox 1">
@@ -37779,7 +37525,7 @@
             </p:txBody>
           </p:sp>
         </mc:Choice>
-        <mc:Fallback>
+        <mc:Fallback xmlns="">
           <p:sp>
             <p:nvSpPr>
               <p:cNvPr id="2" name="TextBox 1">
@@ -37868,6 +37614,76 @@
     <p:extLst>
       <p:ext uri="{BB962C8B-B14F-4D97-AF65-F5344CB8AC3E}">
         <p14:creationId xmlns:p14="http://schemas.microsoft.com/office/powerpoint/2010/main" val="4039169663"/>
+      </p:ext>
+    </p:extLst>
+  </p:cSld>
+  <p:clrMapOvr>
+    <a:masterClrMapping/>
+  </p:clrMapOvr>
+</p:sld>
+</file>
+
+<file path=ppt/slides/slide29.xml><?xml version="1.0" encoding="utf-8"?>
+<p:sld xmlns:a="http://schemas.openxmlformats.org/drawingml/2006/main" xmlns:r="http://schemas.openxmlformats.org/officeDocument/2006/relationships" xmlns:p="http://schemas.openxmlformats.org/presentationml/2006/main">
+  <p:cSld>
+    <p:spTree>
+      <p:nvGrpSpPr>
+        <p:cNvPr id="1" name=""/>
+        <p:cNvGrpSpPr/>
+        <p:nvPr/>
+      </p:nvGrpSpPr>
+      <p:grpSpPr>
+        <a:xfrm>
+          <a:off x="0" y="0"/>
+          <a:ext cx="0" cy="0"/>
+          <a:chOff x="0" y="0"/>
+          <a:chExt cx="0" cy="0"/>
+        </a:xfrm>
+      </p:grpSpPr>
+      <p:sp>
+        <p:nvSpPr>
+          <p:cNvPr id="3" name="TextBox 2">
+            <a:extLst>
+              <a:ext uri="{FF2B5EF4-FFF2-40B4-BE49-F238E27FC236}">
+                <a16:creationId xmlns:a16="http://schemas.microsoft.com/office/drawing/2014/main" id="{93CDF373-3B77-46C7-9D82-1B7038311949}"/>
+              </a:ext>
+            </a:extLst>
+          </p:cNvPr>
+          <p:cNvSpPr txBox="1"/>
+          <p:nvPr/>
+        </p:nvSpPr>
+        <p:spPr>
+          <a:xfrm>
+            <a:off x="-7562850" y="2413337"/>
+            <a:ext cx="27317700" cy="1015663"/>
+          </a:xfrm>
+          <a:prstGeom prst="rect">
+            <a:avLst/>
+          </a:prstGeom>
+          <a:noFill/>
+        </p:spPr>
+        <p:txBody>
+          <a:bodyPr wrap="square" rtlCol="0">
+            <a:spAutoFit/>
+          </a:bodyPr>
+          <a:lstStyle/>
+          <a:p>
+            <a:pPr algn="ctr"/>
+            <a:r>
+              <a:rPr lang="fr-CA" sz="6000" b="1" dirty="0">
+                <a:solidFill>
+                  <a:srgbClr val="08519C"/>
+                </a:solidFill>
+              </a:rPr>
+              <a:t>1.3.2. APPRENTISSAGE MACHINE : COMPROMIS BIAIS-VARIANCE</a:t>
+            </a:r>
+          </a:p>
+        </p:txBody>
+      </p:sp>
+    </p:spTree>
+    <p:extLst>
+      <p:ext uri="{BB962C8B-B14F-4D97-AF65-F5344CB8AC3E}">
+        <p14:creationId xmlns:p14="http://schemas.microsoft.com/office/powerpoint/2010/main" val="4001045662"/>
       </p:ext>
     </p:extLst>
   </p:cSld>
@@ -38029,6 +37845,334 @@
           <a:chExt cx="0" cy="0"/>
         </a:xfrm>
       </p:grpSpPr>
+      <mc:AlternateContent xmlns:mc="http://schemas.openxmlformats.org/markup-compatibility/2006">
+        <mc:Choice xmlns:a14="http://schemas.microsoft.com/office/drawing/2010/main" Requires="a14">
+          <p:sp>
+            <p:nvSpPr>
+              <p:cNvPr id="2" name="TextBox 1">
+                <a:extLst>
+                  <a:ext uri="{FF2B5EF4-FFF2-40B4-BE49-F238E27FC236}">
+                    <a16:creationId xmlns:a16="http://schemas.microsoft.com/office/drawing/2014/main" id="{60FDD1FD-49C6-4CAF-A371-3D79CB109F68}"/>
+                  </a:ext>
+                </a:extLst>
+              </p:cNvPr>
+              <p:cNvSpPr txBox="1"/>
+              <p:nvPr/>
+            </p:nvSpPr>
+            <p:spPr>
+              <a:xfrm>
+                <a:off x="-7658101" y="707886"/>
+                <a:ext cx="28659804" cy="13696057"/>
+              </a:xfrm>
+              <a:prstGeom prst="rect">
+                <a:avLst/>
+              </a:prstGeom>
+              <a:noFill/>
+            </p:spPr>
+            <p:txBody>
+              <a:bodyPr wrap="square" rtlCol="0">
+                <a:spAutoFit/>
+              </a:bodyPr>
+              <a:lstStyle/>
+              <a:p>
+                <a:r>
+                  <a:rPr lang="fr-CA" sz="4000" b="1" dirty="0"/>
+                  <a:t>Rappelons qu’en apprentissage machine, il n’y a ni </a:t>
+                </a:r>
+                <a14:m>
+                  <m:oMath xmlns:m="http://schemas.openxmlformats.org/officeDocument/2006/math">
+                    <m:sSub>
+                      <m:sSubPr>
+                        <m:ctrlPr>
+                          <a:rPr lang="fr-CA" sz="4000" b="1" i="1">
+                            <a:latin typeface="Cambria Math" panose="02040503050406030204" pitchFamily="18" charset="0"/>
+                          </a:rPr>
+                        </m:ctrlPr>
+                      </m:sSubPr>
+                      <m:e>
+                        <m:r>
+                          <a:rPr lang="fr-CA" sz="4000" b="1" i="1">
+                            <a:latin typeface="Cambria Math" panose="02040503050406030204" pitchFamily="18" charset="0"/>
+                          </a:rPr>
+                          <m:t>𝑯</m:t>
+                        </m:r>
+                      </m:e>
+                      <m:sub>
+                        <m:r>
+                          <a:rPr lang="fr-CA" sz="4000" b="1" i="1">
+                            <a:latin typeface="Cambria Math" panose="02040503050406030204" pitchFamily="18" charset="0"/>
+                          </a:rPr>
+                          <m:t>𝟎</m:t>
+                        </m:r>
+                      </m:sub>
+                    </m:sSub>
+                  </m:oMath>
+                </a14:m>
+                <a:r>
+                  <a:rPr lang="fr-CA" sz="4000" b="1" dirty="0"/>
+                  <a:t>, ni </a:t>
+                </a:r>
+                <a14:m>
+                  <m:oMath xmlns:m="http://schemas.openxmlformats.org/officeDocument/2006/math">
+                    <m:sSub>
+                      <m:sSubPr>
+                        <m:ctrlPr>
+                          <a:rPr lang="fr-CA" sz="4000" b="1" i="1">
+                            <a:latin typeface="Cambria Math" panose="02040503050406030204" pitchFamily="18" charset="0"/>
+                          </a:rPr>
+                        </m:ctrlPr>
+                      </m:sSubPr>
+                      <m:e>
+                        <m:r>
+                          <a:rPr lang="fr-CA" sz="4000" b="1" i="1">
+                            <a:latin typeface="Cambria Math" panose="02040503050406030204" pitchFamily="18" charset="0"/>
+                          </a:rPr>
+                          <m:t>𝑯</m:t>
+                        </m:r>
+                      </m:e>
+                      <m:sub>
+                        <m:r>
+                          <a:rPr lang="fr-CA" sz="4000" b="1" i="1">
+                            <a:latin typeface="Cambria Math" panose="02040503050406030204" pitchFamily="18" charset="0"/>
+                          </a:rPr>
+                          <m:t>𝑨</m:t>
+                        </m:r>
+                      </m:sub>
+                    </m:sSub>
+                  </m:oMath>
+                </a14:m>
+                <a:r>
+                  <a:rPr lang="fr-CA" sz="4000" b="1" dirty="0"/>
+                  <a:t>. </a:t>
+                </a:r>
+              </a:p>
+              <a:p>
+                <a:endParaRPr lang="fr-CA" sz="4000" dirty="0"/>
+              </a:p>
+              <a:p>
+                <a:pPr marL="571500" indent="-571500">
+                  <a:buFont typeface="+mj-lt"/>
+                  <a:buAutoNum type="romanUcPeriod"/>
+                </a:pPr>
+                <a:r>
+                  <a:rPr lang="fr-CA" sz="4000" dirty="0"/>
+                  <a:t>On cible un problème à résoudre.</a:t>
+                </a:r>
+              </a:p>
+              <a:p>
+                <a:pPr marL="571500" indent="-571500">
+                  <a:buFont typeface="+mj-lt"/>
+                  <a:buAutoNum type="romanUcPeriod"/>
+                </a:pPr>
+                <a:endParaRPr lang="fr-CA" sz="4000" dirty="0"/>
+              </a:p>
+              <a:p>
+                <a:pPr marL="571500" indent="-571500">
+                  <a:buFont typeface="+mj-lt"/>
+                  <a:buAutoNum type="romanUcPeriod"/>
+                </a:pPr>
+                <a:r>
+                  <a:rPr lang="fr-CA" sz="4000" dirty="0"/>
+                  <a:t>On pose une hypothèse quant à la forme d’un modèle capable de transformer des variables d’entrée en variables de sortie appropriées.</a:t>
+                </a:r>
+              </a:p>
+              <a:p>
+                <a:pPr marL="1657350" lvl="2" indent="-742950">
+                  <a:buFont typeface="Wingdings" panose="05000000000000000000" pitchFamily="2" charset="2"/>
+                  <a:buChar char="Ø"/>
+                </a:pPr>
+                <a:r>
+                  <a:rPr lang="fr-CA" sz="3600" dirty="0"/>
+                  <a:t>Le modèle inclut généralement à un grand nombre de variables.</a:t>
+                </a:r>
+              </a:p>
+              <a:p>
+                <a:pPr marL="1657350" lvl="2" indent="-742950">
+                  <a:buFont typeface="Wingdings" panose="05000000000000000000" pitchFamily="2" charset="2"/>
+                  <a:buChar char="Ø"/>
+                </a:pPr>
+                <a:r>
+                  <a:rPr lang="fr-CA" sz="3600" dirty="0"/>
+                  <a:t>Chaque variable est généralement accompagnée d’un paramètre, qui reflète l’importance de la variable à l’intérieur du modèle.</a:t>
+                </a:r>
+              </a:p>
+              <a:p>
+                <a:pPr marL="1657350" lvl="2" indent="-742950">
+                  <a:buFont typeface="Wingdings" panose="05000000000000000000" pitchFamily="2" charset="2"/>
+                  <a:buChar char="Ø"/>
+                </a:pPr>
+                <a:r>
+                  <a:rPr lang="fr-CA" sz="3600" dirty="0"/>
+                  <a:t>Le chercheur s’inspire principalement de la documentation pratique pour construire son modèle </a:t>
+                </a:r>
+                <a:br>
+                  <a:rPr lang="fr-CA" sz="3600" dirty="0"/>
+                </a:br>
+                <a:r>
+                  <a:rPr lang="fr-CA" sz="3600" dirty="0"/>
+                  <a:t>(i.e. s’inspire de ce qui fonctionne et non ce qui est interprétable).</a:t>
+                </a:r>
+              </a:p>
+              <a:p>
+                <a:pPr marL="1657350" lvl="2" indent="-742950">
+                  <a:buFont typeface="Wingdings" panose="05000000000000000000" pitchFamily="2" charset="2"/>
+                  <a:buChar char="Ø"/>
+                </a:pPr>
+                <a:r>
+                  <a:rPr lang="fr-CA" sz="3600" dirty="0"/>
+                  <a:t>La forme du modèle est flexible et peut être adaptée à partir des exemples.</a:t>
+                </a:r>
+              </a:p>
+              <a:p>
+                <a:pPr marL="1657350" lvl="2" indent="-742950">
+                  <a:buFont typeface="Wingdings" panose="05000000000000000000" pitchFamily="2" charset="2"/>
+                  <a:buChar char="Ø"/>
+                </a:pPr>
+                <a:endParaRPr lang="fr-CA" sz="4000" b="1" dirty="0"/>
+              </a:p>
+              <a:p>
+                <a:pPr marL="571500" indent="-571500">
+                  <a:buFont typeface="+mj-lt"/>
+                  <a:buAutoNum type="romanUcPeriod"/>
+                </a:pPr>
+                <a:r>
+                  <a:rPr lang="fr-CA" sz="4000" dirty="0"/>
+                  <a:t>On récolte un échantillon : un grand nombre d’observations.</a:t>
+                </a:r>
+              </a:p>
+              <a:p>
+                <a:pPr marL="1657350" lvl="2" indent="-742950">
+                  <a:buFont typeface="Wingdings" panose="05000000000000000000" pitchFamily="2" charset="2"/>
+                  <a:buChar char="Ø"/>
+                </a:pPr>
+                <a:r>
+                  <a:rPr lang="fr-CA" sz="3600" b="1" dirty="0"/>
+                  <a:t>On divise ces observations en au moins deux sous-ensembles: un ensemble d’entraînement et un ensemble de test.</a:t>
+                </a:r>
+              </a:p>
+              <a:p>
+                <a:pPr marL="800100" lvl="1" indent="-342900">
+                  <a:buFont typeface="Arial" panose="020B0604020202020204" pitchFamily="34" charset="0"/>
+                  <a:buChar char="•"/>
+                </a:pPr>
+                <a:endParaRPr lang="fr-CA" sz="4000" dirty="0"/>
+              </a:p>
+              <a:p>
+                <a:pPr marL="571500" indent="-571500">
+                  <a:buFont typeface="+mj-lt"/>
+                  <a:buAutoNum type="romanUcPeriod"/>
+                </a:pPr>
+                <a:r>
+                  <a:rPr lang="fr-CA" sz="4000" dirty="0"/>
+                  <a:t>On entraîne le modèle à l’aide des exemples de l’ensemble d’entraînement.</a:t>
+                </a:r>
+              </a:p>
+              <a:p>
+                <a:pPr marL="1657350" lvl="2" indent="-742950">
+                  <a:buFont typeface="Wingdings" panose="05000000000000000000" pitchFamily="2" charset="2"/>
+                  <a:buChar char="Ø"/>
+                </a:pPr>
+                <a:r>
+                  <a:rPr lang="fr-CA" sz="3600" b="1" dirty="0">
+                    <a:solidFill>
+                      <a:srgbClr val="08519C"/>
+                    </a:solidFill>
+                  </a:rPr>
+                  <a:t>On utilise l’ensemble d’entraînement pour estimer les valeurs des paramètres (i.e. l’importance des différentes variables prédictives).</a:t>
+                </a:r>
+              </a:p>
+              <a:p>
+                <a:pPr marL="1657350" lvl="2" indent="-742950">
+                  <a:buFont typeface="Wingdings" panose="05000000000000000000" pitchFamily="2" charset="2"/>
+                  <a:buChar char="Ø"/>
+                </a:pPr>
+                <a:endParaRPr lang="fr-CA" sz="4000" dirty="0"/>
+              </a:p>
+              <a:p>
+                <a:pPr marL="571500" indent="-571500">
+                  <a:buFont typeface="+mj-lt"/>
+                  <a:buAutoNum type="romanUcPeriod"/>
+                </a:pPr>
+                <a:r>
+                  <a:rPr lang="fr-CA" sz="4000" dirty="0"/>
+                  <a:t>On évalue le modèle à l’aide des exemples de l’ensemble de test.</a:t>
+                </a:r>
+              </a:p>
+              <a:p>
+                <a:pPr marL="1657350" lvl="2" indent="-742950">
+                  <a:buFont typeface="Wingdings" panose="05000000000000000000" pitchFamily="2" charset="2"/>
+                  <a:buChar char="Ø"/>
+                </a:pPr>
+                <a:r>
+                  <a:rPr lang="fr-CA" sz="3600" b="1" dirty="0"/>
+                  <a:t>On vérifie la capacité du modèle à prédire des nouveaux exemples qui n’ont jamais été utilisés pour l’entraîner.</a:t>
+                </a:r>
+              </a:p>
+              <a:p>
+                <a:pPr marL="1657350" lvl="2" indent="-742950">
+                  <a:buFont typeface="Wingdings" panose="05000000000000000000" pitchFamily="2" charset="2"/>
+                  <a:buChar char="Ø"/>
+                </a:pPr>
+                <a:endParaRPr lang="fr-CA" sz="3600" b="1" dirty="0">
+                  <a:solidFill>
+                    <a:srgbClr val="08519C"/>
+                  </a:solidFill>
+                </a:endParaRPr>
+              </a:p>
+              <a:p>
+                <a:r>
+                  <a:rPr lang="fr-CA" sz="6000" b="1" dirty="0"/>
+                  <a:t>Le lieu de rencontre des statistiques inférentielles et de l’apprentissage machine est donc L’ESTIMATION DES PARAMÈTRES DU MODÈLE.</a:t>
+                </a:r>
+              </a:p>
+            </p:txBody>
+          </p:sp>
+        </mc:Choice>
+        <mc:Fallback>
+          <p:sp>
+            <p:nvSpPr>
+              <p:cNvPr id="2" name="TextBox 1">
+                <a:extLst>
+                  <a:ext uri="{FF2B5EF4-FFF2-40B4-BE49-F238E27FC236}">
+                    <a16:creationId xmlns:a16="http://schemas.microsoft.com/office/drawing/2014/main" id="{60FDD1FD-49C6-4CAF-A371-3D79CB109F68}"/>
+                  </a:ext>
+                </a:extLst>
+              </p:cNvPr>
+              <p:cNvSpPr txBox="1">
+                <a:spLocks noRot="1" noChangeAspect="1" noMove="1" noResize="1" noEditPoints="1" noAdjustHandles="1" noChangeArrowheads="1" noChangeShapeType="1" noTextEdit="1"/>
+              </p:cNvSpPr>
+              <p:nvPr/>
+            </p:nvSpPr>
+            <p:spPr>
+              <a:xfrm>
+                <a:off x="-7658101" y="707886"/>
+                <a:ext cx="28659804" cy="13696057"/>
+              </a:xfrm>
+              <a:prstGeom prst="rect">
+                <a:avLst/>
+              </a:prstGeom>
+              <a:blipFill>
+                <a:blip r:embed="rId3"/>
+                <a:stretch>
+                  <a:fillRect l="-1298" t="-801" r="-659" b="-2047"/>
+                </a:stretch>
+              </a:blipFill>
+            </p:spPr>
+            <p:txBody>
+              <a:bodyPr/>
+              <a:lstStyle/>
+              <a:p>
+                <a:r>
+                  <a:rPr lang="fr-CA">
+                    <a:noFill/>
+                  </a:rPr>
+                  <a:t> </a:t>
+                </a:r>
+              </a:p>
+            </p:txBody>
+          </p:sp>
+        </mc:Fallback>
+      </mc:AlternateContent>
       <p:sp>
         <p:nvSpPr>
           <p:cNvPr id="3" name="TextBox 2">
@@ -38043,8 +38187,8 @@
         </p:nvSpPr>
         <p:spPr>
           <a:xfrm>
-            <a:off x="-7562850" y="2413337"/>
-            <a:ext cx="27317700" cy="1015663"/>
+            <a:off x="-7658101" y="-707887"/>
+            <a:ext cx="28659803" cy="707886"/>
           </a:xfrm>
           <a:prstGeom prst="rect">
             <a:avLst/>
@@ -38059,7 +38203,7 @@
           <a:p>
             <a:pPr algn="ctr"/>
             <a:r>
-              <a:rPr lang="fr-CA" sz="6000" b="1" dirty="0">
+              <a:rPr lang="fr-CA" sz="4000" b="1" dirty="0">
                 <a:solidFill>
                   <a:srgbClr val="08519C"/>
                 </a:solidFill>
@@ -38072,7 +38216,7 @@
     </p:spTree>
     <p:extLst>
       <p:ext uri="{BB962C8B-B14F-4D97-AF65-F5344CB8AC3E}">
-        <p14:creationId xmlns:p14="http://schemas.microsoft.com/office/powerpoint/2010/main" val="4001045662"/>
+        <p14:creationId xmlns:p14="http://schemas.microsoft.com/office/powerpoint/2010/main" val="2614883479"/>
       </p:ext>
     </p:extLst>
   </p:cSld>
@@ -38722,517 +38866,6 @@
             </p:nvSpPr>
             <p:spPr>
               <a:xfrm>
-                <a:off x="0" y="0"/>
-                <a:ext cx="12192000" cy="6924973"/>
-              </a:xfrm>
-              <a:prstGeom prst="rect">
-                <a:avLst/>
-              </a:prstGeom>
-              <a:noFill/>
-            </p:spPr>
-            <p:txBody>
-              <a:bodyPr wrap="square" rtlCol="0">
-                <a:spAutoFit/>
-              </a:bodyPr>
-              <a:lstStyle/>
-              <a:p>
-                <a:pPr algn="ctr"/>
-                <a:r>
-                  <a:rPr lang="fr-CA" sz="2400" b="1" dirty="0">
-                    <a:solidFill>
-                      <a:srgbClr val="A50F15"/>
-                    </a:solidFill>
-                  </a:rPr>
-                  <a:t>1.1.1. STATISTIQUES INFÉRENTIELLES : MODÈLES ESSENTIELLEMENT INTERPRÉTABLES</a:t>
-                </a:r>
-              </a:p>
-              <a:p>
-                <a:endParaRPr lang="fr-CA" sz="1000" b="1" dirty="0"/>
-              </a:p>
-              <a:p>
-                <a:r>
-                  <a:rPr lang="fr-CA" sz="2000" b="1" dirty="0"/>
-                  <a:t>En statistiques inférentielles classiques… </a:t>
-                </a:r>
-              </a:p>
-              <a:p>
-                <a:endParaRPr lang="fr-CA" sz="1000" dirty="0"/>
-              </a:p>
-              <a:p>
-                <a:pPr marL="571500" indent="-571500">
-                  <a:buFont typeface="+mj-lt"/>
-                  <a:buAutoNum type="romanUcPeriod"/>
-                </a:pPr>
-                <a:r>
-                  <a:rPr lang="fr-CA" sz="2000" dirty="0"/>
-                  <a:t>On pose une question de recherche visant à comprendre un phénomène.</a:t>
-                </a:r>
-              </a:p>
-              <a:p>
-                <a:pPr marL="571500" indent="-571500">
-                  <a:buFont typeface="+mj-lt"/>
-                  <a:buAutoNum type="romanUcPeriod"/>
-                </a:pPr>
-                <a:endParaRPr lang="fr-CA" sz="1000" dirty="0"/>
-              </a:p>
-              <a:p>
-                <a:pPr marL="571500" indent="-571500">
-                  <a:buFont typeface="+mj-lt"/>
-                  <a:buAutoNum type="romanUcPeriod"/>
-                </a:pPr>
-                <a:r>
-                  <a:rPr lang="fr-CA" sz="2000" dirty="0"/>
-                  <a:t>On pose une hypothèse nulle (</a:t>
-                </a:r>
-                <a14:m>
-                  <m:oMath xmlns:m="http://schemas.openxmlformats.org/officeDocument/2006/math">
-                    <m:r>
-                      <a:rPr lang="fr-CA" sz="2000" i="1" dirty="0" smtClean="0">
-                        <a:latin typeface="Cambria Math" panose="02040503050406030204" pitchFamily="18" charset="0"/>
-                      </a:rPr>
-                      <m:t>𝐻</m:t>
-                    </m:r>
-                    <m:r>
-                      <a:rPr lang="fr-CA" sz="2000" i="1" baseline="-25000" dirty="0" smtClean="0">
-                        <a:latin typeface="Cambria Math" panose="02040503050406030204" pitchFamily="18" charset="0"/>
-                      </a:rPr>
-                      <m:t>0</m:t>
-                    </m:r>
-                  </m:oMath>
-                </a14:m>
-                <a:r>
-                  <a:rPr lang="fr-CA" sz="2000" dirty="0"/>
-                  <a:t>) : une description de l’univers dans laquelle existe l’analyse.</a:t>
-                </a:r>
-              </a:p>
-              <a:p>
-                <a:pPr marL="1657350" lvl="2" indent="-742950">
-                  <a:buFont typeface="Wingdings" panose="05000000000000000000" pitchFamily="2" charset="2"/>
-                  <a:buChar char="Ø"/>
-                </a:pPr>
-                <a:r>
-                  <a:rPr lang="fr-CA" sz="1600" dirty="0"/>
-                  <a:t>On veut rejeter </a:t>
-                </a:r>
-                <a14:m>
-                  <m:oMath xmlns:m="http://schemas.openxmlformats.org/officeDocument/2006/math">
-                    <m:r>
-                      <a:rPr lang="fr-CA" sz="1600" i="1" dirty="0" smtClean="0">
-                        <a:latin typeface="Cambria Math" panose="02040503050406030204" pitchFamily="18" charset="0"/>
-                      </a:rPr>
-                      <m:t>𝐻</m:t>
-                    </m:r>
-                    <m:r>
-                      <a:rPr lang="fr-CA" sz="1600" i="1" baseline="-25000" dirty="0" smtClean="0">
-                        <a:latin typeface="Cambria Math" panose="02040503050406030204" pitchFamily="18" charset="0"/>
-                      </a:rPr>
-                      <m:t>0</m:t>
-                    </m:r>
-                  </m:oMath>
-                </a14:m>
-                <a:r>
-                  <a:rPr lang="fr-CA" sz="1600" dirty="0"/>
-                  <a:t>.</a:t>
-                </a:r>
-              </a:p>
-              <a:p>
-                <a:pPr marL="1657350" lvl="2" indent="-742950">
-                  <a:buFont typeface="Wingdings" panose="05000000000000000000" pitchFamily="2" charset="2"/>
-                  <a:buChar char="Ø"/>
-                </a:pPr>
-                <a:r>
-                  <a:rPr lang="fr-CA" sz="1600" dirty="0"/>
-                  <a:t>On établit les valeurs critiques qui permettraient de rejeter </a:t>
-                </a:r>
-                <a14:m>
-                  <m:oMath xmlns:m="http://schemas.openxmlformats.org/officeDocument/2006/math">
-                    <m:r>
-                      <a:rPr lang="fr-CA" sz="1600" i="1" dirty="0" smtClean="0">
-                        <a:latin typeface="Cambria Math" panose="02040503050406030204" pitchFamily="18" charset="0"/>
-                      </a:rPr>
-                      <m:t>𝐻</m:t>
-                    </m:r>
-                    <m:r>
-                      <a:rPr lang="fr-CA" sz="1600" i="1" baseline="-25000" dirty="0" smtClean="0">
-                        <a:latin typeface="Cambria Math" panose="02040503050406030204" pitchFamily="18" charset="0"/>
-                      </a:rPr>
-                      <m:t>0</m:t>
-                    </m:r>
-                  </m:oMath>
-                </a14:m>
-                <a:r>
-                  <a:rPr lang="fr-CA" sz="1600" dirty="0"/>
-                  <a:t> avec une faible probabilité </a:t>
-                </a:r>
-                <a:br>
-                  <a:rPr lang="fr-CA" sz="1600" dirty="0"/>
-                </a:br>
-                <a:r>
-                  <a:rPr lang="fr-CA" sz="1600" dirty="0"/>
-                  <a:t>de se tromper si </a:t>
-                </a:r>
-                <a14:m>
-                  <m:oMath xmlns:m="http://schemas.openxmlformats.org/officeDocument/2006/math">
-                    <m:r>
-                      <a:rPr lang="fr-CA" sz="1600" i="1" dirty="0" smtClean="0">
-                        <a:latin typeface="Cambria Math" panose="02040503050406030204" pitchFamily="18" charset="0"/>
-                      </a:rPr>
-                      <m:t>𝐻</m:t>
-                    </m:r>
-                    <m:r>
-                      <a:rPr lang="fr-CA" sz="1600" i="1" baseline="-25000" dirty="0" smtClean="0">
-                        <a:latin typeface="Cambria Math" panose="02040503050406030204" pitchFamily="18" charset="0"/>
-                      </a:rPr>
-                      <m:t>0</m:t>
-                    </m:r>
-                  </m:oMath>
-                </a14:m>
-                <a:r>
-                  <a:rPr lang="fr-CA" sz="1600" dirty="0"/>
-                  <a:t> est vraie.</a:t>
-                </a:r>
-              </a:p>
-              <a:p>
-                <a:pPr marL="1657350" lvl="2" indent="-742950">
-                  <a:buFont typeface="Wingdings" panose="05000000000000000000" pitchFamily="2" charset="2"/>
-                  <a:buChar char="Ø"/>
-                </a:pPr>
-                <a:r>
-                  <a:rPr lang="fr-CA" sz="1600" dirty="0"/>
-                  <a:t>Cette « faible probabilité » correspond à l’erreur de type 1.</a:t>
-                </a:r>
-              </a:p>
-              <a:p>
-                <a:pPr marL="800100" lvl="1" indent="-342900">
-                  <a:buFont typeface="Wingdings" panose="05000000000000000000" pitchFamily="2" charset="2"/>
-                  <a:buChar char="Ø"/>
-                </a:pPr>
-                <a:endParaRPr lang="fr-CA" sz="1000" dirty="0"/>
-              </a:p>
-              <a:p>
-                <a:pPr marL="571500" indent="-571500">
-                  <a:buFont typeface="+mj-lt"/>
-                  <a:buAutoNum type="romanUcPeriod"/>
-                </a:pPr>
-                <a:r>
-                  <a:rPr lang="fr-CA" sz="2000" dirty="0"/>
-                  <a:t>On pose une hypothèse alternative (</a:t>
-                </a:r>
-                <a14:m>
-                  <m:oMath xmlns:m="http://schemas.openxmlformats.org/officeDocument/2006/math">
-                    <m:r>
-                      <a:rPr lang="fr-CA" sz="2000" i="1" dirty="0" smtClean="0">
-                        <a:latin typeface="Cambria Math" panose="02040503050406030204" pitchFamily="18" charset="0"/>
-                      </a:rPr>
-                      <m:t>𝐻</m:t>
-                    </m:r>
-                    <m:r>
-                      <a:rPr lang="fr-CA" sz="2000" b="0" i="1" baseline="-25000" dirty="0" smtClean="0">
-                        <a:latin typeface="Cambria Math" panose="02040503050406030204" pitchFamily="18" charset="0"/>
-                      </a:rPr>
-                      <m:t>𝐴</m:t>
-                    </m:r>
-                  </m:oMath>
-                </a14:m>
-                <a:r>
-                  <a:rPr lang="fr-CA" sz="2000" dirty="0"/>
-                  <a:t>) : l’hypothèse du chercheur.</a:t>
-                </a:r>
-              </a:p>
-              <a:p>
-                <a:pPr marL="1657350" lvl="2" indent="-742950">
-                  <a:buFont typeface="Wingdings" panose="05000000000000000000" pitchFamily="2" charset="2"/>
-                  <a:buChar char="Ø"/>
-                </a:pPr>
-                <a:r>
-                  <a:rPr lang="fr-CA" sz="1600" dirty="0"/>
-                  <a:t>Le chercheur construit un modèle du phénomène qu’il tente de comprendre.</a:t>
-                </a:r>
-              </a:p>
-              <a:p>
-                <a:pPr marL="1657350" lvl="2" indent="-742950">
-                  <a:buFont typeface="Wingdings" panose="05000000000000000000" pitchFamily="2" charset="2"/>
-                  <a:buChar char="Ø"/>
-                </a:pPr>
-                <a:r>
-                  <a:rPr lang="fr-CA" sz="1600" dirty="0"/>
-                  <a:t>Le modèle correspond généralement à une ou plusieurs variables.</a:t>
-                </a:r>
-              </a:p>
-              <a:p>
-                <a:pPr marL="1657350" lvl="2" indent="-742950">
-                  <a:buFont typeface="Wingdings" panose="05000000000000000000" pitchFamily="2" charset="2"/>
-                  <a:buChar char="Ø"/>
-                </a:pPr>
-                <a:r>
-                  <a:rPr lang="fr-CA" sz="1600" dirty="0"/>
-                  <a:t>Chaque variable est généralement accompagnée d’un </a:t>
-                </a:r>
-                <a:r>
-                  <a:rPr lang="fr-CA" sz="1600" b="1" dirty="0"/>
-                  <a:t>paramètre</a:t>
-                </a:r>
-                <a:r>
-                  <a:rPr lang="fr-CA" sz="1600" dirty="0"/>
-                  <a:t>, qui reflète </a:t>
-                </a:r>
-                <a:br>
-                  <a:rPr lang="fr-CA" sz="1600" dirty="0"/>
-                </a:br>
-                <a:r>
-                  <a:rPr lang="fr-CA" sz="1600" dirty="0"/>
-                  <a:t>l’importance de la variable à l’intérieur du modèle.</a:t>
-                </a:r>
-              </a:p>
-              <a:p>
-                <a:pPr marL="1657350" lvl="2" indent="-742950">
-                  <a:buFont typeface="Wingdings" panose="05000000000000000000" pitchFamily="2" charset="2"/>
-                  <a:buChar char="Ø"/>
-                </a:pPr>
-                <a:r>
-                  <a:rPr lang="fr-CA" sz="1600" b="1" dirty="0"/>
-                  <a:t>Le chercheur s’inspire principalement de la documentation théorique pour construire son modèle.</a:t>
-                </a:r>
-              </a:p>
-              <a:p>
-                <a:pPr marL="1657350" lvl="2" indent="-742950">
-                  <a:buFont typeface="Wingdings" panose="05000000000000000000" pitchFamily="2" charset="2"/>
-                  <a:buChar char="Ø"/>
-                </a:pPr>
-                <a:r>
-                  <a:rPr lang="fr-CA" sz="1600" b="1" dirty="0"/>
-                  <a:t>Ce modèle est rigide.</a:t>
-                </a:r>
-              </a:p>
-              <a:p>
-                <a:pPr marL="1257300" lvl="2" indent="-342900">
-                  <a:buFont typeface="Wingdings" panose="05000000000000000000" pitchFamily="2" charset="2"/>
-                  <a:buChar char="Ø"/>
-                </a:pPr>
-                <a:endParaRPr lang="fr-CA" sz="1000" b="1" dirty="0"/>
-              </a:p>
-              <a:p>
-                <a:pPr marL="571500" indent="-571500">
-                  <a:buFont typeface="+mj-lt"/>
-                  <a:buAutoNum type="romanUcPeriod"/>
-                </a:pPr>
-                <a:r>
-                  <a:rPr lang="fr-CA" sz="2000" dirty="0"/>
-                  <a:t>On récolte un échantillon : un </a:t>
-                </a:r>
-                <a:r>
-                  <a:rPr lang="fr-CA" sz="2000" b="1" dirty="0"/>
-                  <a:t>groupe </a:t>
-                </a:r>
-                <a:r>
-                  <a:rPr lang="fr-CA" sz="2000" dirty="0"/>
-                  <a:t>d’observations.</a:t>
-                </a:r>
-              </a:p>
-              <a:p>
-                <a:pPr marL="1657350" lvl="2" indent="-742950">
-                  <a:buFont typeface="Wingdings" panose="05000000000000000000" pitchFamily="2" charset="2"/>
-                  <a:buChar char="Ø"/>
-                </a:pPr>
-                <a:r>
-                  <a:rPr lang="fr-CA" sz="1600" dirty="0"/>
-                  <a:t>On utilise ce </a:t>
-                </a:r>
-                <a:r>
-                  <a:rPr lang="fr-CA" sz="1600" b="1" dirty="0"/>
-                  <a:t>groupe </a:t>
-                </a:r>
-                <a:r>
-                  <a:rPr lang="fr-CA" sz="1600" dirty="0"/>
-                  <a:t>d’observations pour estimer les valeurs des paramètres du modèles du chercheur</a:t>
-                </a:r>
-                <a:br>
-                  <a:rPr lang="fr-CA" sz="1600" dirty="0"/>
-                </a:br>
-                <a:r>
-                  <a:rPr lang="fr-CA" sz="1600" dirty="0"/>
-                  <a:t>(i.e. l’importance des différentes variables du modèle du chercheur).</a:t>
-                </a:r>
-              </a:p>
-              <a:p>
-                <a:pPr marL="800100" lvl="1" indent="-342900">
-                  <a:buFont typeface="Arial" panose="020B0604020202020204" pitchFamily="34" charset="0"/>
-                  <a:buChar char="•"/>
-                </a:pPr>
-                <a:endParaRPr lang="fr-CA" sz="1000" dirty="0"/>
-              </a:p>
-              <a:p>
-                <a:pPr marL="571500" indent="-571500">
-                  <a:buFont typeface="+mj-lt"/>
-                  <a:buAutoNum type="romanUcPeriod"/>
-                </a:pPr>
-                <a:r>
-                  <a:rPr lang="fr-CA" sz="2000" dirty="0"/>
-                  <a:t>On conclue.</a:t>
-                </a:r>
-              </a:p>
-              <a:p>
-                <a:pPr marL="1657350" lvl="2" indent="-742950">
-                  <a:buFont typeface="Wingdings" panose="05000000000000000000" pitchFamily="2" charset="2"/>
-                  <a:buChar char="Ø"/>
-                </a:pPr>
-                <a:r>
-                  <a:rPr lang="fr-CA" sz="1600" dirty="0"/>
-                  <a:t>Le chercheur vérifie quelle était la probabilité d’obtenir les valeurs des paramètres estimées à partir de l’échantillon, </a:t>
-                </a:r>
-                <a:r>
-                  <a:rPr lang="fr-CA" sz="1600" b="1" dirty="0"/>
-                  <a:t>si </a:t>
-                </a:r>
-                <a14:m>
-                  <m:oMath xmlns:m="http://schemas.openxmlformats.org/officeDocument/2006/math">
-                    <m:r>
-                      <a:rPr lang="fr-CA" sz="1600" b="1" i="1" dirty="0" smtClean="0">
-                        <a:latin typeface="Cambria Math" panose="02040503050406030204" pitchFamily="18" charset="0"/>
-                      </a:rPr>
-                      <m:t>𝑯</m:t>
-                    </m:r>
-                    <m:r>
-                      <a:rPr lang="fr-CA" sz="1600" b="1" i="1" baseline="-25000" dirty="0" smtClean="0">
-                        <a:latin typeface="Cambria Math" panose="02040503050406030204" pitchFamily="18" charset="0"/>
-                      </a:rPr>
-                      <m:t>𝟎</m:t>
-                    </m:r>
-                  </m:oMath>
-                </a14:m>
-                <a:r>
-                  <a:rPr lang="fr-CA" sz="1600" b="1" dirty="0"/>
-                  <a:t> est vraie</a:t>
-                </a:r>
-                <a:r>
-                  <a:rPr lang="fr-CA" sz="1600" dirty="0"/>
-                  <a:t>.</a:t>
-                </a:r>
-              </a:p>
-              <a:p>
-                <a:pPr marL="1657350" lvl="2" indent="-742950">
-                  <a:buFont typeface="Wingdings" panose="05000000000000000000" pitchFamily="2" charset="2"/>
-                  <a:buChar char="Ø"/>
-                </a:pPr>
-                <a:r>
-                  <a:rPr lang="fr-CA" sz="1600" dirty="0"/>
-                  <a:t>Si cette probabilité est plus faible que la probabilité d’erreur de type 1 maximale établie au début, on rejette </a:t>
-                </a:r>
-                <a14:m>
-                  <m:oMath xmlns:m="http://schemas.openxmlformats.org/officeDocument/2006/math">
-                    <m:r>
-                      <a:rPr lang="fr-CA" sz="1600" i="1" dirty="0" smtClean="0">
-                        <a:latin typeface="Cambria Math" panose="02040503050406030204" pitchFamily="18" charset="0"/>
-                      </a:rPr>
-                      <m:t>𝐻</m:t>
-                    </m:r>
-                    <m:r>
-                      <a:rPr lang="fr-CA" sz="1600" i="1" baseline="-25000" dirty="0" smtClean="0">
-                        <a:latin typeface="Cambria Math" panose="02040503050406030204" pitchFamily="18" charset="0"/>
-                      </a:rPr>
-                      <m:t>0</m:t>
-                    </m:r>
-                  </m:oMath>
-                </a14:m>
-                <a:r>
-                  <a:rPr lang="fr-CA" sz="1600" dirty="0"/>
-                  <a:t>.</a:t>
-                </a:r>
-              </a:p>
-            </p:txBody>
-          </p:sp>
-        </mc:Choice>
-        <mc:Fallback xmlns="">
-          <p:sp>
-            <p:nvSpPr>
-              <p:cNvPr id="2" name="TextBox 1">
-                <a:extLst>
-                  <a:ext uri="{FF2B5EF4-FFF2-40B4-BE49-F238E27FC236}">
-                    <a16:creationId xmlns:a16="http://schemas.microsoft.com/office/drawing/2014/main" id="{60FDD1FD-49C6-4CAF-A371-3D79CB109F68}"/>
-                  </a:ext>
-                </a:extLst>
-              </p:cNvPr>
-              <p:cNvSpPr txBox="1">
-                <a:spLocks noRot="1" noChangeAspect="1" noMove="1" noResize="1" noEditPoints="1" noAdjustHandles="1" noChangeArrowheads="1" noChangeShapeType="1" noTextEdit="1"/>
-              </p:cNvSpPr>
-              <p:nvPr/>
-            </p:nvSpPr>
-            <p:spPr>
-              <a:xfrm>
-                <a:off x="0" y="0"/>
-                <a:ext cx="12192000" cy="6924973"/>
-              </a:xfrm>
-              <a:prstGeom prst="rect">
-                <a:avLst/>
-              </a:prstGeom>
-              <a:blipFill>
-                <a:blip r:embed="rId3"/>
-                <a:stretch>
-                  <a:fillRect l="-550" t="-704" r="-300" b="-176"/>
-                </a:stretch>
-              </a:blipFill>
-            </p:spPr>
-            <p:txBody>
-              <a:bodyPr/>
-              <a:lstStyle/>
-              <a:p>
-                <a:r>
-                  <a:rPr lang="fr-CA">
-                    <a:noFill/>
-                  </a:rPr>
-                  <a:t> </a:t>
-                </a:r>
-              </a:p>
-            </p:txBody>
-          </p:sp>
-        </mc:Fallback>
-      </mc:AlternateContent>
-    </p:spTree>
-    <p:extLst>
-      <p:ext uri="{BB962C8B-B14F-4D97-AF65-F5344CB8AC3E}">
-        <p14:creationId xmlns:p14="http://schemas.microsoft.com/office/powerpoint/2010/main" val="2070064502"/>
-      </p:ext>
-    </p:extLst>
-  </p:cSld>
-  <p:clrMapOvr>
-    <a:masterClrMapping/>
-  </p:clrMapOvr>
-</p:sld>
-</file>
-
-<file path=ppt/slides/slide7.xml><?xml version="1.0" encoding="utf-8"?>
-<p:sld xmlns:a="http://schemas.openxmlformats.org/drawingml/2006/main" xmlns:r="http://schemas.openxmlformats.org/officeDocument/2006/relationships" xmlns:p="http://schemas.openxmlformats.org/presentationml/2006/main">
-  <p:cSld>
-    <p:spTree>
-      <p:nvGrpSpPr>
-        <p:cNvPr id="1" name=""/>
-        <p:cNvGrpSpPr/>
-        <p:nvPr/>
-      </p:nvGrpSpPr>
-      <p:grpSpPr>
-        <a:xfrm>
-          <a:off x="0" y="0"/>
-          <a:ext cx="0" cy="0"/>
-          <a:chOff x="0" y="0"/>
-          <a:chExt cx="0" cy="0"/>
-        </a:xfrm>
-      </p:grpSpPr>
-      <mc:AlternateContent xmlns:mc="http://schemas.openxmlformats.org/markup-compatibility/2006" xmlns:a14="http://schemas.microsoft.com/office/drawing/2010/main">
-        <mc:Choice Requires="a14">
-          <p:sp>
-            <p:nvSpPr>
-              <p:cNvPr id="2" name="TextBox 1">
-                <a:extLst>
-                  <a:ext uri="{FF2B5EF4-FFF2-40B4-BE49-F238E27FC236}">
-                    <a16:creationId xmlns:a16="http://schemas.microsoft.com/office/drawing/2014/main" id="{60FDD1FD-49C6-4CAF-A371-3D79CB109F68}"/>
-                  </a:ext>
-                </a:extLst>
-              </p:cNvPr>
-              <p:cNvSpPr txBox="1"/>
-              <p:nvPr/>
-            </p:nvSpPr>
-            <p:spPr>
-              <a:xfrm>
                 <a:off x="-8010525" y="707886"/>
                 <a:ext cx="22193249" cy="8525411"/>
               </a:xfrm>
@@ -39500,7 +39133,7 @@
 </p:sld>
 </file>
 
-<file path=ppt/slides/slide8.xml><?xml version="1.0" encoding="utf-8"?>
+<file path=ppt/slides/slide7.xml><?xml version="1.0" encoding="utf-8"?>
 <p:sld xmlns:a="http://schemas.openxmlformats.org/drawingml/2006/main" xmlns:r="http://schemas.openxmlformats.org/officeDocument/2006/relationships" xmlns:p="http://schemas.openxmlformats.org/presentationml/2006/main">
   <p:cSld>
     <p:spTree>
@@ -39570,6 +39203,391 @@
 </p:sld>
 </file>
 
+<file path=ppt/slides/slide8.xml><?xml version="1.0" encoding="utf-8"?>
+<p:sld xmlns:a="http://schemas.openxmlformats.org/drawingml/2006/main" xmlns:r="http://schemas.openxmlformats.org/officeDocument/2006/relationships" xmlns:p="http://schemas.openxmlformats.org/presentationml/2006/main">
+  <p:cSld>
+    <p:spTree>
+      <p:nvGrpSpPr>
+        <p:cNvPr id="1" name=""/>
+        <p:cNvGrpSpPr/>
+        <p:nvPr/>
+      </p:nvGrpSpPr>
+      <p:grpSpPr>
+        <a:xfrm>
+          <a:off x="0" y="0"/>
+          <a:ext cx="0" cy="0"/>
+          <a:chOff x="0" y="0"/>
+          <a:chExt cx="0" cy="0"/>
+        </a:xfrm>
+      </p:grpSpPr>
+      <mc:AlternateContent xmlns:mc="http://schemas.openxmlformats.org/markup-compatibility/2006">
+        <mc:Choice xmlns:a14="http://schemas.microsoft.com/office/drawing/2010/main" Requires="a14">
+          <p:sp>
+            <p:nvSpPr>
+              <p:cNvPr id="2" name="TextBox 1">
+                <a:extLst>
+                  <a:ext uri="{FF2B5EF4-FFF2-40B4-BE49-F238E27FC236}">
+                    <a16:creationId xmlns:a16="http://schemas.microsoft.com/office/drawing/2014/main" id="{60FDD1FD-49C6-4CAF-A371-3D79CB109F68}"/>
+                  </a:ext>
+                </a:extLst>
+              </p:cNvPr>
+              <p:cNvSpPr txBox="1"/>
+              <p:nvPr/>
+            </p:nvSpPr>
+            <p:spPr>
+              <a:xfrm>
+                <a:off x="-7658101" y="707886"/>
+                <a:ext cx="28866282" cy="11295400"/>
+              </a:xfrm>
+              <a:prstGeom prst="rect">
+                <a:avLst/>
+              </a:prstGeom>
+              <a:noFill/>
+            </p:spPr>
+            <p:txBody>
+              <a:bodyPr wrap="square" rtlCol="0">
+                <a:spAutoFit/>
+              </a:bodyPr>
+              <a:lstStyle/>
+              <a:p>
+                <a:r>
+                  <a:rPr lang="fr-CA" sz="4000" b="1" dirty="0"/>
+                  <a:t>En apprentissage machine, il n’y a ni </a:t>
+                </a:r>
+                <a14:m>
+                  <m:oMath xmlns:m="http://schemas.openxmlformats.org/officeDocument/2006/math">
+                    <m:sSub>
+                      <m:sSubPr>
+                        <m:ctrlPr>
+                          <a:rPr lang="fr-CA" sz="4000" b="1" i="1">
+                            <a:latin typeface="Cambria Math" panose="02040503050406030204" pitchFamily="18" charset="0"/>
+                          </a:rPr>
+                        </m:ctrlPr>
+                      </m:sSubPr>
+                      <m:e>
+                        <m:r>
+                          <a:rPr lang="fr-CA" sz="4000" b="1" i="1">
+                            <a:latin typeface="Cambria Math" panose="02040503050406030204" pitchFamily="18" charset="0"/>
+                          </a:rPr>
+                          <m:t>𝑯</m:t>
+                        </m:r>
+                      </m:e>
+                      <m:sub>
+                        <m:r>
+                          <a:rPr lang="fr-CA" sz="4000" b="1" i="1">
+                            <a:latin typeface="Cambria Math" panose="02040503050406030204" pitchFamily="18" charset="0"/>
+                          </a:rPr>
+                          <m:t>𝟎</m:t>
+                        </m:r>
+                      </m:sub>
+                    </m:sSub>
+                  </m:oMath>
+                </a14:m>
+                <a:r>
+                  <a:rPr lang="fr-CA" sz="4000" b="1" dirty="0"/>
+                  <a:t>, ni </a:t>
+                </a:r>
+                <a14:m>
+                  <m:oMath xmlns:m="http://schemas.openxmlformats.org/officeDocument/2006/math">
+                    <m:sSub>
+                      <m:sSubPr>
+                        <m:ctrlPr>
+                          <a:rPr lang="fr-CA" sz="4000" b="1" i="1">
+                            <a:latin typeface="Cambria Math" panose="02040503050406030204" pitchFamily="18" charset="0"/>
+                          </a:rPr>
+                        </m:ctrlPr>
+                      </m:sSubPr>
+                      <m:e>
+                        <m:r>
+                          <a:rPr lang="fr-CA" sz="4000" b="1" i="1">
+                            <a:latin typeface="Cambria Math" panose="02040503050406030204" pitchFamily="18" charset="0"/>
+                          </a:rPr>
+                          <m:t>𝑯</m:t>
+                        </m:r>
+                      </m:e>
+                      <m:sub>
+                        <m:r>
+                          <a:rPr lang="fr-CA" sz="4000" b="1" i="1">
+                            <a:latin typeface="Cambria Math" panose="02040503050406030204" pitchFamily="18" charset="0"/>
+                          </a:rPr>
+                          <m:t>𝑨</m:t>
+                        </m:r>
+                      </m:sub>
+                    </m:sSub>
+                  </m:oMath>
+                </a14:m>
+                <a:r>
+                  <a:rPr lang="fr-CA" sz="4000" b="1" dirty="0"/>
+                  <a:t>. </a:t>
+                </a:r>
+              </a:p>
+              <a:p>
+                <a:endParaRPr lang="fr-CA" sz="4000" dirty="0"/>
+              </a:p>
+              <a:p>
+                <a:pPr marL="571500" indent="-571500">
+                  <a:buFont typeface="+mj-lt"/>
+                  <a:buAutoNum type="romanUcPeriod"/>
+                </a:pPr>
+                <a:r>
+                  <a:rPr lang="fr-CA" sz="4000" dirty="0"/>
+                  <a:t>On cible un problème à résoudre.</a:t>
+                </a:r>
+              </a:p>
+              <a:p>
+                <a:pPr marL="571500" indent="-571500">
+                  <a:buFont typeface="+mj-lt"/>
+                  <a:buAutoNum type="romanUcPeriod"/>
+                </a:pPr>
+                <a:endParaRPr lang="fr-CA" sz="4000" dirty="0"/>
+              </a:p>
+              <a:p>
+                <a:pPr marL="571500" indent="-571500">
+                  <a:buFont typeface="+mj-lt"/>
+                  <a:buAutoNum type="romanUcPeriod"/>
+                </a:pPr>
+                <a:r>
+                  <a:rPr lang="fr-CA" sz="4000" dirty="0"/>
+                  <a:t>On pose une hypothèse quant à la forme d’un modèle capable de transformer des variables d’entrée en variables de sortie appropriées.</a:t>
+                </a:r>
+              </a:p>
+              <a:p>
+                <a:pPr marL="1657350" lvl="2" indent="-742950">
+                  <a:buFont typeface="Wingdings" panose="05000000000000000000" pitchFamily="2" charset="2"/>
+                  <a:buChar char="Ø"/>
+                </a:pPr>
+                <a:r>
+                  <a:rPr lang="fr-CA" sz="3600" dirty="0"/>
+                  <a:t>Le modèle inclut généralement à un grand nombre de variables.</a:t>
+                </a:r>
+              </a:p>
+              <a:p>
+                <a:pPr marL="1657350" lvl="2" indent="-742950">
+                  <a:buFont typeface="Wingdings" panose="05000000000000000000" pitchFamily="2" charset="2"/>
+                  <a:buChar char="Ø"/>
+                </a:pPr>
+                <a:r>
+                  <a:rPr lang="fr-CA" sz="3600" dirty="0"/>
+                  <a:t>Chaque variable est généralement accompagnée d’un </a:t>
+                </a:r>
+                <a:r>
+                  <a:rPr lang="fr-CA" sz="3600" b="1" dirty="0"/>
+                  <a:t>paramètre</a:t>
+                </a:r>
+                <a:r>
+                  <a:rPr lang="fr-CA" sz="3600" dirty="0"/>
+                  <a:t>, qui reflète l’importance de la variable à l’intérieur du modèle.</a:t>
+                </a:r>
+              </a:p>
+              <a:p>
+                <a:pPr marL="1657350" lvl="2" indent="-742950">
+                  <a:buFont typeface="Wingdings" panose="05000000000000000000" pitchFamily="2" charset="2"/>
+                  <a:buChar char="Ø"/>
+                </a:pPr>
+                <a:r>
+                  <a:rPr lang="fr-CA" sz="3600" b="1" dirty="0"/>
+                  <a:t>Le chercheur s’inspire principalement de la documentation pratique pour construire son modèle </a:t>
+                </a:r>
+                <a:br>
+                  <a:rPr lang="fr-CA" sz="3600" b="1" dirty="0"/>
+                </a:br>
+                <a:r>
+                  <a:rPr lang="fr-CA" sz="3600" b="1" dirty="0"/>
+                  <a:t>(i.e. s’inspire de ce qui fonctionne et non ce qui est interprétable).</a:t>
+                </a:r>
+              </a:p>
+              <a:p>
+                <a:pPr marL="1657350" lvl="2" indent="-742950">
+                  <a:buFont typeface="Wingdings" panose="05000000000000000000" pitchFamily="2" charset="2"/>
+                  <a:buChar char="Ø"/>
+                </a:pPr>
+                <a:r>
+                  <a:rPr lang="fr-CA" sz="3600" dirty="0"/>
+                  <a:t>La forme du modèle est flexible et peut être adaptée à partir des exemples.</a:t>
+                </a:r>
+              </a:p>
+              <a:p>
+                <a:pPr marL="1657350" lvl="2" indent="-742950">
+                  <a:buFont typeface="Wingdings" panose="05000000000000000000" pitchFamily="2" charset="2"/>
+                  <a:buChar char="Ø"/>
+                </a:pPr>
+                <a:endParaRPr lang="fr-CA" sz="4000" b="1" dirty="0"/>
+              </a:p>
+              <a:p>
+                <a:pPr marL="571500" indent="-571500">
+                  <a:buFont typeface="+mj-lt"/>
+                  <a:buAutoNum type="romanUcPeriod"/>
+                </a:pPr>
+                <a:r>
+                  <a:rPr lang="fr-CA" sz="4000" dirty="0"/>
+                  <a:t>On récolte un échantillon : un grand nombre d’observations.</a:t>
+                </a:r>
+              </a:p>
+              <a:p>
+                <a:pPr marL="1657350" lvl="2" indent="-742950">
+                  <a:buFont typeface="Wingdings" panose="05000000000000000000" pitchFamily="2" charset="2"/>
+                  <a:buChar char="Ø"/>
+                </a:pPr>
+                <a:r>
+                  <a:rPr lang="fr-CA" sz="3600" dirty="0"/>
+                  <a:t>On divise ces observations en au moins deux sous-ensembles: un ensemble d’entraînement et un ensemble de test.</a:t>
+                </a:r>
+              </a:p>
+              <a:p>
+                <a:pPr marL="800100" lvl="1" indent="-342900">
+                  <a:buFont typeface="Arial" panose="020B0604020202020204" pitchFamily="34" charset="0"/>
+                  <a:buChar char="•"/>
+                </a:pPr>
+                <a:endParaRPr lang="fr-CA" sz="4000" dirty="0"/>
+              </a:p>
+              <a:p>
+                <a:pPr marL="571500" indent="-571500">
+                  <a:buFont typeface="+mj-lt"/>
+                  <a:buAutoNum type="romanUcPeriod"/>
+                </a:pPr>
+                <a:r>
+                  <a:rPr lang="fr-CA" sz="4000" dirty="0"/>
+                  <a:t>On entraîne le modèle à l’aide des exemples de l’ensemble d’entraînement.</a:t>
+                </a:r>
+              </a:p>
+              <a:p>
+                <a:pPr marL="1657350" lvl="2" indent="-742950">
+                  <a:buFont typeface="Wingdings" panose="05000000000000000000" pitchFamily="2" charset="2"/>
+                  <a:buChar char="Ø"/>
+                </a:pPr>
+                <a:r>
+                  <a:rPr lang="fr-CA" sz="3600" dirty="0"/>
+                  <a:t>On utilise l’ensemble d’entraînement pour estimer les valeurs des paramètres (i.e. l’importance des différentes variables prédictives).</a:t>
+                </a:r>
+              </a:p>
+              <a:p>
+                <a:pPr marL="1657350" lvl="2" indent="-742950">
+                  <a:buFont typeface="Wingdings" panose="05000000000000000000" pitchFamily="2" charset="2"/>
+                  <a:buChar char="Ø"/>
+                </a:pPr>
+                <a:endParaRPr lang="fr-CA" sz="4000" dirty="0"/>
+              </a:p>
+              <a:p>
+                <a:pPr marL="571500" indent="-571500">
+                  <a:buFont typeface="+mj-lt"/>
+                  <a:buAutoNum type="romanUcPeriod"/>
+                </a:pPr>
+                <a:r>
+                  <a:rPr lang="fr-CA" sz="4000" dirty="0"/>
+                  <a:t>On évalue le modèle à l’aide des exemples de l’ensemble de test.</a:t>
+                </a:r>
+              </a:p>
+              <a:p>
+                <a:pPr marL="1657350" lvl="2" indent="-742950">
+                  <a:buFont typeface="Wingdings" panose="05000000000000000000" pitchFamily="2" charset="2"/>
+                  <a:buChar char="Ø"/>
+                </a:pPr>
+                <a:r>
+                  <a:rPr lang="fr-CA" sz="3600" dirty="0"/>
+                  <a:t>On vérifie la capacité du modèle à prédire des nouveaux exemples qui n’ont jamais été utilisés pour l’entraîner.</a:t>
+                </a:r>
+              </a:p>
+            </p:txBody>
+          </p:sp>
+        </mc:Choice>
+        <mc:Fallback>
+          <p:sp>
+            <p:nvSpPr>
+              <p:cNvPr id="2" name="TextBox 1">
+                <a:extLst>
+                  <a:ext uri="{FF2B5EF4-FFF2-40B4-BE49-F238E27FC236}">
+                    <a16:creationId xmlns:a16="http://schemas.microsoft.com/office/drawing/2014/main" id="{60FDD1FD-49C6-4CAF-A371-3D79CB109F68}"/>
+                  </a:ext>
+                </a:extLst>
+              </p:cNvPr>
+              <p:cNvSpPr txBox="1">
+                <a:spLocks noRot="1" noChangeAspect="1" noMove="1" noResize="1" noEditPoints="1" noAdjustHandles="1" noChangeArrowheads="1" noChangeShapeType="1" noTextEdit="1"/>
+              </p:cNvSpPr>
+              <p:nvPr/>
+            </p:nvSpPr>
+            <p:spPr>
+              <a:xfrm>
+                <a:off x="-7658101" y="707886"/>
+                <a:ext cx="28866282" cy="11295400"/>
+              </a:xfrm>
+              <a:prstGeom prst="rect">
+                <a:avLst/>
+              </a:prstGeom>
+              <a:blipFill>
+                <a:blip r:embed="rId3"/>
+                <a:stretch>
+                  <a:fillRect l="-760" t="-971" b="-1079"/>
+                </a:stretch>
+              </a:blipFill>
+            </p:spPr>
+            <p:txBody>
+              <a:bodyPr/>
+              <a:lstStyle/>
+              <a:p>
+                <a:r>
+                  <a:rPr lang="fr-CA">
+                    <a:noFill/>
+                  </a:rPr>
+                  <a:t> </a:t>
+                </a:r>
+              </a:p>
+            </p:txBody>
+          </p:sp>
+        </mc:Fallback>
+      </mc:AlternateContent>
+      <p:sp>
+        <p:nvSpPr>
+          <p:cNvPr id="3" name="TextBox 2">
+            <a:extLst>
+              <a:ext uri="{FF2B5EF4-FFF2-40B4-BE49-F238E27FC236}">
+                <a16:creationId xmlns:a16="http://schemas.microsoft.com/office/drawing/2014/main" id="{93CDF373-3B77-46C7-9D82-1B7038311949}"/>
+              </a:ext>
+            </a:extLst>
+          </p:cNvPr>
+          <p:cNvSpPr txBox="1"/>
+          <p:nvPr/>
+        </p:nvSpPr>
+        <p:spPr>
+          <a:xfrm>
+            <a:off x="-7658101" y="-678389"/>
+            <a:ext cx="28866282" cy="707886"/>
+          </a:xfrm>
+          <a:prstGeom prst="rect">
+            <a:avLst/>
+          </a:prstGeom>
+          <a:noFill/>
+        </p:spPr>
+        <p:txBody>
+          <a:bodyPr wrap="square" rtlCol="0">
+            <a:spAutoFit/>
+          </a:bodyPr>
+          <a:lstStyle/>
+          <a:p>
+            <a:pPr algn="ctr"/>
+            <a:r>
+              <a:rPr lang="fr-CA" sz="4000" b="1" dirty="0">
+                <a:solidFill>
+                  <a:srgbClr val="08519C"/>
+                </a:solidFill>
+              </a:rPr>
+              <a:t>1.1.2. APPRENTISSAGE MACHINE : MODÈLES ESSENTIELLEMENT PRÉDICTIFS</a:t>
+            </a:r>
+          </a:p>
+        </p:txBody>
+      </p:sp>
+    </p:spTree>
+    <p:extLst>
+      <p:ext uri="{BB962C8B-B14F-4D97-AF65-F5344CB8AC3E}">
+        <p14:creationId xmlns:p14="http://schemas.microsoft.com/office/powerpoint/2010/main" val="1531825998"/>
+      </p:ext>
+    </p:extLst>
+  </p:cSld>
+  <p:clrMapOvr>
+    <a:masterClrMapping/>
+  </p:clrMapOvr>
+</p:sld>
+</file>
+
 <file path=ppt/slides/slide9.xml><?xml version="1.0" encoding="utf-8"?>
 <p:sld xmlns:a="http://schemas.openxmlformats.org/drawingml/2006/main" xmlns:r="http://schemas.openxmlformats.org/officeDocument/2006/relationships" xmlns:p="http://schemas.openxmlformats.org/presentationml/2006/main">
   <p:cSld>
@@ -39601,8 +39619,8 @@
         </p:nvSpPr>
         <p:spPr>
           <a:xfrm>
-            <a:off x="-7658101" y="707886"/>
-            <a:ext cx="26713017" cy="12895838"/>
+            <a:off x="-8010526" y="596860"/>
+            <a:ext cx="22193249" cy="9140964"/>
           </a:xfrm>
           <a:prstGeom prst="rect">
             <a:avLst/>
@@ -39624,200 +39642,167 @@
             <a:endParaRPr lang="fr-CA" sz="4000" dirty="0"/>
           </a:p>
           <a:p>
-            <a:pPr marL="571500" indent="-571500">
-              <a:buFont typeface="+mj-lt"/>
-              <a:buAutoNum type="romanUcPeriod"/>
+            <a:pPr marL="342900" indent="-342900">
+              <a:buFont typeface="Wingdings" panose="05000000000000000000" pitchFamily="2" charset="2"/>
+              <a:buChar char="§"/>
             </a:pPr>
             <a:r>
               <a:rPr lang="fr-CA" sz="4000" dirty="0"/>
-              <a:t>On cible une variable à prédire et un ensemble de variables prédictives.</a:t>
+              <a:t>On cherche généralement à </a:t>
+            </a:r>
+            <a:r>
+              <a:rPr lang="fr-CA" sz="4000" b="1" dirty="0"/>
+              <a:t>PRÉDIRE</a:t>
+            </a:r>
+            <a:r>
+              <a:rPr lang="fr-CA" sz="4000" dirty="0"/>
+              <a:t> de nouvelles observations individuelles.</a:t>
             </a:r>
           </a:p>
           <a:p>
-            <a:pPr marL="571500" indent="-571500">
-              <a:buFont typeface="+mj-lt"/>
-              <a:buAutoNum type="romanUcPeriod"/>
+            <a:pPr marL="342900" indent="-342900">
+              <a:buFont typeface="Wingdings" panose="05000000000000000000" pitchFamily="2" charset="2"/>
+              <a:buChar char="§"/>
             </a:pPr>
             <a:endParaRPr lang="fr-CA" sz="4000" dirty="0"/>
           </a:p>
           <a:p>
-            <a:pPr marL="571500" indent="-571500">
-              <a:buFont typeface="+mj-lt"/>
-              <a:buAutoNum type="romanUcPeriod"/>
+            <a:pPr marL="342900" indent="-342900">
+              <a:buFont typeface="Wingdings" panose="05000000000000000000" pitchFamily="2" charset="2"/>
+              <a:buChar char="§"/>
             </a:pPr>
             <a:r>
               <a:rPr lang="fr-CA" sz="4000" dirty="0"/>
-              <a:t>On pose une hypothèse quant à la forme du modèle.</a:t>
+              <a:t>Le nombre de </a:t>
+            </a:r>
+            <a:r>
+              <a:rPr lang="fr-CA" sz="4000" b="1" dirty="0"/>
+              <a:t>prédicteurs</a:t>
+            </a:r>
+            <a:r>
+              <a:rPr lang="fr-CA" sz="4000" dirty="0"/>
+              <a:t> impliquées dans le modèle du chercheur est souvent élevé.</a:t>
             </a:r>
           </a:p>
           <a:p>
-            <a:pPr marL="1657350" lvl="2" indent="-742950">
+            <a:pPr marL="342900" indent="-342900">
+              <a:buFont typeface="Wingdings" panose="05000000000000000000" pitchFamily="2" charset="2"/>
+              <a:buChar char="§"/>
+            </a:pPr>
+            <a:endParaRPr lang="fr-CA" sz="4000" dirty="0"/>
+          </a:p>
+          <a:p>
+            <a:pPr marL="342900" indent="-342900">
+              <a:buFont typeface="Wingdings" panose="05000000000000000000" pitchFamily="2" charset="2"/>
+              <a:buChar char="§"/>
+            </a:pPr>
+            <a:r>
+              <a:rPr lang="fr-CA" sz="4000" dirty="0"/>
+              <a:t>On essaie d’avoir le plus grand nombre d’</a:t>
+            </a:r>
+            <a:r>
+              <a:rPr lang="fr-CA" sz="4000" b="1" dirty="0"/>
+              <a:t>exemples</a:t>
+            </a:r>
+            <a:r>
+              <a:rPr lang="fr-CA" sz="4000" dirty="0"/>
+              <a:t> possible.</a:t>
+            </a:r>
+          </a:p>
+          <a:p>
+            <a:pPr marL="1200150" lvl="1" indent="-742950">
               <a:buFont typeface="Wingdings" panose="05000000000000000000" pitchFamily="2" charset="2"/>
               <a:buChar char="Ø"/>
             </a:pPr>
             <a:r>
               <a:rPr lang="fr-CA" sz="3600" dirty="0"/>
-              <a:t>Le modèle correspond généralement à un grand nombre de variables.</a:t>
+              <a:t>Le nombre de variables incluses dans le modèle est parfois plus grand que le nombre d’exemples.</a:t>
             </a:r>
           </a:p>
           <a:p>
-            <a:pPr marL="1657350" lvl="2" indent="-742950">
+            <a:pPr marL="1200150" lvl="1" indent="-742950">
               <a:buFont typeface="Wingdings" panose="05000000000000000000" pitchFamily="2" charset="2"/>
               <a:buChar char="Ø"/>
             </a:pPr>
             <a:r>
               <a:rPr lang="fr-CA" sz="3600" dirty="0"/>
-              <a:t>Chaque variable est généralement accompagnée d’un </a:t>
+              <a:t>Cette structure de données est généralement nommée « données larges » (</a:t>
             </a:r>
             <a:r>
-              <a:rPr lang="fr-CA" sz="3600" b="1" dirty="0"/>
-              <a:t>paramètre</a:t>
+              <a:rPr lang="fr-CA" sz="3600" i="1" dirty="0" err="1"/>
+              <a:t>wide</a:t>
+            </a:r>
+            <a:r>
+              <a:rPr lang="fr-CA" sz="3600" i="1" dirty="0"/>
+              <a:t> data</a:t>
             </a:r>
             <a:r>
               <a:rPr lang="fr-CA" sz="3600" dirty="0"/>
-              <a:t>, qui reflète l’importance de la variable à l’intérieur du modèle.</a:t>
-            </a:r>
-          </a:p>
-          <a:p>
-            <a:pPr marL="1657350" lvl="2" indent="-742950">
-              <a:buFont typeface="Wingdings" panose="05000000000000000000" pitchFamily="2" charset="2"/>
-              <a:buChar char="Ø"/>
-            </a:pPr>
-            <a:r>
-              <a:rPr lang="fr-CA" sz="3600" b="1" dirty="0"/>
-              <a:t>Le chercheur s’inspire principalement de la documentation pratique pour construire son modèle </a:t>
-            </a:r>
-            <a:br>
-              <a:rPr lang="fr-CA" sz="3600" b="1" dirty="0"/>
-            </a:br>
-            <a:r>
-              <a:rPr lang="fr-CA" sz="3600" b="1" dirty="0"/>
-              <a:t>(i.e. s’inspire de ce qui fonctionne et non ce qui est interprétable).</a:t>
-            </a:r>
-          </a:p>
-          <a:p>
-            <a:pPr marL="1657350" lvl="2" indent="-742950">
-              <a:buFont typeface="Wingdings" panose="05000000000000000000" pitchFamily="2" charset="2"/>
-              <a:buChar char="Ø"/>
-            </a:pPr>
-            <a:r>
-              <a:rPr lang="fr-CA" sz="3600" dirty="0"/>
-              <a:t>La forme du modèle est flexible et peut être adaptée à partir des exemples.</a:t>
-            </a:r>
-          </a:p>
-          <a:p>
-            <a:pPr marL="1657350" lvl="2" indent="-742950">
-              <a:buFont typeface="Wingdings" panose="05000000000000000000" pitchFamily="2" charset="2"/>
-              <a:buChar char="Ø"/>
-            </a:pPr>
-            <a:endParaRPr lang="fr-CA" sz="4000" b="1" dirty="0"/>
-          </a:p>
-          <a:p>
-            <a:pPr marL="571500" indent="-571500">
-              <a:buFont typeface="+mj-lt"/>
-              <a:buAutoNum type="romanUcPeriod"/>
-            </a:pPr>
-            <a:r>
-              <a:rPr lang="fr-CA" sz="4000" dirty="0"/>
-              <a:t>On récolte un échantillon : un grand nombre d’observations.</a:t>
-            </a:r>
-          </a:p>
-          <a:p>
-            <a:pPr marL="1657350" lvl="2" indent="-742950">
-              <a:buFont typeface="Wingdings" panose="05000000000000000000" pitchFamily="2" charset="2"/>
-              <a:buChar char="Ø"/>
-            </a:pPr>
-            <a:r>
-              <a:rPr lang="fr-CA" sz="3600" dirty="0"/>
-              <a:t>On divise ces observations en au moins deux sous-ensembles: un ensemble d’entraînement et un ensemble de test.</a:t>
-            </a:r>
-          </a:p>
-          <a:p>
-            <a:pPr marL="1657350" lvl="2" indent="-742950">
-              <a:buFont typeface="Wingdings" panose="05000000000000000000" pitchFamily="2" charset="2"/>
-              <a:buChar char="Ø"/>
-            </a:pPr>
-            <a:r>
-              <a:rPr lang="fr-CA" sz="3600" dirty="0"/>
-              <a:t>On utilise l’ensemble d’entraînement pour estimer les valeurs des paramètres</a:t>
-            </a:r>
-            <a:br>
-              <a:rPr lang="fr-CA" sz="3600" dirty="0"/>
-            </a:br>
-            <a:r>
-              <a:rPr lang="fr-CA" sz="3600" dirty="0"/>
-              <a:t>(i.e. l’importance des différentes variables prédictives).</a:t>
+              <a:t>).</a:t>
             </a:r>
           </a:p>
           <a:p>
             <a:pPr marL="800100" lvl="1" indent="-342900">
-              <a:buFont typeface="Arial" panose="020B0604020202020204" pitchFamily="34" charset="0"/>
-              <a:buChar char="•"/>
-            </a:pPr>
-            <a:endParaRPr lang="fr-CA" sz="4000" dirty="0"/>
-          </a:p>
-          <a:p>
-            <a:pPr marL="571500" indent="-571500">
-              <a:buFont typeface="+mj-lt"/>
-              <a:buAutoNum type="romanUcPeriod"/>
-            </a:pPr>
-            <a:r>
-              <a:rPr lang="fr-CA" sz="4000" dirty="0"/>
-              <a:t>On entraîne le modèle à l’aide des exemples de l’ensemble d’entraînement.</a:t>
-            </a:r>
-          </a:p>
-          <a:p>
-            <a:pPr marL="1657350" lvl="2" indent="-742950">
-              <a:buFont typeface="Wingdings" panose="05000000000000000000" pitchFamily="2" charset="2"/>
-              <a:buChar char="Ø"/>
-            </a:pPr>
-            <a:r>
-              <a:rPr lang="fr-CA" sz="3600" dirty="0"/>
-              <a:t>On utilise l’ensemble d’entraînement pour estimer les valeurs des paramètres (i.e. l’importance des différentes variables prédictives).</a:t>
-            </a:r>
-          </a:p>
-          <a:p>
-            <a:pPr marL="1657350" lvl="2" indent="-742950">
               <a:buFont typeface="Wingdings" panose="05000000000000000000" pitchFamily="2" charset="2"/>
               <a:buChar char="Ø"/>
             </a:pPr>
             <a:endParaRPr lang="fr-CA" sz="4000" dirty="0"/>
           </a:p>
           <a:p>
-            <a:pPr marL="571500" indent="-571500">
-              <a:buFont typeface="+mj-lt"/>
-              <a:buAutoNum type="romanUcPeriod"/>
+            <a:pPr marL="342900" indent="-342900">
+              <a:buFont typeface="Wingdings" panose="05000000000000000000" pitchFamily="2" charset="2"/>
+              <a:buChar char="§"/>
             </a:pPr>
             <a:r>
               <a:rPr lang="fr-CA" sz="4000" dirty="0"/>
-              <a:t>On évalue le modèle à l’aide des exemples de l’ensemble de test.</a:t>
+              <a:t>La conclusion obtenue est essentiellement continue: </a:t>
             </a:r>
           </a:p>
           <a:p>
-            <a:pPr marL="1657350" lvl="2" indent="-742950">
+            <a:pPr marL="1200150" lvl="1" indent="-742950">
               <a:buFont typeface="Wingdings" panose="05000000000000000000" pitchFamily="2" charset="2"/>
               <a:buChar char="Ø"/>
             </a:pPr>
             <a:r>
               <a:rPr lang="fr-CA" sz="3600" dirty="0"/>
-              <a:t>On vérifie la capacité du modèle à prédire des nouveaux exemples qui n’ont jamais été utilisés pour l’entraîner.</a:t>
+              <a:t>À quel point peut-on bien prédire de nouvelles observations.</a:t>
             </a:r>
           </a:p>
           <a:p>
-            <a:pPr marL="1657350" lvl="2" indent="-742950">
+            <a:pPr marL="342900" indent="-342900">
+              <a:buFont typeface="Wingdings" panose="05000000000000000000" pitchFamily="2" charset="2"/>
+              <a:buChar char="§"/>
+            </a:pPr>
+            <a:endParaRPr lang="fr-CA" sz="4000" dirty="0"/>
+          </a:p>
+          <a:p>
+            <a:pPr marL="342900" indent="-342900">
+              <a:buFont typeface="Wingdings" panose="05000000000000000000" pitchFamily="2" charset="2"/>
+              <a:buChar char="§"/>
+            </a:pPr>
+            <a:r>
+              <a:rPr lang="fr-CA" sz="4000" dirty="0"/>
+              <a:t>La conclusion n’est pas limitée à des groupes d’individus.</a:t>
+            </a:r>
+          </a:p>
+          <a:p>
+            <a:pPr marL="800100" lvl="1" indent="-342900">
               <a:buFont typeface="Wingdings" panose="05000000000000000000" pitchFamily="2" charset="2"/>
               <a:buChar char="Ø"/>
             </a:pPr>
-            <a:endParaRPr lang="fr-CA" sz="3600" dirty="0"/>
+            <a:r>
+              <a:rPr lang="fr-CA" sz="3600" dirty="0"/>
+              <a:t>On peut utiliser le modèle estimé pour prédire de nouvelles données individuelles (c’est l’objectif principal!).</a:t>
+            </a:r>
           </a:p>
         </p:txBody>
       </p:sp>
       <p:sp>
         <p:nvSpPr>
-          <p:cNvPr id="3" name="TextBox 2">
+          <p:cNvPr id="6" name="TextBox 5">
             <a:extLst>
               <a:ext uri="{FF2B5EF4-FFF2-40B4-BE49-F238E27FC236}">
-                <a16:creationId xmlns:a16="http://schemas.microsoft.com/office/drawing/2014/main" id="{93CDF373-3B77-46C7-9D82-1B7038311949}"/>
+                <a16:creationId xmlns:a16="http://schemas.microsoft.com/office/drawing/2014/main" id="{F8AA180F-EF15-48F7-8E1B-F9215A957FF5}"/>
               </a:ext>
             </a:extLst>
           </p:cNvPr>
@@ -39826,8 +39811,8 @@
         </p:nvSpPr>
         <p:spPr>
           <a:xfrm>
-            <a:off x="-7658101" y="-678389"/>
-            <a:ext cx="26713016" cy="707886"/>
+            <a:off x="-8010526" y="-678389"/>
+            <a:ext cx="22193249" cy="707886"/>
           </a:xfrm>
           <a:prstGeom prst="rect">
             <a:avLst/>
@@ -39855,7 +39840,7 @@
     </p:spTree>
     <p:extLst>
       <p:ext uri="{BB962C8B-B14F-4D97-AF65-F5344CB8AC3E}">
-        <p14:creationId xmlns:p14="http://schemas.microsoft.com/office/powerpoint/2010/main" val="1531825998"/>
+        <p14:creationId xmlns:p14="http://schemas.microsoft.com/office/powerpoint/2010/main" val="1863467084"/>
       </p:ext>
     </p:extLst>
   </p:cSld>

--- a/cours_1/img/images.pptx
+++ b/cours_1/img/images.pptx
@@ -11497,7 +11497,7 @@
             </a:br>
             <a:r>
               <a:rPr lang="fr-CA" sz="3600" dirty="0"/>
-              <a:t>(dont la psychologie)!</a:t>
+              <a:t>(incluant les sciences biomédicales et humaines)!</a:t>
             </a:r>
           </a:p>
         </p:txBody>
@@ -12346,7 +12346,7 @@
         <p:spPr>
           <a:xfrm>
             <a:off x="-8010526" y="596860"/>
-            <a:ext cx="22193249" cy="14188500"/>
+            <a:ext cx="22193249" cy="10187404"/>
           </a:xfrm>
           <a:prstGeom prst="rect">
             <a:avLst/>
@@ -12409,69 +12409,7 @@
             </a:r>
           </a:p>
           <a:p>
-            <a:pPr marL="342900" indent="-342900">
-              <a:buFont typeface="Wingdings" panose="05000000000000000000" pitchFamily="2" charset="2"/>
-              <a:buChar char="§"/>
-            </a:pPr>
-            <a:endParaRPr lang="fr-CA" sz="4000" dirty="0"/>
-          </a:p>
-          <a:p>
-            <a:pPr marL="742950" indent="-742950">
-              <a:buFont typeface="Wingdings" panose="05000000000000000000" pitchFamily="2" charset="2"/>
-              <a:buChar char="§"/>
-            </a:pPr>
-            <a:r>
-              <a:rPr lang="fr-CA" sz="4000" dirty="0"/>
-              <a:t>On émet une hypothèse correspondant à un modèle des données </a:t>
-            </a:r>
-            <a:br>
-              <a:rPr lang="fr-CA" sz="4000" dirty="0"/>
-            </a:br>
-            <a:r>
-              <a:rPr lang="fr-CA" sz="4000" dirty="0"/>
-              <a:t>qui peut être:</a:t>
-            </a:r>
-          </a:p>
-          <a:p>
-            <a:pPr marL="342900" indent="-342900">
-              <a:buFont typeface="Wingdings" panose="05000000000000000000" pitchFamily="2" charset="2"/>
-              <a:buChar char="§"/>
-            </a:pPr>
-            <a:endParaRPr lang="fr-CA" sz="2000" dirty="0"/>
-          </a:p>
-          <a:p>
-            <a:pPr marL="1485900" lvl="2" indent="-571500">
-              <a:buFont typeface="Wingdings" panose="05000000000000000000" pitchFamily="2" charset="2"/>
-              <a:buChar char="Ø"/>
-            </a:pPr>
-            <a:r>
-              <a:rPr lang="fr-CA" sz="4000" dirty="0"/>
-              <a:t>plus ou moins flexible</a:t>
-            </a:r>
-          </a:p>
-          <a:p>
-            <a:pPr marL="1485900" lvl="2" indent="-571500">
-              <a:buFont typeface="Wingdings" panose="05000000000000000000" pitchFamily="2" charset="2"/>
-              <a:buChar char="Ø"/>
-            </a:pPr>
-            <a:endParaRPr lang="fr-CA" sz="2000" dirty="0"/>
-          </a:p>
-          <a:p>
-            <a:pPr marL="1485900" lvl="2" indent="-571500">
-              <a:buFont typeface="Wingdings" panose="05000000000000000000" pitchFamily="2" charset="2"/>
-              <a:buChar char="Ø"/>
-            </a:pPr>
-            <a:r>
-              <a:rPr lang="fr-CA" sz="4000" dirty="0"/>
-              <a:t>Plus ou moins basé sur la documentation disponible.</a:t>
-            </a:r>
-            <a:endParaRPr lang="fr-CA" sz="3600" dirty="0"/>
-          </a:p>
-          <a:p>
-            <a:pPr marL="1485900" lvl="2" indent="-571500">
-              <a:buFont typeface="Wingdings" panose="05000000000000000000" pitchFamily="2" charset="2"/>
-              <a:buChar char="Ø"/>
-            </a:pPr>
+            <a:pPr lvl="2"/>
             <a:endParaRPr lang="fr-CA" sz="3600" dirty="0"/>
           </a:p>
           <a:p>
@@ -12636,7 +12574,7 @@
         <p:spPr bwMode="auto">
           <a:xfrm>
             <a:off x="6857936" y="754529"/>
-            <a:ext cx="7907002" cy="6103472"/>
+            <a:ext cx="6327122" cy="4883951"/>
           </a:xfrm>
           <a:prstGeom prst="rect">
             <a:avLst/>
@@ -12682,8 +12620,8 @@
         </p:blipFill>
         <p:spPr bwMode="auto">
           <a:xfrm>
-            <a:off x="6857936" y="8196796"/>
-            <a:ext cx="7907002" cy="6103472"/>
+            <a:off x="6857936" y="6057982"/>
+            <a:ext cx="6327122" cy="4883951"/>
           </a:xfrm>
           <a:prstGeom prst="rect">
             <a:avLst/>
@@ -15397,8 +15335,8 @@
           <a:chExt cx="0" cy="0"/>
         </a:xfrm>
       </p:grpSpPr>
-      <mc:AlternateContent xmlns:mc="http://schemas.openxmlformats.org/markup-compatibility/2006">
-        <mc:Choice xmlns:a14="http://schemas.microsoft.com/office/drawing/2010/main" Requires="a14">
+      <mc:AlternateContent xmlns:mc="http://schemas.openxmlformats.org/markup-compatibility/2006" xmlns:a14="http://schemas.microsoft.com/office/drawing/2010/main">
+        <mc:Choice Requires="a14">
           <p:sp>
             <p:nvSpPr>
               <p:cNvPr id="2" name="TextBox 1">
@@ -16809,7 +16747,7 @@
             </p:txBody>
           </p:sp>
         </mc:Choice>
-        <mc:Fallback>
+        <mc:Fallback xmlns="">
           <p:sp>
             <p:nvSpPr>
               <p:cNvPr id="2" name="TextBox 1">
@@ -16889,7 +16827,7 @@
                   <a:srgbClr val="A50F15"/>
                 </a:solidFill>
               </a:rPr>
-              <a:t>1.3.1. STATISTIQUES INFÉRENTIELLES : MINMISATION DU BIAIS</a:t>
+              <a:t>1.3.1. STATISTIQUES INFÉRENTIELLES : MINIMISER LE BIAIS</a:t>
             </a:r>
           </a:p>
         </p:txBody>
@@ -18675,7 +18613,258 @@
                   <a:srgbClr val="A50F15"/>
                 </a:solidFill>
               </a:rPr>
-              <a:t>1.3.1. STATISTIQUES INFÉRENTIELLES : MINMISATION DU BIAIS</a:t>
+              <a:t>1.3.1. STATISTIQUES INFÉRENTIELLES : MINIMISER LE BIAIS</a:t>
+            </a:r>
+          </a:p>
+        </p:txBody>
+      </p:sp>
+      <p:grpSp>
+        <p:nvGrpSpPr>
+          <p:cNvPr id="14" name="Group 13">
+            <a:extLst>
+              <a:ext uri="{FF2B5EF4-FFF2-40B4-BE49-F238E27FC236}">
+                <a16:creationId xmlns:a16="http://schemas.microsoft.com/office/drawing/2014/main" id="{7BA9EF29-FC15-4C72-87B5-7D2B696A0B62}"/>
+              </a:ext>
+            </a:extLst>
+          </p:cNvPr>
+          <p:cNvGrpSpPr/>
+          <p:nvPr/>
+        </p:nvGrpSpPr>
+        <p:grpSpPr>
+          <a:xfrm>
+            <a:off x="6458858" y="10624457"/>
+            <a:ext cx="3643085" cy="1045029"/>
+            <a:chOff x="6458858" y="10624457"/>
+            <a:chExt cx="3643085" cy="1045029"/>
+          </a:xfrm>
+        </p:grpSpPr>
+        <p:cxnSp>
+          <p:nvCxnSpPr>
+            <p:cNvPr id="5" name="Straight Connector 4">
+              <a:extLst>
+                <a:ext uri="{FF2B5EF4-FFF2-40B4-BE49-F238E27FC236}">
+                  <a16:creationId xmlns:a16="http://schemas.microsoft.com/office/drawing/2014/main" id="{DA70F36B-14A6-4DEE-A45C-1244D76EA823}"/>
+                </a:ext>
+              </a:extLst>
+            </p:cNvPr>
+            <p:cNvCxnSpPr/>
+            <p:nvPr/>
+          </p:nvCxnSpPr>
+          <p:spPr>
+            <a:xfrm flipV="1">
+              <a:off x="6458858" y="10624457"/>
+              <a:ext cx="0" cy="348343"/>
+            </a:xfrm>
+            <a:prstGeom prst="line">
+              <a:avLst/>
+            </a:prstGeom>
+            <a:ln w="57150">
+              <a:solidFill>
+                <a:srgbClr val="EF3B2C"/>
+              </a:solidFill>
+            </a:ln>
+          </p:spPr>
+          <p:style>
+            <a:lnRef idx="1">
+              <a:schemeClr val="accent1"/>
+            </a:lnRef>
+            <a:fillRef idx="0">
+              <a:schemeClr val="accent1"/>
+            </a:fillRef>
+            <a:effectRef idx="0">
+              <a:schemeClr val="accent1"/>
+            </a:effectRef>
+            <a:fontRef idx="minor">
+              <a:schemeClr val="tx1"/>
+            </a:fontRef>
+          </p:style>
+        </p:cxnSp>
+        <p:cxnSp>
+          <p:nvCxnSpPr>
+            <p:cNvPr id="6" name="Straight Connector 5">
+              <a:extLst>
+                <a:ext uri="{FF2B5EF4-FFF2-40B4-BE49-F238E27FC236}">
+                  <a16:creationId xmlns:a16="http://schemas.microsoft.com/office/drawing/2014/main" id="{B55C4D4E-4F62-4644-99B8-2156BD451B83}"/>
+                </a:ext>
+              </a:extLst>
+            </p:cNvPr>
+            <p:cNvCxnSpPr>
+              <a:cxnSpLocks/>
+            </p:cNvCxnSpPr>
+            <p:nvPr/>
+          </p:nvCxnSpPr>
+          <p:spPr>
+            <a:xfrm flipH="1">
+              <a:off x="6458858" y="10624457"/>
+              <a:ext cx="2409371" cy="0"/>
+            </a:xfrm>
+            <a:prstGeom prst="line">
+              <a:avLst/>
+            </a:prstGeom>
+            <a:ln w="57150">
+              <a:solidFill>
+                <a:srgbClr val="EF3B2C"/>
+              </a:solidFill>
+            </a:ln>
+          </p:spPr>
+          <p:style>
+            <a:lnRef idx="1">
+              <a:schemeClr val="accent1"/>
+            </a:lnRef>
+            <a:fillRef idx="0">
+              <a:schemeClr val="accent1"/>
+            </a:fillRef>
+            <a:effectRef idx="0">
+              <a:schemeClr val="accent1"/>
+            </a:effectRef>
+            <a:fontRef idx="minor">
+              <a:schemeClr val="tx1"/>
+            </a:fontRef>
+          </p:style>
+        </p:cxnSp>
+        <p:cxnSp>
+          <p:nvCxnSpPr>
+            <p:cNvPr id="9" name="Straight Connector 8">
+              <a:extLst>
+                <a:ext uri="{FF2B5EF4-FFF2-40B4-BE49-F238E27FC236}">
+                  <a16:creationId xmlns:a16="http://schemas.microsoft.com/office/drawing/2014/main" id="{13072E09-82AE-4A41-BAD7-8B0D7E34DB6D}"/>
+                </a:ext>
+              </a:extLst>
+            </p:cNvPr>
+            <p:cNvCxnSpPr>
+              <a:cxnSpLocks/>
+            </p:cNvCxnSpPr>
+            <p:nvPr/>
+          </p:nvCxnSpPr>
+          <p:spPr>
+            <a:xfrm>
+              <a:off x="8868229" y="10624457"/>
+              <a:ext cx="0" cy="1045029"/>
+            </a:xfrm>
+            <a:prstGeom prst="line">
+              <a:avLst/>
+            </a:prstGeom>
+            <a:ln w="57150">
+              <a:solidFill>
+                <a:srgbClr val="EF3B2C"/>
+              </a:solidFill>
+            </a:ln>
+          </p:spPr>
+          <p:style>
+            <a:lnRef idx="1">
+              <a:schemeClr val="accent1"/>
+            </a:lnRef>
+            <a:fillRef idx="0">
+              <a:schemeClr val="accent1"/>
+            </a:fillRef>
+            <a:effectRef idx="0">
+              <a:schemeClr val="accent1"/>
+            </a:effectRef>
+            <a:fontRef idx="minor">
+              <a:schemeClr val="tx1"/>
+            </a:fontRef>
+          </p:style>
+        </p:cxnSp>
+        <p:cxnSp>
+          <p:nvCxnSpPr>
+            <p:cNvPr id="13" name="Straight Arrow Connector 12">
+              <a:extLst>
+                <a:ext uri="{FF2B5EF4-FFF2-40B4-BE49-F238E27FC236}">
+                  <a16:creationId xmlns:a16="http://schemas.microsoft.com/office/drawing/2014/main" id="{1CB58FC7-DAB1-481B-A932-7AB6F5219BDD}"/>
+                </a:ext>
+              </a:extLst>
+            </p:cNvPr>
+            <p:cNvCxnSpPr/>
+            <p:nvPr/>
+          </p:nvCxnSpPr>
+          <p:spPr>
+            <a:xfrm>
+              <a:off x="8868229" y="11669486"/>
+              <a:ext cx="1233714" cy="0"/>
+            </a:xfrm>
+            <a:prstGeom prst="straightConnector1">
+              <a:avLst/>
+            </a:prstGeom>
+            <a:ln w="57150">
+              <a:solidFill>
+                <a:srgbClr val="EF3B2C"/>
+              </a:solidFill>
+              <a:tailEnd type="triangle"/>
+            </a:ln>
+          </p:spPr>
+          <p:style>
+            <a:lnRef idx="1">
+              <a:schemeClr val="accent1"/>
+            </a:lnRef>
+            <a:fillRef idx="0">
+              <a:schemeClr val="accent1"/>
+            </a:fillRef>
+            <a:effectRef idx="0">
+              <a:schemeClr val="accent1"/>
+            </a:effectRef>
+            <a:fontRef idx="minor">
+              <a:schemeClr val="tx1"/>
+            </a:fontRef>
+          </p:style>
+        </p:cxnSp>
+      </p:grpSp>
+      <p:sp>
+        <p:nvSpPr>
+          <p:cNvPr id="16" name="TextBox 15">
+            <a:extLst>
+              <a:ext uri="{FF2B5EF4-FFF2-40B4-BE49-F238E27FC236}">
+                <a16:creationId xmlns:a16="http://schemas.microsoft.com/office/drawing/2014/main" id="{C1738532-D09F-46A7-BB21-92AD3848EAEF}"/>
+              </a:ext>
+            </a:extLst>
+          </p:cNvPr>
+          <p:cNvSpPr txBox="1"/>
+          <p:nvPr/>
+        </p:nvSpPr>
+        <p:spPr>
+          <a:xfrm flipH="1">
+            <a:off x="10396271" y="10792323"/>
+            <a:ext cx="8318085" cy="1754326"/>
+          </a:xfrm>
+          <a:prstGeom prst="rect">
+            <a:avLst/>
+          </a:prstGeom>
+          <a:noFill/>
+        </p:spPr>
+        <p:txBody>
+          <a:bodyPr wrap="square" rtlCol="0">
+            <a:spAutoFit/>
+          </a:bodyPr>
+          <a:lstStyle/>
+          <a:p>
+            <a:r>
+              <a:rPr lang="fr-CA" sz="3600" i="1" dirty="0"/>
+              <a:t>Note: un </a:t>
+            </a:r>
+            <a:r>
+              <a:rPr lang="fr-CA" sz="3600" b="1" i="1" dirty="0"/>
+              <a:t>« chapeau »</a:t>
+            </a:r>
+            <a:r>
+              <a:rPr lang="fr-CA" sz="3600" i="1" dirty="0"/>
+              <a:t> sur une variable</a:t>
+            </a:r>
+            <a:br>
+              <a:rPr lang="fr-CA" sz="3600" i="1" dirty="0"/>
+            </a:br>
+            <a:r>
+              <a:rPr lang="fr-CA" sz="3600" i="1" dirty="0"/>
+              <a:t>indique qu’il s’agit d’une valeur </a:t>
+            </a:r>
+            <a:r>
+              <a:rPr lang="fr-CA" sz="3600" b="1" i="1" dirty="0"/>
+              <a:t>« prédite »</a:t>
+            </a:r>
+            <a:br>
+              <a:rPr lang="fr-CA" sz="3600" b="1" i="1" dirty="0"/>
+            </a:br>
+            <a:r>
+              <a:rPr lang="fr-CA" sz="3600" i="1" dirty="0"/>
+              <a:t>et non de la vraie valeur de l’observation. </a:t>
             </a:r>
           </a:p>
         </p:txBody>
@@ -19725,7 +19914,7 @@
                   <a:srgbClr val="A50F15"/>
                 </a:solidFill>
               </a:rPr>
-              <a:t>1.3.1. STATISTIQUES INFÉRENTIELLES : MINMISATION DU BIAIS</a:t>
+              <a:t>1.3.1. STATISTIQUES INFÉRENTIELLES : MINIMISER LE BIAIS</a:t>
             </a:r>
           </a:p>
         </p:txBody>
@@ -24098,7 +24287,7 @@
                   <a:srgbClr val="A50F15"/>
                 </a:solidFill>
               </a:rPr>
-              <a:t>1.3.1. STATISTIQUES INFÉRENTIELLES : MINMISATION DU BIAIS</a:t>
+              <a:t>1.3.1. STATISTIQUES INFÉRENTIELLES : MINIMISER LE BIAIS</a:t>
             </a:r>
           </a:p>
         </p:txBody>
@@ -32643,7 +32832,7 @@
                   <a:srgbClr val="A50F15"/>
                 </a:solidFill>
               </a:rPr>
-              <a:t>1.3.1. STATISTIQUES INFÉRENTIELLES : MINMISATION DU BIAIS</a:t>
+              <a:t>1.3.1. STATISTIQUES INFÉRENTIELLES : MINIMISER LE BIAIS</a:t>
             </a:r>
           </a:p>
         </p:txBody>
@@ -33953,7 +34142,7 @@
                   <a:srgbClr val="A50F15"/>
                 </a:solidFill>
               </a:rPr>
-              <a:t>1.3.1. STATISTIQUES INFÉRENTIELLES : MINMISATION DU BIAIS</a:t>
+              <a:t>1.3.1. STATISTIQUES INFÉRENTIELLES : MINIMISER LE BIAIS</a:t>
             </a:r>
           </a:p>
         </p:txBody>
@@ -35993,7 +36182,7 @@
                   <a:srgbClr val="A50F15"/>
                 </a:solidFill>
               </a:rPr>
-              <a:t>1.3.1. STATISTIQUES INFÉRENTIELLES : MINMISATION DU BIAIS</a:t>
+              <a:t>1.3.1. STATISTIQUES INFÉRENTIELLES : MINIMISER LE BIAIS</a:t>
             </a:r>
           </a:p>
         </p:txBody>
@@ -37605,7 +37794,7 @@
                   <a:srgbClr val="A50F15"/>
                 </a:solidFill>
               </a:rPr>
-              <a:t>1.3.1. STATISTIQUES INFÉRENTIELLES : MINMISATION DU BIAIS</a:t>
+              <a:t>1.3.1. STATISTIQUES INFÉRENTIELLES : MINIMISER LE BIAIS</a:t>
             </a:r>
           </a:p>
         </p:txBody>
@@ -37753,7 +37942,7 @@
             </a:pPr>
             <a:r>
               <a:rPr lang="fr-CA" sz="2800" dirty="0"/>
-              <a:t>Les méthodes associées aux statistiques inférentielles et à l'apprentissage machine ont été développées avec en tête des objectifs différents.</a:t>
+              <a:t>Les statistiques inférentielles et l'apprentissage machine ont été développées avec en tête des objectifs différents.</a:t>
             </a:r>
           </a:p>
           <a:p>
@@ -37862,7 +38051,7 @@
             <p:spPr>
               <a:xfrm>
                 <a:off x="-7658101" y="707886"/>
-                <a:ext cx="28659804" cy="13696057"/>
+                <a:ext cx="28659804" cy="12034064"/>
               </a:xfrm>
               <a:prstGeom prst="rect">
                 <a:avLst/>
@@ -37973,7 +38162,7 @@
                 </a:pPr>
                 <a:r>
                   <a:rPr lang="fr-CA" sz="4000" dirty="0"/>
-                  <a:t>On pose une hypothèse quant à la forme d’un modèle capable de transformer des variables d’entrée en variables de sortie appropriées.</a:t>
+                  <a:t>Le modèle est induit à partir des données.</a:t>
                 </a:r>
               </a:p>
               <a:p>
@@ -37983,7 +38172,7 @@
                 </a:pPr>
                 <a:r>
                   <a:rPr lang="fr-CA" sz="3600" dirty="0"/>
-                  <a:t>Le modèle inclut généralement à un grand nombre de variables.</a:t>
+                  <a:t>Le modèle inclut généralement un grand nombre de variables.</a:t>
                 </a:r>
               </a:p>
               <a:p>
@@ -37993,34 +38182,7 @@
                 </a:pPr>
                 <a:r>
                   <a:rPr lang="fr-CA" sz="3600" dirty="0"/>
-                  <a:t>Chaque variable est généralement accompagnée d’un paramètre, qui reflète l’importance de la variable à l’intérieur du modèle.</a:t>
-                </a:r>
-              </a:p>
-              <a:p>
-                <a:pPr marL="1657350" lvl="2" indent="-742950">
-                  <a:buFont typeface="Wingdings" panose="05000000000000000000" pitchFamily="2" charset="2"/>
-                  <a:buChar char="Ø"/>
-                </a:pPr>
-                <a:r>
-                  <a:rPr lang="fr-CA" sz="3600" dirty="0"/>
-                  <a:t>Le chercheur s’inspire principalement de la documentation pratique pour construire son modèle </a:t>
-                </a:r>
-                <a:br>
-                  <a:rPr lang="fr-CA" sz="3600" dirty="0"/>
-                </a:br>
-                <a:r>
-                  <a:rPr lang="fr-CA" sz="3600" dirty="0"/>
-                  <a:t>(i.e. s’inspire de ce qui fonctionne et non ce qui est interprétable).</a:t>
-                </a:r>
-              </a:p>
-              <a:p>
-                <a:pPr marL="1657350" lvl="2" indent="-742950">
-                  <a:buFont typeface="Wingdings" panose="05000000000000000000" pitchFamily="2" charset="2"/>
-                  <a:buChar char="Ø"/>
-                </a:pPr>
-                <a:r>
-                  <a:rPr lang="fr-CA" sz="3600" dirty="0"/>
-                  <a:t>La forme du modèle est flexible et peut être adaptée à partir des exemples.</a:t>
+                  <a:t>Chaque variable est accompagnée d’un paramètre, qui reflète l’importance de la variable à l’intérieur du modèle.</a:t>
                 </a:r>
               </a:p>
               <a:p>
@@ -38037,7 +38199,7 @@
                 </a:pPr>
                 <a:r>
                   <a:rPr lang="fr-CA" sz="4000" dirty="0"/>
-                  <a:t>On récolte un échantillon : un grand nombre d’observations.</a:t>
+                  <a:t>On récolte un échantillon : généralement un grand nombre d’observations.</a:t>
                 </a:r>
               </a:p>
               <a:p>
@@ -38064,7 +38226,7 @@
                 </a:pPr>
                 <a:r>
                   <a:rPr lang="fr-CA" sz="4000" dirty="0"/>
-                  <a:t>On entraîne le modèle à l’aide des exemples de l’ensemble d’entraînement.</a:t>
+                  <a:t>On construit le modèle à l’aide des exemples de l’ensemble d’entraînement.</a:t>
                 </a:r>
               </a:p>
               <a:p>
@@ -38146,7 +38308,7 @@
             <p:spPr>
               <a:xfrm>
                 <a:off x="-7658101" y="707886"/>
-                <a:ext cx="28659804" cy="13696057"/>
+                <a:ext cx="28659804" cy="12034064"/>
               </a:xfrm>
               <a:prstGeom prst="rect">
                 <a:avLst/>
@@ -38154,7 +38316,7 @@
               <a:blipFill>
                 <a:blip r:embed="rId3"/>
                 <a:stretch>
-                  <a:fillRect l="-1298" t="-801" r="-659" b="-2047"/>
+                  <a:fillRect l="-1298" t="-912" r="-553" b="-2482"/>
                 </a:stretch>
               </a:blipFill>
             </p:spPr>
@@ -38313,8 +38475,8 @@
           <a:chExt cx="0" cy="0"/>
         </a:xfrm>
       </p:grpSpPr>
-      <mc:AlternateContent xmlns:mc="http://schemas.openxmlformats.org/markup-compatibility/2006" xmlns:a14="http://schemas.microsoft.com/office/drawing/2010/main">
-        <mc:Choice Requires="a14">
+      <mc:AlternateContent xmlns:mc="http://schemas.openxmlformats.org/markup-compatibility/2006">
+        <mc:Choice xmlns:a14="http://schemas.microsoft.com/office/drawing/2010/main" Requires="a14">
           <p:sp>
             <p:nvSpPr>
               <p:cNvPr id="2" name="TextBox 1">
@@ -38329,8 +38491,8 @@
             </p:nvSpPr>
             <p:spPr>
               <a:xfrm>
-                <a:off x="-7658100" y="707886"/>
-                <a:ext cx="22898100" cy="15234940"/>
+                <a:off x="-7658101" y="707886"/>
+                <a:ext cx="24058307" cy="15234940"/>
               </a:xfrm>
               <a:prstGeom prst="rect">
                 <a:avLst/>
@@ -38455,14 +38617,7 @@
                 </a14:m>
                 <a:r>
                   <a:rPr lang="fr-CA" sz="3600" dirty="0"/>
-                  <a:t> avec une faible probabilité </a:t>
-                </a:r>
-                <a:br>
-                  <a:rPr lang="fr-CA" sz="3600" dirty="0"/>
-                </a:br>
-                <a:r>
-                  <a:rPr lang="fr-CA" sz="3600" dirty="0"/>
-                  <a:t>de se tromper si </a:t>
+                  <a:t> avec une faible probabilité de se tromper si </a:t>
                 </a:r>
                 <a14:m>
                   <m:oMath xmlns:m="http://schemas.openxmlformats.org/officeDocument/2006/math">
@@ -38549,7 +38704,7 @@
                 </a:pPr>
                 <a:r>
                   <a:rPr lang="fr-CA" sz="3600" dirty="0"/>
-                  <a:t>Le modèle correspond généralement à une ou plusieurs variables.</a:t>
+                  <a:t>Le modèle inclut généralement à une ou plusieurs variables indépendantes (i.e. unidimensionnel ou de faible dimensionnalité).</a:t>
                 </a:r>
               </a:p>
               <a:p>
@@ -38593,8 +38748,12 @@
                   <a:buChar char="Ø"/>
                 </a:pPr>
                 <a:r>
+                  <a:rPr lang="fr-CA" sz="3600" dirty="0"/>
+                  <a:t>Ce modèle est </a:t>
+                </a:r>
+                <a:r>
                   <a:rPr lang="fr-CA" sz="3600" b="1" dirty="0"/>
-                  <a:t>Ce modèle est rigide.</a:t>
+                  <a:t>rigide.</a:t>
                 </a:r>
               </a:p>
               <a:p>
@@ -38661,7 +38820,7 @@
                 </a:pPr>
                 <a:r>
                   <a:rPr lang="fr-CA" sz="4000" dirty="0"/>
-                  <a:t>On conclue.</a:t>
+                  <a:t>On conclut.</a:t>
                 </a:r>
               </a:p>
               <a:p>
@@ -38673,6 +38832,9 @@
                   <a:rPr lang="fr-CA" sz="3600" dirty="0"/>
                   <a:t>Le chercheur vérifie quelle était la probabilité d’obtenir les valeurs des paramètres estimées à partir de l’échantillon, </a:t>
                 </a:r>
+                <a:br>
+                  <a:rPr lang="fr-CA" sz="3600" dirty="0"/>
+                </a:br>
                 <a:r>
                   <a:rPr lang="fr-CA" sz="3600" b="1" dirty="0"/>
                   <a:t>si </a:t>
@@ -38695,11 +38857,19 @@
                 </a14:m>
                 <a:r>
                   <a:rPr lang="fr-CA" sz="3600" b="1" dirty="0"/>
-                  <a:t> est vraie</a:t>
+                  <a:t> est vraie </a:t>
                 </a:r>
                 <a:r>
                   <a:rPr lang="fr-CA" sz="3600" dirty="0"/>
-                  <a:t>.</a:t>
+                  <a:t>(i.e. la valeur </a:t>
+                </a:r>
+                <a:r>
+                  <a:rPr lang="fr-CA" sz="3600" i="1" dirty="0"/>
+                  <a:t>p</a:t>
+                </a:r>
+                <a:r>
+                  <a:rPr lang="fr-CA" sz="3600" dirty="0"/>
+                  <a:t>).</a:t>
                 </a:r>
               </a:p>
               <a:p>
@@ -38735,7 +38905,7 @@
             </p:txBody>
           </p:sp>
         </mc:Choice>
-        <mc:Fallback xmlns="">
+        <mc:Fallback>
           <p:sp>
             <p:nvSpPr>
               <p:cNvPr id="2" name="TextBox 1">
@@ -38752,8 +38922,8 @@
             </p:nvSpPr>
             <p:spPr>
               <a:xfrm>
-                <a:off x="-7658100" y="707886"/>
-                <a:ext cx="22898100" cy="15234940"/>
+                <a:off x="-7658101" y="707886"/>
+                <a:ext cx="24058307" cy="15234940"/>
               </a:xfrm>
               <a:prstGeom prst="rect">
                 <a:avLst/>
@@ -38761,7 +38931,7 @@
               <a:blipFill>
                 <a:blip r:embed="rId3"/>
                 <a:stretch>
-                  <a:fillRect l="-958" t="-720" b="-760"/>
+                  <a:fillRect l="-912" t="-720" b="-760"/>
                 </a:stretch>
               </a:blipFill>
             </p:spPr>
@@ -39237,7 +39407,7 @@
             <p:spPr>
               <a:xfrm>
                 <a:off x="-7658101" y="707886"/>
-                <a:ext cx="28866282" cy="11295400"/>
+                <a:ext cx="28866282" cy="11849398"/>
               </a:xfrm>
               <a:prstGeom prst="rect">
                 <a:avLst/>
@@ -39403,7 +39573,15 @@
                 </a:pPr>
                 <a:r>
                   <a:rPr lang="fr-CA" sz="3600" dirty="0"/>
-                  <a:t>La forme du modèle est flexible et peut être adaptée à partir des exemples.</a:t>
+                  <a:t>La forme du modèle est </a:t>
+                </a:r>
+                <a:r>
+                  <a:rPr lang="fr-CA" sz="3600" b="1" dirty="0"/>
+                  <a:t>flexible</a:t>
+                </a:r>
+                <a:r>
+                  <a:rPr lang="fr-CA" sz="3600" dirty="0"/>
+                  <a:t> et peut être adaptée à partir des exemples.</a:t>
                 </a:r>
               </a:p>
               <a:p>
@@ -39487,6 +39665,16 @@
                   <a:t>On vérifie la capacité du modèle à prédire des nouveaux exemples qui n’ont jamais été utilisés pour l’entraîner.</a:t>
                 </a:r>
               </a:p>
+              <a:p>
+                <a:pPr marL="1657350" lvl="2" indent="-742950">
+                  <a:buFont typeface="Wingdings" panose="05000000000000000000" pitchFamily="2" charset="2"/>
+                  <a:buChar char="Ø"/>
+                </a:pPr>
+                <a:r>
+                  <a:rPr lang="fr-CA" sz="3600" b="1" dirty="0"/>
+                  <a:t>On vérifie la capacité du modèle à généraliser.</a:t>
+                </a:r>
+              </a:p>
             </p:txBody>
           </p:sp>
         </mc:Choice>
@@ -39508,7 +39696,7 @@
             <p:spPr>
               <a:xfrm>
                 <a:off x="-7658101" y="707886"/>
-                <a:ext cx="28866282" cy="11295400"/>
+                <a:ext cx="28866282" cy="11849398"/>
               </a:xfrm>
               <a:prstGeom prst="rect">
                 <a:avLst/>
@@ -39516,7 +39704,7 @@
               <a:blipFill>
                 <a:blip r:embed="rId3"/>
                 <a:stretch>
-                  <a:fillRect l="-760" t="-971" b="-1079"/>
+                  <a:fillRect l="-760" t="-926" b="-977"/>
                 </a:stretch>
               </a:blipFill>
             </p:spPr>
@@ -39620,7 +39808,7 @@
         <p:spPr>
           <a:xfrm>
             <a:off x="-8010526" y="596860"/>
-            <a:ext cx="22193249" cy="9140964"/>
+            <a:ext cx="22193249" cy="10310515"/>
           </a:xfrm>
           <a:prstGeom prst="rect">
             <a:avLst/>
@@ -39639,6 +39827,23 @@
             </a:r>
           </a:p>
           <a:p>
+            <a:endParaRPr lang="fr-CA" sz="4000" dirty="0"/>
+          </a:p>
+          <a:p>
+            <a:pPr marL="342900" indent="-342900">
+              <a:buFont typeface="Wingdings" panose="05000000000000000000" pitchFamily="2" charset="2"/>
+              <a:buChar char="§"/>
+            </a:pPr>
+            <a:r>
+              <a:rPr lang="fr-CA" sz="4000" dirty="0"/>
+              <a:t>On extrait une loi générale.</a:t>
+            </a:r>
+          </a:p>
+          <a:p>
+            <a:pPr marL="342900" indent="-342900">
+              <a:buFont typeface="Wingdings" panose="05000000000000000000" pitchFamily="2" charset="2"/>
+              <a:buChar char="§"/>
+            </a:pPr>
             <a:endParaRPr lang="fr-CA" sz="4000" dirty="0"/>
           </a:p>
           <a:p>
